--- a/Figures/Figure 1.pptx
+++ b/Figures/Figure 1.pptx
@@ -5,7 +5,12 @@
     <p:sldMasterId id="2147483648" r:id="rId1"/>
   </p:sldMasterIdLst>
   <p:sldIdLst>
-    <p:sldId id="256" r:id="rId2"/>
+    <p:sldId id="260" r:id="rId2"/>
+    <p:sldId id="259" r:id="rId3"/>
+    <p:sldId id="261" r:id="rId4"/>
+    <p:sldId id="262" r:id="rId5"/>
+    <p:sldId id="263" r:id="rId6"/>
+    <p:sldId id="264" r:id="rId7"/>
   </p:sldIdLst>
   <p:sldSz cx="12192000" cy="6858000"/>
   <p:notesSz cx="6858000" cy="9144000"/>
@@ -378,7 +383,7 @@
           <a:p>
             <a:fld id="{CAE04AF2-9FD4-4D07-8415-B4FEC9064C4B}" type="datetimeFigureOut">
               <a:rPr lang="es-ES" smtClean="0"/>
-              <a:t>26/07/2025</a:t>
+              <a:t>15/9/25</a:t>
             </a:fld>
             <a:endParaRPr lang="es-ES"/>
           </a:p>
@@ -578,7 +583,7 @@
           <a:p>
             <a:fld id="{CAE04AF2-9FD4-4D07-8415-B4FEC9064C4B}" type="datetimeFigureOut">
               <a:rPr lang="es-ES" smtClean="0"/>
-              <a:t>26/07/2025</a:t>
+              <a:t>15/9/25</a:t>
             </a:fld>
             <a:endParaRPr lang="es-ES"/>
           </a:p>
@@ -788,7 +793,7 @@
           <a:p>
             <a:fld id="{CAE04AF2-9FD4-4D07-8415-B4FEC9064C4B}" type="datetimeFigureOut">
               <a:rPr lang="es-ES" smtClean="0"/>
-              <a:t>26/07/2025</a:t>
+              <a:t>15/9/25</a:t>
             </a:fld>
             <a:endParaRPr lang="es-ES"/>
           </a:p>
@@ -988,7 +993,7 @@
           <a:p>
             <a:fld id="{CAE04AF2-9FD4-4D07-8415-B4FEC9064C4B}" type="datetimeFigureOut">
               <a:rPr lang="es-ES" smtClean="0"/>
-              <a:t>26/07/2025</a:t>
+              <a:t>15/9/25</a:t>
             </a:fld>
             <a:endParaRPr lang="es-ES"/>
           </a:p>
@@ -1264,7 +1269,7 @@
           <a:p>
             <a:fld id="{CAE04AF2-9FD4-4D07-8415-B4FEC9064C4B}" type="datetimeFigureOut">
               <a:rPr lang="es-ES" smtClean="0"/>
-              <a:t>26/07/2025</a:t>
+              <a:t>15/9/25</a:t>
             </a:fld>
             <a:endParaRPr lang="es-ES"/>
           </a:p>
@@ -1532,7 +1537,7 @@
           <a:p>
             <a:fld id="{CAE04AF2-9FD4-4D07-8415-B4FEC9064C4B}" type="datetimeFigureOut">
               <a:rPr lang="es-ES" smtClean="0"/>
-              <a:t>26/07/2025</a:t>
+              <a:t>15/9/25</a:t>
             </a:fld>
             <a:endParaRPr lang="es-ES"/>
           </a:p>
@@ -1947,7 +1952,7 @@
           <a:p>
             <a:fld id="{CAE04AF2-9FD4-4D07-8415-B4FEC9064C4B}" type="datetimeFigureOut">
               <a:rPr lang="es-ES" smtClean="0"/>
-              <a:t>26/07/2025</a:t>
+              <a:t>15/9/25</a:t>
             </a:fld>
             <a:endParaRPr lang="es-ES"/>
           </a:p>
@@ -2089,7 +2094,7 @@
           <a:p>
             <a:fld id="{CAE04AF2-9FD4-4D07-8415-B4FEC9064C4B}" type="datetimeFigureOut">
               <a:rPr lang="es-ES" smtClean="0"/>
-              <a:t>26/07/2025</a:t>
+              <a:t>15/9/25</a:t>
             </a:fld>
             <a:endParaRPr lang="es-ES"/>
           </a:p>
@@ -2202,7 +2207,7 @@
           <a:p>
             <a:fld id="{CAE04AF2-9FD4-4D07-8415-B4FEC9064C4B}" type="datetimeFigureOut">
               <a:rPr lang="es-ES" smtClean="0"/>
-              <a:t>26/07/2025</a:t>
+              <a:t>15/9/25</a:t>
             </a:fld>
             <a:endParaRPr lang="es-ES"/>
           </a:p>
@@ -2515,7 +2520,7 @@
           <a:p>
             <a:fld id="{CAE04AF2-9FD4-4D07-8415-B4FEC9064C4B}" type="datetimeFigureOut">
               <a:rPr lang="es-ES" smtClean="0"/>
-              <a:t>26/07/2025</a:t>
+              <a:t>15/9/25</a:t>
             </a:fld>
             <a:endParaRPr lang="es-ES"/>
           </a:p>
@@ -2804,7 +2809,7 @@
           <a:p>
             <a:fld id="{CAE04AF2-9FD4-4D07-8415-B4FEC9064C4B}" type="datetimeFigureOut">
               <a:rPr lang="es-ES" smtClean="0"/>
-              <a:t>26/07/2025</a:t>
+              <a:t>15/9/25</a:t>
             </a:fld>
             <a:endParaRPr lang="es-ES"/>
           </a:p>
@@ -3047,7 +3052,7 @@
           <a:p>
             <a:fld id="{CAE04AF2-9FD4-4D07-8415-B4FEC9064C4B}" type="datetimeFigureOut">
               <a:rPr lang="es-ES" smtClean="0"/>
-              <a:t>26/07/2025</a:t>
+              <a:t>15/9/25</a:t>
             </a:fld>
             <a:endParaRPr lang="es-ES"/>
           </a:p>
@@ -3466,10 +3471,10 @@
       </p:grpSpPr>
       <p:sp>
         <p:nvSpPr>
-          <p:cNvPr id="14" name="Rectangle 13">
-            <a:extLst>
-              <a:ext uri="{FF2B5EF4-FFF2-40B4-BE49-F238E27FC236}">
-                <a16:creationId xmlns:a16="http://schemas.microsoft.com/office/drawing/2014/main" id="{DEE2E22E-D3D8-E6EC-7118-E55C09E51AA7}"/>
+          <p:cNvPr id="4" name="Rectangle 3">
+            <a:extLst>
+              <a:ext uri="{FF2B5EF4-FFF2-40B4-BE49-F238E27FC236}">
+                <a16:creationId xmlns:a16="http://schemas.microsoft.com/office/drawing/2014/main" id="{9A95F795-B7E4-D564-0DC3-32DB0AF886C6}"/>
               </a:ext>
             </a:extLst>
           </p:cNvPr>
@@ -3478,15 +3483,18 @@
         </p:nvSpPr>
         <p:spPr>
           <a:xfrm>
-            <a:off x="0" y="0"/>
-            <a:ext cx="12192000" cy="6857999"/>
+            <a:off x="8117594" y="1970071"/>
+            <a:ext cx="3413737" cy="2880000"/>
           </a:xfrm>
           <a:prstGeom prst="rect">
             <a:avLst/>
           </a:prstGeom>
           <a:solidFill>
-            <a:srgbClr val="FFF7F2"/>
+            <a:srgbClr val="B4E5D8"/>
           </a:solidFill>
+          <a:ln>
+            <a:noFill/>
+          </a:ln>
         </p:spPr>
         <p:style>
           <a:lnRef idx="2">
@@ -3509,16 +3517,1870 @@
           <a:lstStyle/>
           <a:p>
             <a:pPr algn="ctr"/>
-            <a:endParaRPr lang="es-ES"/>
+            <a:endParaRPr lang="en-ES"/>
+          </a:p>
+        </p:txBody>
+      </p:sp>
+      <p:sp>
+        <p:nvSpPr>
+          <p:cNvPr id="5" name="Rectangle 4">
+            <a:extLst>
+              <a:ext uri="{FF2B5EF4-FFF2-40B4-BE49-F238E27FC236}">
+                <a16:creationId xmlns:a16="http://schemas.microsoft.com/office/drawing/2014/main" id="{76F83E07-9D01-83BA-414B-B7FD09BE7096}"/>
+              </a:ext>
+            </a:extLst>
+          </p:cNvPr>
+          <p:cNvSpPr/>
+          <p:nvPr/>
+        </p:nvSpPr>
+        <p:spPr>
+          <a:xfrm>
+            <a:off x="4115441" y="1989000"/>
+            <a:ext cx="3413736" cy="2880000"/>
+          </a:xfrm>
+          <a:prstGeom prst="rect">
+            <a:avLst/>
+          </a:prstGeom>
+          <a:solidFill>
+            <a:srgbClr val="E2C6EA"/>
+          </a:solidFill>
+          <a:ln>
+            <a:noFill/>
+          </a:ln>
+        </p:spPr>
+        <p:style>
+          <a:lnRef idx="2">
+            <a:schemeClr val="accent1">
+              <a:shade val="15000"/>
+            </a:schemeClr>
+          </a:lnRef>
+          <a:fillRef idx="1">
+            <a:schemeClr val="accent1"/>
+          </a:fillRef>
+          <a:effectRef idx="0">
+            <a:schemeClr val="accent1"/>
+          </a:effectRef>
+          <a:fontRef idx="minor">
+            <a:schemeClr val="lt1"/>
+          </a:fontRef>
+        </p:style>
+        <p:txBody>
+          <a:bodyPr rtlCol="0" anchor="ctr"/>
+          <a:lstStyle/>
+          <a:p>
+            <a:pPr algn="ctr"/>
+            <a:endParaRPr lang="en-ES"/>
+          </a:p>
+        </p:txBody>
+      </p:sp>
+      <p:sp>
+        <p:nvSpPr>
+          <p:cNvPr id="6" name="Rounded Rectangle 5">
+            <a:extLst>
+              <a:ext uri="{FF2B5EF4-FFF2-40B4-BE49-F238E27FC236}">
+                <a16:creationId xmlns:a16="http://schemas.microsoft.com/office/drawing/2014/main" id="{E26E91B6-DCFE-8A39-8530-2A67359A8BD5}"/>
+              </a:ext>
+            </a:extLst>
+          </p:cNvPr>
+          <p:cNvSpPr/>
+          <p:nvPr/>
+        </p:nvSpPr>
+        <p:spPr>
+          <a:xfrm>
+            <a:off x="558561" y="1214932"/>
+            <a:ext cx="2968463" cy="3635139"/>
+          </a:xfrm>
+          <a:prstGeom prst="roundRect">
+            <a:avLst/>
+          </a:prstGeom>
+          <a:solidFill>
+            <a:srgbClr val="FFF8F3"/>
+          </a:solidFill>
+          <a:ln w="28575">
+            <a:solidFill>
+              <a:schemeClr val="tx1">
+                <a:lumMod val="85000"/>
+                <a:lumOff val="15000"/>
+              </a:schemeClr>
+            </a:solidFill>
+          </a:ln>
+        </p:spPr>
+        <p:style>
+          <a:lnRef idx="2">
+            <a:schemeClr val="accent1">
+              <a:shade val="15000"/>
+            </a:schemeClr>
+          </a:lnRef>
+          <a:fillRef idx="1">
+            <a:schemeClr val="accent1"/>
+          </a:fillRef>
+          <a:effectRef idx="0">
+            <a:schemeClr val="accent1"/>
+          </a:effectRef>
+          <a:fontRef idx="minor">
+            <a:schemeClr val="lt1"/>
+          </a:fontRef>
+        </p:style>
+        <p:txBody>
+          <a:bodyPr rtlCol="0" anchor="ctr"/>
+          <a:lstStyle/>
+          <a:p>
+            <a:pPr algn="ctr"/>
+            <a:endParaRPr lang="en-ES"/>
+          </a:p>
+        </p:txBody>
+      </p:sp>
+      <p:sp>
+        <p:nvSpPr>
+          <p:cNvPr id="7" name="TextBox 6">
+            <a:extLst>
+              <a:ext uri="{FF2B5EF4-FFF2-40B4-BE49-F238E27FC236}">
+                <a16:creationId xmlns:a16="http://schemas.microsoft.com/office/drawing/2014/main" id="{EB493E8F-EECD-B1A1-1F2C-576EC22C5123}"/>
+              </a:ext>
+            </a:extLst>
+          </p:cNvPr>
+          <p:cNvSpPr txBox="1"/>
+          <p:nvPr/>
+        </p:nvSpPr>
+        <p:spPr>
+          <a:xfrm>
+            <a:off x="550084" y="3593513"/>
+            <a:ext cx="2968463" cy="1015663"/>
+          </a:xfrm>
+          <a:prstGeom prst="rect">
+            <a:avLst/>
+          </a:prstGeom>
+          <a:noFill/>
+        </p:spPr>
+        <p:txBody>
+          <a:bodyPr wrap="square" rtlCol="0">
+            <a:spAutoFit/>
+          </a:bodyPr>
+          <a:lstStyle/>
+          <a:p>
+            <a:pPr algn="ctr"/>
+            <a:r>
+              <a:rPr lang="es-ES" sz="3000" b="1" dirty="0">
+                <a:latin typeface="Helvetica Neue" panose="02000503000000020004" pitchFamily="2" charset="0"/>
+                <a:ea typeface="Helvetica Neue" panose="02000503000000020004" pitchFamily="2" charset="0"/>
+                <a:cs typeface="Helvetica Neue" panose="02000503000000020004" pitchFamily="2" charset="0"/>
+              </a:rPr>
+              <a:t>NO MUSIC </a:t>
+            </a:r>
+          </a:p>
+          <a:p>
+            <a:pPr algn="ctr"/>
+            <a:r>
+              <a:rPr lang="es-ES" sz="3000" b="1" dirty="0">
+                <a:latin typeface="Helvetica Neue" panose="02000503000000020004" pitchFamily="2" charset="0"/>
+                <a:ea typeface="Helvetica Neue" panose="02000503000000020004" pitchFamily="2" charset="0"/>
+                <a:cs typeface="Helvetica Neue" panose="02000503000000020004" pitchFamily="2" charset="0"/>
+              </a:rPr>
+              <a:t>PAST 10PM</a:t>
+            </a:r>
           </a:p>
         </p:txBody>
       </p:sp>
       <p:pic>
         <p:nvPicPr>
-          <p:cNvPr id="7" name="Picture 6" descr="A white background with black text&#10;&#10;AI-generated content may be incorrect.">
-            <a:extLst>
-              <a:ext uri="{FF2B5EF4-FFF2-40B4-BE49-F238E27FC236}">
-                <a16:creationId xmlns:a16="http://schemas.microsoft.com/office/drawing/2014/main" id="{327AEA40-BD82-D90E-3864-C2A321B04F31}"/>
+          <p:cNvPr id="8" name="Picture 7" descr="A no music sign with a red circle&#10;&#10;AI-generated content may be incorrect.">
+            <a:extLst>
+              <a:ext uri="{FF2B5EF4-FFF2-40B4-BE49-F238E27FC236}">
+                <a16:creationId xmlns:a16="http://schemas.microsoft.com/office/drawing/2014/main" id="{B65A2EC1-1DF4-939A-9F55-B1C8B71A1478}"/>
+              </a:ext>
+            </a:extLst>
+          </p:cNvPr>
+          <p:cNvPicPr>
+            <a:picLocks noChangeAspect="1"/>
+          </p:cNvPicPr>
+          <p:nvPr/>
+        </p:nvPicPr>
+        <p:blipFill>
+          <a:blip r:embed="rId2">
+            <a:extLst>
+              <a:ext uri="{28A0092B-C50C-407E-A947-70E740481C1C}">
+                <a14:useLocalDpi xmlns:a14="http://schemas.microsoft.com/office/drawing/2010/main" val="0"/>
+              </a:ext>
+            </a:extLst>
+          </a:blip>
+          <a:srcRect l="13328" r="10052" b="28897"/>
+          <a:stretch>
+            <a:fillRect/>
+          </a:stretch>
+        </p:blipFill>
+        <p:spPr>
+          <a:xfrm>
+            <a:off x="870677" y="1399589"/>
+            <a:ext cx="2362457" cy="2029411"/>
+          </a:xfrm>
+          <a:prstGeom prst="rect">
+            <a:avLst/>
+          </a:prstGeom>
+        </p:spPr>
+      </p:pic>
+      <p:pic>
+        <p:nvPicPr>
+          <p:cNvPr id="9" name="Picture 8" descr="A screenshot of a cartoon&#10;&#10;AI-generated content may be incorrect.">
+            <a:extLst>
+              <a:ext uri="{FF2B5EF4-FFF2-40B4-BE49-F238E27FC236}">
+                <a16:creationId xmlns:a16="http://schemas.microsoft.com/office/drawing/2014/main" id="{AFE5E1D9-483C-E6BF-EBDD-837469099572}"/>
+              </a:ext>
+            </a:extLst>
+          </p:cNvPr>
+          <p:cNvPicPr>
+            <a:picLocks/>
+          </p:cNvPicPr>
+          <p:nvPr/>
+        </p:nvPicPr>
+        <p:blipFill>
+          <a:blip r:embed="rId3">
+            <a:extLst>
+              <a:ext uri="{28A0092B-C50C-407E-A947-70E740481C1C}">
+                <a14:useLocalDpi xmlns:a14="http://schemas.microsoft.com/office/drawing/2010/main" val="0"/>
+              </a:ext>
+            </a:extLst>
+          </a:blip>
+          <a:srcRect l="6508" t="23407" r="50457" b="31764"/>
+          <a:stretch>
+            <a:fillRect/>
+          </a:stretch>
+        </p:blipFill>
+        <p:spPr>
+          <a:xfrm>
+            <a:off x="4585402" y="2485434"/>
+            <a:ext cx="2554814" cy="1824488"/>
+          </a:xfrm>
+          <a:prstGeom prst="rect">
+            <a:avLst/>
+          </a:prstGeom>
+        </p:spPr>
+      </p:pic>
+      <p:pic>
+        <p:nvPicPr>
+          <p:cNvPr id="10" name="Picture 9" descr="A screenshot of a cartoon&#10;&#10;AI-generated content may be incorrect.">
+            <a:extLst>
+              <a:ext uri="{FF2B5EF4-FFF2-40B4-BE49-F238E27FC236}">
+                <a16:creationId xmlns:a16="http://schemas.microsoft.com/office/drawing/2014/main" id="{D236995D-2F08-28B5-9884-3B1ABF9F3E6C}"/>
+              </a:ext>
+            </a:extLst>
+          </p:cNvPr>
+          <p:cNvPicPr>
+            <a:picLocks/>
+          </p:cNvPicPr>
+          <p:nvPr/>
+        </p:nvPicPr>
+        <p:blipFill>
+          <a:blip r:embed="rId3">
+            <a:extLst>
+              <a:ext uri="{28A0092B-C50C-407E-A947-70E740481C1C}">
+                <a14:useLocalDpi xmlns:a14="http://schemas.microsoft.com/office/drawing/2010/main" val="0"/>
+              </a:ext>
+            </a:extLst>
+          </a:blip>
+          <a:srcRect l="55244" t="23721" r="3037" b="31450"/>
+          <a:stretch>
+            <a:fillRect/>
+          </a:stretch>
+        </p:blipFill>
+        <p:spPr>
+          <a:xfrm>
+            <a:off x="8421438" y="2524205"/>
+            <a:ext cx="2797092" cy="1761543"/>
+          </a:xfrm>
+          <a:prstGeom prst="rect">
+            <a:avLst/>
+          </a:prstGeom>
+        </p:spPr>
+      </p:pic>
+      <p:graphicFrame>
+        <p:nvGraphicFramePr>
+          <p:cNvPr id="11" name="Table 10">
+            <a:extLst>
+              <a:ext uri="{FF2B5EF4-FFF2-40B4-BE49-F238E27FC236}">
+                <a16:creationId xmlns:a16="http://schemas.microsoft.com/office/drawing/2014/main" id="{5EADA6A4-1951-1CFB-D0BA-6AE620166007}"/>
+              </a:ext>
+            </a:extLst>
+          </p:cNvPr>
+          <p:cNvGraphicFramePr>
+            <a:graphicFrameLocks noGrp="1"/>
+          </p:cNvGraphicFramePr>
+          <p:nvPr>
+            <p:extLst>
+              <p:ext uri="{D42A27DB-BD31-4B8C-83A1-F6EECF244321}">
+                <p14:modId xmlns:p14="http://schemas.microsoft.com/office/powerpoint/2010/main" val="1794311366"/>
+              </p:ext>
+            </p:extLst>
+          </p:nvPr>
+        </p:nvGraphicFramePr>
+        <p:xfrm>
+          <a:off x="558561" y="5041700"/>
+          <a:ext cx="10972771" cy="1080000"/>
+        </p:xfrm>
+        <a:graphic>
+          <a:graphicData uri="http://schemas.openxmlformats.org/drawingml/2006/table">
+            <a:tbl>
+              <a:tblPr firstRow="1" bandRow="1">
+                <a:tableStyleId>{5C22544A-7EE6-4342-B048-85BDC9FD1C3A}</a:tableStyleId>
+              </a:tblPr>
+              <a:tblGrid>
+                <a:gridCol w="3571479">
+                  <a:extLst>
+                    <a:ext uri="{9D8B030D-6E8A-4147-A177-3AD203B41FA5}">
+                      <a16:colId xmlns:a16="http://schemas.microsoft.com/office/drawing/2014/main" val="872104742"/>
+                    </a:ext>
+                  </a:extLst>
+                </a:gridCol>
+                <a:gridCol w="3398520">
+                  <a:extLst>
+                    <a:ext uri="{9D8B030D-6E8A-4147-A177-3AD203B41FA5}">
+                      <a16:colId xmlns:a16="http://schemas.microsoft.com/office/drawing/2014/main" val="2075644919"/>
+                    </a:ext>
+                  </a:extLst>
+                </a:gridCol>
+                <a:gridCol w="594360">
+                  <a:extLst>
+                    <a:ext uri="{9D8B030D-6E8A-4147-A177-3AD203B41FA5}">
+                      <a16:colId xmlns:a16="http://schemas.microsoft.com/office/drawing/2014/main" val="1366511837"/>
+                    </a:ext>
+                  </a:extLst>
+                </a:gridCol>
+                <a:gridCol w="3408412">
+                  <a:extLst>
+                    <a:ext uri="{9D8B030D-6E8A-4147-A177-3AD203B41FA5}">
+                      <a16:colId xmlns:a16="http://schemas.microsoft.com/office/drawing/2014/main" val="1750250233"/>
+                    </a:ext>
+                  </a:extLst>
+                </a:gridCol>
+              </a:tblGrid>
+              <a:tr h="540000">
+                <a:tc>
+                  <a:txBody>
+                    <a:bodyPr/>
+                    <a:lstStyle/>
+                    <a:p>
+                      <a:pPr algn="l"/>
+                      <a:r>
+                        <a:rPr lang="en-ES" sz="2200" b="0" dirty="0">
+                          <a:solidFill>
+                            <a:schemeClr val="tx1"/>
+                          </a:solidFill>
+                          <a:latin typeface="Helvetica Neue" panose="02000503000000020004" pitchFamily="2" charset="0"/>
+                          <a:ea typeface="Helvetica Neue" panose="02000503000000020004" pitchFamily="2" charset="0"/>
+                          <a:cs typeface="Helvetica Neue" panose="02000503000000020004" pitchFamily="2" charset="0"/>
+                        </a:rPr>
+                        <a:t>  Textualist verdict:</a:t>
+                      </a:r>
+                    </a:p>
+                  </a:txBody>
+                  <a:tcPr anchor="ctr">
+                    <a:lnL w="12700" cmpd="sng">
+                      <a:noFill/>
+                    </a:lnL>
+                    <a:lnR w="12700" cmpd="sng">
+                      <a:noFill/>
+                    </a:lnR>
+                    <a:lnT w="12700" cmpd="sng">
+                      <a:noFill/>
+                    </a:lnT>
+                    <a:lnB w="12700" cap="flat" cmpd="sng" algn="ctr">
+                      <a:solidFill>
+                        <a:schemeClr val="tx1"/>
+                      </a:solidFill>
+                      <a:prstDash val="solid"/>
+                      <a:round/>
+                      <a:headEnd type="none" w="med" len="med"/>
+                      <a:tailEnd type="none" w="med" len="med"/>
+                    </a:lnB>
+                    <a:lnTlToBr w="12700" cmpd="sng">
+                      <a:noFill/>
+                      <a:prstDash val="solid"/>
+                    </a:lnTlToBr>
+                    <a:lnBlToTr w="12700" cmpd="sng">
+                      <a:noFill/>
+                      <a:prstDash val="solid"/>
+                    </a:lnBlToTr>
+                    <a:noFill/>
+                  </a:tcPr>
+                </a:tc>
+                <a:tc>
+                  <a:txBody>
+                    <a:bodyPr/>
+                    <a:lstStyle/>
+                    <a:p>
+                      <a:pPr algn="ctr"/>
+                      <a:r>
+                        <a:rPr lang="en-ES" sz="2000" b="1" dirty="0">
+                          <a:solidFill>
+                            <a:schemeClr val="tx1"/>
+                          </a:solidFill>
+                          <a:latin typeface="Helvetica Neue" panose="02000503000000020004" pitchFamily="2" charset="0"/>
+                          <a:ea typeface="Helvetica Neue" panose="02000503000000020004" pitchFamily="2" charset="0"/>
+                          <a:cs typeface="Helvetica Neue" panose="02000503000000020004" pitchFamily="2" charset="0"/>
+                        </a:rPr>
+                        <a:t> FORBIDDEN</a:t>
+                      </a:r>
+                    </a:p>
+                  </a:txBody>
+                  <a:tcPr anchor="ctr">
+                    <a:lnL w="12700" cmpd="sng">
+                      <a:noFill/>
+                    </a:lnL>
+                    <a:lnR w="12700" cmpd="sng">
+                      <a:noFill/>
+                    </a:lnR>
+                    <a:lnT w="12700" cmpd="sng">
+                      <a:noFill/>
+                    </a:lnT>
+                    <a:lnB w="12700" cap="flat" cmpd="sng" algn="ctr">
+                      <a:solidFill>
+                        <a:schemeClr val="tx1"/>
+                      </a:solidFill>
+                      <a:prstDash val="solid"/>
+                      <a:round/>
+                      <a:headEnd type="none" w="med" len="med"/>
+                      <a:tailEnd type="none" w="med" len="med"/>
+                    </a:lnB>
+                    <a:lnTlToBr w="12700" cmpd="sng">
+                      <a:noFill/>
+                      <a:prstDash val="solid"/>
+                    </a:lnTlToBr>
+                    <a:lnBlToTr w="12700" cmpd="sng">
+                      <a:noFill/>
+                      <a:prstDash val="solid"/>
+                    </a:lnBlToTr>
+                    <a:noFill/>
+                  </a:tcPr>
+                </a:tc>
+                <a:tc>
+                  <a:txBody>
+                    <a:bodyPr/>
+                    <a:lstStyle/>
+                    <a:p>
+                      <a:pPr algn="ctr"/>
+                      <a:endParaRPr lang="en-ES" sz="2000" b="1" dirty="0">
+                        <a:solidFill>
+                          <a:schemeClr val="tx1"/>
+                        </a:solidFill>
+                        <a:latin typeface="Helvetica Neue" panose="02000503000000020004" pitchFamily="2" charset="0"/>
+                        <a:ea typeface="Helvetica Neue" panose="02000503000000020004" pitchFamily="2" charset="0"/>
+                        <a:cs typeface="Helvetica Neue" panose="02000503000000020004" pitchFamily="2" charset="0"/>
+                      </a:endParaRPr>
+                    </a:p>
+                  </a:txBody>
+                  <a:tcPr anchor="ctr">
+                    <a:lnL w="12700" cmpd="sng">
+                      <a:noFill/>
+                    </a:lnL>
+                    <a:lnR w="12700" cmpd="sng">
+                      <a:noFill/>
+                    </a:lnR>
+                    <a:lnT w="12700" cmpd="sng">
+                      <a:noFill/>
+                    </a:lnT>
+                    <a:lnB w="12700" cap="flat" cmpd="sng" algn="ctr">
+                      <a:solidFill>
+                        <a:schemeClr val="tx1"/>
+                      </a:solidFill>
+                      <a:prstDash val="solid"/>
+                      <a:round/>
+                      <a:headEnd type="none" w="med" len="med"/>
+                      <a:tailEnd type="none" w="med" len="med"/>
+                    </a:lnB>
+                    <a:lnTlToBr w="12700" cmpd="sng">
+                      <a:noFill/>
+                      <a:prstDash val="solid"/>
+                    </a:lnTlToBr>
+                    <a:lnBlToTr w="12700" cmpd="sng">
+                      <a:noFill/>
+                      <a:prstDash val="solid"/>
+                    </a:lnBlToTr>
+                    <a:noFill/>
+                  </a:tcPr>
+                </a:tc>
+                <a:tc>
+                  <a:txBody>
+                    <a:bodyPr/>
+                    <a:lstStyle/>
+                    <a:p>
+                      <a:pPr algn="ctr"/>
+                      <a:r>
+                        <a:rPr lang="en-ES" sz="2000" b="1" dirty="0">
+                          <a:solidFill>
+                            <a:schemeClr val="tx1"/>
+                          </a:solidFill>
+                          <a:latin typeface="Helvetica Neue" panose="02000503000000020004" pitchFamily="2" charset="0"/>
+                          <a:ea typeface="Helvetica Neue" panose="02000503000000020004" pitchFamily="2" charset="0"/>
+                          <a:cs typeface="Helvetica Neue" panose="02000503000000020004" pitchFamily="2" charset="0"/>
+                        </a:rPr>
+                        <a:t>ALLOWED</a:t>
+                      </a:r>
+                    </a:p>
+                  </a:txBody>
+                  <a:tcPr anchor="ctr">
+                    <a:lnL w="12700" cmpd="sng">
+                      <a:noFill/>
+                    </a:lnL>
+                    <a:lnR w="12700" cmpd="sng">
+                      <a:noFill/>
+                    </a:lnR>
+                    <a:lnT w="12700" cmpd="sng">
+                      <a:noFill/>
+                    </a:lnT>
+                    <a:lnB w="12700" cap="flat" cmpd="sng" algn="ctr">
+                      <a:solidFill>
+                        <a:schemeClr val="tx1"/>
+                      </a:solidFill>
+                      <a:prstDash val="solid"/>
+                      <a:round/>
+                      <a:headEnd type="none" w="med" len="med"/>
+                      <a:tailEnd type="none" w="med" len="med"/>
+                    </a:lnB>
+                    <a:lnTlToBr w="12700" cmpd="sng">
+                      <a:noFill/>
+                      <a:prstDash val="solid"/>
+                    </a:lnTlToBr>
+                    <a:lnBlToTr w="12700" cmpd="sng">
+                      <a:noFill/>
+                      <a:prstDash val="solid"/>
+                    </a:lnBlToTr>
+                    <a:noFill/>
+                  </a:tcPr>
+                </a:tc>
+                <a:extLst>
+                  <a:ext uri="{0D108BD9-81ED-4DB2-BD59-A6C34878D82A}">
+                    <a16:rowId xmlns:a16="http://schemas.microsoft.com/office/drawing/2014/main" val="2623497108"/>
+                  </a:ext>
+                </a:extLst>
+              </a:tr>
+              <a:tr h="540000">
+                <a:tc>
+                  <a:txBody>
+                    <a:bodyPr/>
+                    <a:lstStyle/>
+                    <a:p>
+                      <a:pPr algn="l"/>
+                      <a:r>
+                        <a:rPr lang="en-ES" sz="2200" b="0" dirty="0">
+                          <a:solidFill>
+                            <a:schemeClr val="tx1"/>
+                          </a:solidFill>
+                          <a:latin typeface="Helvetica Neue" panose="02000503000000020004" pitchFamily="2" charset="0"/>
+                          <a:ea typeface="Helvetica Neue" panose="02000503000000020004" pitchFamily="2" charset="0"/>
+                          <a:cs typeface="Helvetica Neue" panose="02000503000000020004" pitchFamily="2" charset="0"/>
+                        </a:rPr>
+                        <a:t>  Purposivist verdict:</a:t>
+                      </a:r>
+                    </a:p>
+                  </a:txBody>
+                  <a:tcPr anchor="ctr">
+                    <a:lnL w="12700" cmpd="sng">
+                      <a:noFill/>
+                    </a:lnL>
+                    <a:lnR w="12700" cmpd="sng">
+                      <a:noFill/>
+                    </a:lnR>
+                    <a:lnT w="12700" cap="flat" cmpd="sng" algn="ctr">
+                      <a:solidFill>
+                        <a:schemeClr val="tx1"/>
+                      </a:solidFill>
+                      <a:prstDash val="solid"/>
+                      <a:round/>
+                      <a:headEnd type="none" w="med" len="med"/>
+                      <a:tailEnd type="none" w="med" len="med"/>
+                    </a:lnT>
+                    <a:lnB w="12700" cap="flat" cmpd="sng" algn="ctr">
+                      <a:solidFill>
+                        <a:schemeClr val="tx1"/>
+                      </a:solidFill>
+                      <a:prstDash val="solid"/>
+                      <a:round/>
+                      <a:headEnd type="none" w="med" len="med"/>
+                      <a:tailEnd type="none" w="med" len="med"/>
+                    </a:lnB>
+                    <a:lnTlToBr w="12700" cmpd="sng">
+                      <a:noFill/>
+                      <a:prstDash val="solid"/>
+                    </a:lnTlToBr>
+                    <a:lnBlToTr w="12700" cmpd="sng">
+                      <a:noFill/>
+                      <a:prstDash val="solid"/>
+                    </a:lnBlToTr>
+                    <a:noFill/>
+                  </a:tcPr>
+                </a:tc>
+                <a:tc>
+                  <a:txBody>
+                    <a:bodyPr/>
+                    <a:lstStyle/>
+                    <a:p>
+                      <a:pPr algn="ctr"/>
+                      <a:r>
+                        <a:rPr lang="en-ES" sz="2000" b="1" dirty="0">
+                          <a:solidFill>
+                            <a:schemeClr val="tx1"/>
+                          </a:solidFill>
+                          <a:latin typeface="Helvetica Neue" panose="02000503000000020004" pitchFamily="2" charset="0"/>
+                          <a:ea typeface="Helvetica Neue" panose="02000503000000020004" pitchFamily="2" charset="0"/>
+                          <a:cs typeface="Helvetica Neue" panose="02000503000000020004" pitchFamily="2" charset="0"/>
+                        </a:rPr>
+                        <a:t>ALLOWED</a:t>
+                      </a:r>
+                    </a:p>
+                  </a:txBody>
+                  <a:tcPr anchor="ctr">
+                    <a:lnL w="12700" cmpd="sng">
+                      <a:noFill/>
+                    </a:lnL>
+                    <a:lnR w="12700" cmpd="sng">
+                      <a:noFill/>
+                    </a:lnR>
+                    <a:lnT w="12700" cap="flat" cmpd="sng" algn="ctr">
+                      <a:solidFill>
+                        <a:schemeClr val="tx1"/>
+                      </a:solidFill>
+                      <a:prstDash val="solid"/>
+                      <a:round/>
+                      <a:headEnd type="none" w="med" len="med"/>
+                      <a:tailEnd type="none" w="med" len="med"/>
+                    </a:lnT>
+                    <a:lnB w="12700" cap="flat" cmpd="sng" algn="ctr">
+                      <a:solidFill>
+                        <a:schemeClr val="tx1"/>
+                      </a:solidFill>
+                      <a:prstDash val="solid"/>
+                      <a:round/>
+                      <a:headEnd type="none" w="med" len="med"/>
+                      <a:tailEnd type="none" w="med" len="med"/>
+                    </a:lnB>
+                    <a:lnTlToBr w="12700" cmpd="sng">
+                      <a:noFill/>
+                      <a:prstDash val="solid"/>
+                    </a:lnTlToBr>
+                    <a:lnBlToTr w="12700" cmpd="sng">
+                      <a:noFill/>
+                      <a:prstDash val="solid"/>
+                    </a:lnBlToTr>
+                    <a:noFill/>
+                  </a:tcPr>
+                </a:tc>
+                <a:tc>
+                  <a:txBody>
+                    <a:bodyPr/>
+                    <a:lstStyle/>
+                    <a:p>
+                      <a:pPr algn="ctr"/>
+                      <a:endParaRPr lang="en-ES" sz="2000" b="1" dirty="0">
+                        <a:solidFill>
+                          <a:schemeClr val="tx1"/>
+                        </a:solidFill>
+                        <a:latin typeface="Helvetica Neue" panose="02000503000000020004" pitchFamily="2" charset="0"/>
+                        <a:ea typeface="Helvetica Neue" panose="02000503000000020004" pitchFamily="2" charset="0"/>
+                        <a:cs typeface="Helvetica Neue" panose="02000503000000020004" pitchFamily="2" charset="0"/>
+                      </a:endParaRPr>
+                    </a:p>
+                  </a:txBody>
+                  <a:tcPr anchor="ctr">
+                    <a:lnL w="12700" cmpd="sng">
+                      <a:noFill/>
+                    </a:lnL>
+                    <a:lnR w="12700" cmpd="sng">
+                      <a:noFill/>
+                    </a:lnR>
+                    <a:lnT w="12700" cap="flat" cmpd="sng" algn="ctr">
+                      <a:solidFill>
+                        <a:schemeClr val="tx1"/>
+                      </a:solidFill>
+                      <a:prstDash val="solid"/>
+                      <a:round/>
+                      <a:headEnd type="none" w="med" len="med"/>
+                      <a:tailEnd type="none" w="med" len="med"/>
+                    </a:lnT>
+                    <a:lnB w="12700" cap="flat" cmpd="sng" algn="ctr">
+                      <a:solidFill>
+                        <a:schemeClr val="tx1"/>
+                      </a:solidFill>
+                      <a:prstDash val="solid"/>
+                      <a:round/>
+                      <a:headEnd type="none" w="med" len="med"/>
+                      <a:tailEnd type="none" w="med" len="med"/>
+                    </a:lnB>
+                    <a:lnTlToBr w="12700" cmpd="sng">
+                      <a:noFill/>
+                      <a:prstDash val="solid"/>
+                    </a:lnTlToBr>
+                    <a:lnBlToTr w="12700" cmpd="sng">
+                      <a:noFill/>
+                      <a:prstDash val="solid"/>
+                    </a:lnBlToTr>
+                    <a:noFill/>
+                  </a:tcPr>
+                </a:tc>
+                <a:tc>
+                  <a:txBody>
+                    <a:bodyPr/>
+                    <a:lstStyle/>
+                    <a:p>
+                      <a:pPr algn="ctr"/>
+                      <a:r>
+                        <a:rPr lang="en-ES" sz="2000" b="1" dirty="0">
+                          <a:solidFill>
+                            <a:schemeClr val="tx1"/>
+                          </a:solidFill>
+                          <a:latin typeface="Helvetica Neue" panose="02000503000000020004" pitchFamily="2" charset="0"/>
+                          <a:ea typeface="Helvetica Neue" panose="02000503000000020004" pitchFamily="2" charset="0"/>
+                          <a:cs typeface="Helvetica Neue" panose="02000503000000020004" pitchFamily="2" charset="0"/>
+                        </a:rPr>
+                        <a:t>FORBIDDEN</a:t>
+                      </a:r>
+                    </a:p>
+                  </a:txBody>
+                  <a:tcPr anchor="ctr">
+                    <a:lnL w="12700" cmpd="sng">
+                      <a:noFill/>
+                    </a:lnL>
+                    <a:lnR w="12700" cmpd="sng">
+                      <a:noFill/>
+                    </a:lnR>
+                    <a:lnT w="12700" cap="flat" cmpd="sng" algn="ctr">
+                      <a:solidFill>
+                        <a:schemeClr val="tx1"/>
+                      </a:solidFill>
+                      <a:prstDash val="solid"/>
+                      <a:round/>
+                      <a:headEnd type="none" w="med" len="med"/>
+                      <a:tailEnd type="none" w="med" len="med"/>
+                    </a:lnT>
+                    <a:lnB w="12700" cap="flat" cmpd="sng" algn="ctr">
+                      <a:solidFill>
+                        <a:schemeClr val="tx1"/>
+                      </a:solidFill>
+                      <a:prstDash val="solid"/>
+                      <a:round/>
+                      <a:headEnd type="none" w="med" len="med"/>
+                      <a:tailEnd type="none" w="med" len="med"/>
+                    </a:lnB>
+                    <a:lnTlToBr w="12700" cmpd="sng">
+                      <a:noFill/>
+                      <a:prstDash val="solid"/>
+                    </a:lnTlToBr>
+                    <a:lnBlToTr w="12700" cmpd="sng">
+                      <a:noFill/>
+                      <a:prstDash val="solid"/>
+                    </a:lnBlToTr>
+                    <a:noFill/>
+                  </a:tcPr>
+                </a:tc>
+                <a:extLst>
+                  <a:ext uri="{0D108BD9-81ED-4DB2-BD59-A6C34878D82A}">
+                    <a16:rowId xmlns:a16="http://schemas.microsoft.com/office/drawing/2014/main" val="925595973"/>
+                  </a:ext>
+                </a:extLst>
+              </a:tr>
+            </a:tbl>
+          </a:graphicData>
+        </a:graphic>
+      </p:graphicFrame>
+      <p:graphicFrame>
+        <p:nvGraphicFramePr>
+          <p:cNvPr id="12" name="Table 11">
+            <a:extLst>
+              <a:ext uri="{FF2B5EF4-FFF2-40B4-BE49-F238E27FC236}">
+                <a16:creationId xmlns:a16="http://schemas.microsoft.com/office/drawing/2014/main" id="{AB29088F-5C7C-186B-7BAA-3E5EF668557A}"/>
+              </a:ext>
+            </a:extLst>
+          </p:cNvPr>
+          <p:cNvGraphicFramePr>
+            <a:graphicFrameLocks noGrp="1"/>
+          </p:cNvGraphicFramePr>
+          <p:nvPr>
+            <p:extLst>
+              <p:ext uri="{D42A27DB-BD31-4B8C-83A1-F6EECF244321}">
+                <p14:modId xmlns:p14="http://schemas.microsoft.com/office/powerpoint/2010/main" val="3201199702"/>
+              </p:ext>
+            </p:extLst>
+          </p:nvPr>
+        </p:nvGraphicFramePr>
+        <p:xfrm>
+          <a:off x="3821551" y="1214932"/>
+          <a:ext cx="7978434" cy="762000"/>
+        </p:xfrm>
+        <a:graphic>
+          <a:graphicData uri="http://schemas.openxmlformats.org/drawingml/2006/table">
+            <a:tbl>
+              <a:tblPr firstRow="1" bandRow="1">
+                <a:tableStyleId>{5C22544A-7EE6-4342-B048-85BDC9FD1C3A}</a:tableStyleId>
+              </a:tblPr>
+              <a:tblGrid>
+                <a:gridCol w="3989217">
+                  <a:extLst>
+                    <a:ext uri="{9D8B030D-6E8A-4147-A177-3AD203B41FA5}">
+                      <a16:colId xmlns:a16="http://schemas.microsoft.com/office/drawing/2014/main" val="2503121591"/>
+                    </a:ext>
+                  </a:extLst>
+                </a:gridCol>
+                <a:gridCol w="3989217">
+                  <a:extLst>
+                    <a:ext uri="{9D8B030D-6E8A-4147-A177-3AD203B41FA5}">
+                      <a16:colId xmlns:a16="http://schemas.microsoft.com/office/drawing/2014/main" val="2620378334"/>
+                    </a:ext>
+                  </a:extLst>
+                </a:gridCol>
+              </a:tblGrid>
+              <a:tr h="540000">
+                <a:tc>
+                  <a:txBody>
+                    <a:bodyPr/>
+                    <a:lstStyle/>
+                    <a:p>
+                      <a:pPr algn="ctr"/>
+                      <a:r>
+                        <a:rPr lang="en-GB" sz="2200" b="0" dirty="0">
+                          <a:solidFill>
+                            <a:schemeClr val="tx1"/>
+                          </a:solidFill>
+                          <a:latin typeface="Helvetica Neue" panose="02000503000000020004" pitchFamily="2" charset="0"/>
+                          <a:ea typeface="Helvetica Neue" panose="02000503000000020004" pitchFamily="2" charset="0"/>
+                          <a:cs typeface="Helvetica Neue" panose="02000503000000020004" pitchFamily="2" charset="0"/>
+                        </a:rPr>
+                        <a:t>S</a:t>
+                      </a:r>
+                      <a:r>
+                        <a:rPr lang="en-ES" sz="2200" b="0" dirty="0">
+                          <a:solidFill>
+                            <a:schemeClr val="tx1"/>
+                          </a:solidFill>
+                          <a:latin typeface="Helvetica Neue" panose="02000503000000020004" pitchFamily="2" charset="0"/>
+                          <a:ea typeface="Helvetica Neue" panose="02000503000000020004" pitchFamily="2" charset="0"/>
+                          <a:cs typeface="Helvetica Neue" panose="02000503000000020004" pitchFamily="2" charset="0"/>
+                        </a:rPr>
+                        <a:t>inging a lullaby </a:t>
+                      </a:r>
+                    </a:p>
+                    <a:p>
+                      <a:pPr algn="ctr"/>
+                      <a:r>
+                        <a:rPr lang="en-ES" sz="2200" b="0" dirty="0">
+                          <a:solidFill>
+                            <a:schemeClr val="tx1"/>
+                          </a:solidFill>
+                          <a:latin typeface="Helvetica Neue" panose="02000503000000020004" pitchFamily="2" charset="0"/>
+                          <a:ea typeface="Helvetica Neue" panose="02000503000000020004" pitchFamily="2" charset="0"/>
+                          <a:cs typeface="Helvetica Neue" panose="02000503000000020004" pitchFamily="2" charset="0"/>
+                        </a:rPr>
+                        <a:t>to one’s crying baby</a:t>
+                      </a:r>
+                    </a:p>
+                  </a:txBody>
+                  <a:tcPr anchor="ctr">
+                    <a:lnL w="12700" cmpd="sng">
+                      <a:noFill/>
+                    </a:lnL>
+                    <a:lnR w="12700" cmpd="sng">
+                      <a:noFill/>
+                    </a:lnR>
+                    <a:lnT w="12700" cmpd="sng">
+                      <a:noFill/>
+                    </a:lnT>
+                    <a:lnB w="38100" cmpd="sng">
+                      <a:noFill/>
+                    </a:lnB>
+                    <a:lnTlToBr w="12700" cmpd="sng">
+                      <a:noFill/>
+                      <a:prstDash val="solid"/>
+                    </a:lnTlToBr>
+                    <a:lnBlToTr w="12700" cmpd="sng">
+                      <a:noFill/>
+                      <a:prstDash val="solid"/>
+                    </a:lnBlToTr>
+                    <a:noFill/>
+                  </a:tcPr>
+                </a:tc>
+                <a:tc>
+                  <a:txBody>
+                    <a:bodyPr/>
+                    <a:lstStyle/>
+                    <a:p>
+                      <a:pPr algn="ctr"/>
+                      <a:r>
+                        <a:rPr lang="en-ES" sz="2200" b="0" dirty="0">
+                          <a:solidFill>
+                            <a:schemeClr val="tx1"/>
+                          </a:solidFill>
+                          <a:latin typeface="Helvetica Neue" panose="02000503000000020004" pitchFamily="2" charset="0"/>
+                          <a:ea typeface="Helvetica Neue" panose="02000503000000020004" pitchFamily="2" charset="0"/>
+                          <a:cs typeface="Helvetica Neue" panose="02000503000000020004" pitchFamily="2" charset="0"/>
+                        </a:rPr>
+                        <a:t>Putting on a </a:t>
+                      </a:r>
+                    </a:p>
+                    <a:p>
+                      <a:pPr algn="ctr"/>
+                      <a:r>
+                        <a:rPr lang="en-ES" sz="2200" b="0" dirty="0">
+                          <a:solidFill>
+                            <a:schemeClr val="tx1"/>
+                          </a:solidFill>
+                          <a:latin typeface="Helvetica Neue" panose="02000503000000020004" pitchFamily="2" charset="0"/>
+                          <a:ea typeface="Helvetica Neue" panose="02000503000000020004" pitchFamily="2" charset="0"/>
+                          <a:cs typeface="Helvetica Neue" panose="02000503000000020004" pitchFamily="2" charset="0"/>
+                        </a:rPr>
+                        <a:t>late-night light show</a:t>
+                      </a:r>
+                    </a:p>
+                  </a:txBody>
+                  <a:tcPr anchor="ctr">
+                    <a:lnL w="12700" cmpd="sng">
+                      <a:noFill/>
+                    </a:lnL>
+                    <a:lnR w="12700" cmpd="sng">
+                      <a:noFill/>
+                    </a:lnR>
+                    <a:lnT w="12700" cmpd="sng">
+                      <a:noFill/>
+                    </a:lnT>
+                    <a:lnB w="38100" cmpd="sng">
+                      <a:noFill/>
+                    </a:lnB>
+                    <a:lnTlToBr w="12700" cmpd="sng">
+                      <a:noFill/>
+                      <a:prstDash val="solid"/>
+                    </a:lnTlToBr>
+                    <a:lnBlToTr w="12700" cmpd="sng">
+                      <a:noFill/>
+                      <a:prstDash val="solid"/>
+                    </a:lnBlToTr>
+                    <a:noFill/>
+                  </a:tcPr>
+                </a:tc>
+                <a:extLst>
+                  <a:ext uri="{0D108BD9-81ED-4DB2-BD59-A6C34878D82A}">
+                    <a16:rowId xmlns:a16="http://schemas.microsoft.com/office/drawing/2014/main" val="2801485188"/>
+                  </a:ext>
+                </a:extLst>
+              </a:tr>
+            </a:tbl>
+          </a:graphicData>
+        </a:graphic>
+      </p:graphicFrame>
+      <p:graphicFrame>
+        <p:nvGraphicFramePr>
+          <p:cNvPr id="14" name="Table 13">
+            <a:extLst>
+              <a:ext uri="{FF2B5EF4-FFF2-40B4-BE49-F238E27FC236}">
+                <a16:creationId xmlns:a16="http://schemas.microsoft.com/office/drawing/2014/main" id="{02EB8BED-7382-406F-DB8A-742A4B85D43D}"/>
+              </a:ext>
+            </a:extLst>
+          </p:cNvPr>
+          <p:cNvGraphicFramePr>
+            <a:graphicFrameLocks noGrp="1"/>
+          </p:cNvGraphicFramePr>
+          <p:nvPr>
+            <p:extLst>
+              <p:ext uri="{D42A27DB-BD31-4B8C-83A1-F6EECF244321}">
+                <p14:modId xmlns:p14="http://schemas.microsoft.com/office/powerpoint/2010/main" val="3217178761"/>
+              </p:ext>
+            </p:extLst>
+          </p:nvPr>
+        </p:nvGraphicFramePr>
+        <p:xfrm>
+          <a:off x="609615" y="519546"/>
+          <a:ext cx="10972770" cy="540000"/>
+        </p:xfrm>
+        <a:graphic>
+          <a:graphicData uri="http://schemas.openxmlformats.org/drawingml/2006/table">
+            <a:tbl>
+              <a:tblPr firstRow="1" bandRow="1">
+                <a:tableStyleId>{5C22544A-7EE6-4342-B048-85BDC9FD1C3A}</a:tableStyleId>
+              </a:tblPr>
+              <a:tblGrid>
+                <a:gridCol w="10972770">
+                  <a:extLst>
+                    <a:ext uri="{9D8B030D-6E8A-4147-A177-3AD203B41FA5}">
+                      <a16:colId xmlns:a16="http://schemas.microsoft.com/office/drawing/2014/main" val="182138807"/>
+                    </a:ext>
+                  </a:extLst>
+                </a:gridCol>
+              </a:tblGrid>
+              <a:tr h="540000">
+                <a:tc>
+                  <a:txBody>
+                    <a:bodyPr/>
+                    <a:lstStyle/>
+                    <a:p>
+                      <a:pPr marL="0" marR="0" lvl="0" indent="0" algn="ctr" defTabSz="914400" rtl="0" eaLnBrk="1" fontAlgn="auto" latinLnBrk="0" hangingPunct="1">
+                        <a:lnSpc>
+                          <a:spcPct val="100000"/>
+                        </a:lnSpc>
+                        <a:spcBef>
+                          <a:spcPts val="0"/>
+                        </a:spcBef>
+                        <a:spcAft>
+                          <a:spcPts val="0"/>
+                        </a:spcAft>
+                        <a:buClrTx/>
+                        <a:buSzTx/>
+                        <a:buFontTx/>
+                        <a:buNone/>
+                        <a:tabLst/>
+                        <a:defRPr/>
+                      </a:pPr>
+                      <a:r>
+                        <a:rPr lang="en-US" sz="2500" b="1" noProof="0" dirty="0">
+                          <a:solidFill>
+                            <a:schemeClr val="tx1"/>
+                          </a:solidFill>
+                          <a:latin typeface="Helvetica Neue" panose="02000503000000020004" pitchFamily="2" charset="0"/>
+                          <a:ea typeface="Helvetica Neue" panose="02000503000000020004" pitchFamily="2" charset="0"/>
+                          <a:cs typeface="Helvetica Neue" panose="02000503000000020004" pitchFamily="2" charset="0"/>
+                        </a:rPr>
+                        <a:t>Are these behaviors against the rule?</a:t>
+                      </a:r>
+                    </a:p>
+                  </a:txBody>
+                  <a:tcPr anchor="ctr">
+                    <a:lnL w="12700" cmpd="sng">
+                      <a:noFill/>
+                    </a:lnL>
+                    <a:lnR w="12700" cmpd="sng">
+                      <a:noFill/>
+                    </a:lnR>
+                    <a:lnT w="12700" cap="flat" cmpd="sng" algn="ctr">
+                      <a:noFill/>
+                      <a:prstDash val="solid"/>
+                      <a:round/>
+                      <a:headEnd type="none" w="med" len="med"/>
+                      <a:tailEnd type="none" w="med" len="med"/>
+                    </a:lnT>
+                    <a:lnB w="12700" cap="flat" cmpd="sng" algn="ctr">
+                      <a:solidFill>
+                        <a:schemeClr val="tx1"/>
+                      </a:solidFill>
+                      <a:prstDash val="solid"/>
+                      <a:round/>
+                      <a:headEnd type="none" w="med" len="med"/>
+                      <a:tailEnd type="none" w="med" len="med"/>
+                    </a:lnB>
+                    <a:lnTlToBr w="12700" cmpd="sng">
+                      <a:noFill/>
+                      <a:prstDash val="solid"/>
+                    </a:lnTlToBr>
+                    <a:lnBlToTr w="12700" cmpd="sng">
+                      <a:noFill/>
+                      <a:prstDash val="solid"/>
+                    </a:lnBlToTr>
+                    <a:noFill/>
+                  </a:tcPr>
+                </a:tc>
+                <a:extLst>
+                  <a:ext uri="{0D108BD9-81ED-4DB2-BD59-A6C34878D82A}">
+                    <a16:rowId xmlns:a16="http://schemas.microsoft.com/office/drawing/2014/main" val="3057494663"/>
+                  </a:ext>
+                </a:extLst>
+              </a:tr>
+            </a:tbl>
+          </a:graphicData>
+        </a:graphic>
+      </p:graphicFrame>
+    </p:spTree>
+    <p:extLst>
+      <p:ext uri="{BB962C8B-B14F-4D97-AF65-F5344CB8AC3E}">
+        <p14:creationId xmlns:p14="http://schemas.microsoft.com/office/powerpoint/2010/main" val="3600416716"/>
+      </p:ext>
+    </p:extLst>
+  </p:cSld>
+  <p:clrMapOvr>
+    <a:masterClrMapping/>
+  </p:clrMapOvr>
+</p:sld>
+</file>
+
+<file path=ppt/slides/slide2.xml><?xml version="1.0" encoding="utf-8"?>
+<p:sld xmlns:a="http://schemas.openxmlformats.org/drawingml/2006/main" xmlns:r="http://schemas.openxmlformats.org/officeDocument/2006/relationships" xmlns:p="http://schemas.openxmlformats.org/presentationml/2006/main">
+  <p:cSld>
+    <p:spTree>
+      <p:nvGrpSpPr>
+        <p:cNvPr id="1" name=""/>
+        <p:cNvGrpSpPr/>
+        <p:nvPr/>
+      </p:nvGrpSpPr>
+      <p:grpSpPr>
+        <a:xfrm>
+          <a:off x="0" y="0"/>
+          <a:ext cx="0" cy="0"/>
+          <a:chOff x="0" y="0"/>
+          <a:chExt cx="0" cy="0"/>
+        </a:xfrm>
+      </p:grpSpPr>
+      <p:pic>
+        <p:nvPicPr>
+          <p:cNvPr id="40" name="Picture 39">
+            <a:extLst>
+              <a:ext uri="{FF2B5EF4-FFF2-40B4-BE49-F238E27FC236}">
+                <a16:creationId xmlns:a16="http://schemas.microsoft.com/office/drawing/2014/main" id="{310F60B9-BA43-FCF0-1F34-46240DA450DB}"/>
+              </a:ext>
+            </a:extLst>
+          </p:cNvPr>
+          <p:cNvPicPr>
+            <a:picLocks noChangeAspect="1"/>
+          </p:cNvPicPr>
+          <p:nvPr/>
+        </p:nvPicPr>
+        <p:blipFill>
+          <a:blip r:embed="rId2"/>
+          <a:stretch>
+            <a:fillRect/>
+          </a:stretch>
+        </p:blipFill>
+        <p:spPr>
+          <a:xfrm>
+            <a:off x="2209800" y="1461803"/>
+            <a:ext cx="7772400" cy="3934394"/>
+          </a:xfrm>
+          <a:prstGeom prst="rect">
+            <a:avLst/>
+          </a:prstGeom>
+        </p:spPr>
+      </p:pic>
+    </p:spTree>
+    <p:extLst>
+      <p:ext uri="{BB962C8B-B14F-4D97-AF65-F5344CB8AC3E}">
+        <p14:creationId xmlns:p14="http://schemas.microsoft.com/office/powerpoint/2010/main" val="438197373"/>
+      </p:ext>
+    </p:extLst>
+  </p:cSld>
+  <p:clrMapOvr>
+    <a:masterClrMapping/>
+  </p:clrMapOvr>
+</p:sld>
+</file>
+
+<file path=ppt/slides/slide3.xml><?xml version="1.0" encoding="utf-8"?>
+<p:sld xmlns:a="http://schemas.openxmlformats.org/drawingml/2006/main" xmlns:r="http://schemas.openxmlformats.org/officeDocument/2006/relationships" xmlns:p="http://schemas.openxmlformats.org/presentationml/2006/main">
+  <p:cSld>
+    <p:spTree>
+      <p:nvGrpSpPr>
+        <p:cNvPr id="1" name=""/>
+        <p:cNvGrpSpPr/>
+        <p:nvPr/>
+      </p:nvGrpSpPr>
+      <p:grpSpPr>
+        <a:xfrm>
+          <a:off x="0" y="0"/>
+          <a:ext cx="0" cy="0"/>
+          <a:chOff x="0" y="0"/>
+          <a:chExt cx="0" cy="0"/>
+        </a:xfrm>
+      </p:grpSpPr>
+      <p:sp>
+        <p:nvSpPr>
+          <p:cNvPr id="4" name="Rectangle 3">
+            <a:extLst>
+              <a:ext uri="{FF2B5EF4-FFF2-40B4-BE49-F238E27FC236}">
+                <a16:creationId xmlns:a16="http://schemas.microsoft.com/office/drawing/2014/main" id="{9C79DC05-E301-DCD7-C5B3-6B38B04BAD0F}"/>
+              </a:ext>
+            </a:extLst>
+          </p:cNvPr>
+          <p:cNvSpPr/>
+          <p:nvPr/>
+        </p:nvSpPr>
+        <p:spPr>
+          <a:xfrm>
+            <a:off x="518175" y="2302018"/>
+            <a:ext cx="3484495" cy="1901923"/>
+          </a:xfrm>
+          <a:prstGeom prst="rect">
+            <a:avLst/>
+          </a:prstGeom>
+          <a:solidFill>
+            <a:schemeClr val="bg1"/>
+          </a:solidFill>
+        </p:spPr>
+        <p:style>
+          <a:lnRef idx="2">
+            <a:schemeClr val="accent1">
+              <a:shade val="15000"/>
+            </a:schemeClr>
+          </a:lnRef>
+          <a:fillRef idx="1">
+            <a:schemeClr val="accent1"/>
+          </a:fillRef>
+          <a:effectRef idx="0">
+            <a:schemeClr val="accent1"/>
+          </a:effectRef>
+          <a:fontRef idx="minor">
+            <a:schemeClr val="lt1"/>
+          </a:fontRef>
+        </p:style>
+        <p:txBody>
+          <a:bodyPr rtlCol="0" anchor="ctr"/>
+          <a:lstStyle/>
+          <a:p>
+            <a:pPr algn="ctr"/>
+            <a:endParaRPr lang="es-ES"/>
+          </a:p>
+        </p:txBody>
+      </p:sp>
+      <p:sp>
+        <p:nvSpPr>
+          <p:cNvPr id="5" name="Rectangle 4">
+            <a:extLst>
+              <a:ext uri="{FF2B5EF4-FFF2-40B4-BE49-F238E27FC236}">
+                <a16:creationId xmlns:a16="http://schemas.microsoft.com/office/drawing/2014/main" id="{BF0604C7-B9B6-5AC7-92F7-A357809E2A1F}"/>
+              </a:ext>
+            </a:extLst>
+          </p:cNvPr>
+          <p:cNvSpPr/>
+          <p:nvPr/>
+        </p:nvSpPr>
+        <p:spPr>
+          <a:xfrm>
+            <a:off x="4404737" y="1448350"/>
+            <a:ext cx="3484495" cy="1542094"/>
+          </a:xfrm>
+          <a:prstGeom prst="rect">
+            <a:avLst/>
+          </a:prstGeom>
+          <a:solidFill>
+            <a:schemeClr val="bg1"/>
+          </a:solidFill>
+        </p:spPr>
+        <p:style>
+          <a:lnRef idx="2">
+            <a:schemeClr val="accent1">
+              <a:shade val="15000"/>
+            </a:schemeClr>
+          </a:lnRef>
+          <a:fillRef idx="1">
+            <a:schemeClr val="accent1"/>
+          </a:fillRef>
+          <a:effectRef idx="0">
+            <a:schemeClr val="accent1"/>
+          </a:effectRef>
+          <a:fontRef idx="minor">
+            <a:schemeClr val="lt1"/>
+          </a:fontRef>
+        </p:style>
+        <p:txBody>
+          <a:bodyPr rtlCol="0" anchor="ctr"/>
+          <a:lstStyle/>
+          <a:p>
+            <a:pPr algn="ctr"/>
+            <a:endParaRPr lang="es-ES"/>
+          </a:p>
+        </p:txBody>
+      </p:sp>
+      <p:sp>
+        <p:nvSpPr>
+          <p:cNvPr id="8" name="TextBox 7">
+            <a:extLst>
+              <a:ext uri="{FF2B5EF4-FFF2-40B4-BE49-F238E27FC236}">
+                <a16:creationId xmlns:a16="http://schemas.microsoft.com/office/drawing/2014/main" id="{A1B3BF7E-892E-1193-4F08-2A9702936D97}"/>
+              </a:ext>
+            </a:extLst>
+          </p:cNvPr>
+          <p:cNvSpPr txBox="1"/>
+          <p:nvPr/>
+        </p:nvSpPr>
+        <p:spPr>
+          <a:xfrm>
+            <a:off x="665053" y="2445379"/>
+            <a:ext cx="3155712" cy="1015663"/>
+          </a:xfrm>
+          <a:prstGeom prst="rect">
+            <a:avLst/>
+          </a:prstGeom>
+          <a:noFill/>
+        </p:spPr>
+        <p:txBody>
+          <a:bodyPr wrap="square" rtlCol="0">
+            <a:spAutoFit/>
+          </a:bodyPr>
+          <a:lstStyle/>
+          <a:p>
+            <a:pPr algn="ctr"/>
+            <a:r>
+              <a:rPr lang="en-US" sz="1200" dirty="0">
+                <a:latin typeface="Helvetica Neue" panose="02000503000000020004" pitchFamily="2" charset="0"/>
+                <a:ea typeface="Helvetica Neue" panose="02000503000000020004" pitchFamily="2" charset="0"/>
+                <a:cs typeface="Helvetica Neue" panose="02000503000000020004" pitchFamily="2" charset="0"/>
+              </a:rPr>
+              <a:t>To protect </a:t>
+            </a:r>
+            <a:r>
+              <a:rPr lang="en-US" sz="1200" u="sng" dirty="0">
+                <a:latin typeface="Helvetica Neue" panose="02000503000000020004" pitchFamily="2" charset="0"/>
+                <a:ea typeface="Helvetica Neue" panose="02000503000000020004" pitchFamily="2" charset="0"/>
+                <a:cs typeface="Helvetica Neue" panose="02000503000000020004" pitchFamily="2" charset="0"/>
+              </a:rPr>
+              <a:t>people who walk along the path</a:t>
+            </a:r>
+            <a:r>
+              <a:rPr lang="en-US" sz="1200" dirty="0">
+                <a:latin typeface="Helvetica Neue" panose="02000503000000020004" pitchFamily="2" charset="0"/>
+                <a:ea typeface="Helvetica Neue" panose="02000503000000020004" pitchFamily="2" charset="0"/>
+                <a:cs typeface="Helvetica Neue" panose="02000503000000020004" pitchFamily="2" charset="0"/>
+              </a:rPr>
+              <a:t>, the park boss came up with a new rule.</a:t>
+            </a:r>
+            <a:r>
+              <a:rPr lang="es-ES" sz="1200" dirty="0">
+                <a:latin typeface="Helvetica Neue" panose="02000503000000020004" pitchFamily="2" charset="0"/>
+                <a:ea typeface="Helvetica Neue" panose="02000503000000020004" pitchFamily="2" charset="0"/>
+                <a:cs typeface="Helvetica Neue" panose="02000503000000020004" pitchFamily="2" charset="0"/>
+              </a:rPr>
+              <a:t>’</a:t>
+            </a:r>
+          </a:p>
+          <a:p>
+            <a:pPr algn="ctr"/>
+            <a:br>
+              <a:rPr lang="es-ES" sz="1200" dirty="0">
+                <a:latin typeface="Helvetica Neue" panose="02000503000000020004" pitchFamily="2" charset="0"/>
+                <a:ea typeface="Helvetica Neue" panose="02000503000000020004" pitchFamily="2" charset="0"/>
+                <a:cs typeface="Helvetica Neue" panose="02000503000000020004" pitchFamily="2" charset="0"/>
+              </a:rPr>
+            </a:br>
+            <a:r>
+              <a:rPr lang="en-US" sz="1200" dirty="0">
+                <a:latin typeface="Helvetica Neue" panose="02000503000000020004" pitchFamily="2" charset="0"/>
+                <a:ea typeface="Helvetica Neue" panose="02000503000000020004" pitchFamily="2" charset="0"/>
+                <a:cs typeface="Helvetica Neue" panose="02000503000000020004" pitchFamily="2" charset="0"/>
+              </a:rPr>
+              <a:t>The rule says: “No cars allowed on the path.”’</a:t>
+            </a:r>
+            <a:endParaRPr lang="es-ES" sz="1200" dirty="0">
+              <a:latin typeface="Helvetica Neue" panose="02000503000000020004" pitchFamily="2" charset="0"/>
+              <a:ea typeface="Helvetica Neue" panose="02000503000000020004" pitchFamily="2" charset="0"/>
+              <a:cs typeface="Helvetica Neue" panose="02000503000000020004" pitchFamily="2" charset="0"/>
+            </a:endParaRPr>
+          </a:p>
+        </p:txBody>
+      </p:sp>
+      <p:sp>
+        <p:nvSpPr>
+          <p:cNvPr id="9" name="TextBox 8">
+            <a:extLst>
+              <a:ext uri="{FF2B5EF4-FFF2-40B4-BE49-F238E27FC236}">
+                <a16:creationId xmlns:a16="http://schemas.microsoft.com/office/drawing/2014/main" id="{8685A8B8-D9EB-65FC-FEC2-F1956AA158B1}"/>
+              </a:ext>
+            </a:extLst>
+          </p:cNvPr>
+          <p:cNvSpPr txBox="1"/>
+          <p:nvPr/>
+        </p:nvSpPr>
+        <p:spPr>
+          <a:xfrm>
+            <a:off x="4404737" y="1550359"/>
+            <a:ext cx="3484495" cy="1061829"/>
+          </a:xfrm>
+          <a:prstGeom prst="rect">
+            <a:avLst/>
+          </a:prstGeom>
+          <a:noFill/>
+        </p:spPr>
+        <p:txBody>
+          <a:bodyPr wrap="square" rtlCol="0">
+            <a:spAutoFit/>
+          </a:bodyPr>
+          <a:lstStyle/>
+          <a:p>
+            <a:pPr algn="ctr"/>
+            <a:r>
+              <a:rPr lang="en-US" sz="900" dirty="0"/>
+              <a:t>Remember</a:t>
+            </a:r>
+            <a:r>
+              <a:rPr lang="en-US" sz="900" b="1" dirty="0"/>
+              <a:t>…</a:t>
+            </a:r>
+            <a:r>
+              <a:rPr lang="en-US" sz="900" dirty="0"/>
+              <a:t> </a:t>
+            </a:r>
+          </a:p>
+          <a:p>
+            <a:pPr algn="ctr"/>
+            <a:r>
+              <a:rPr lang="en-US" sz="900" dirty="0"/>
+              <a:t>The rule says: “No cars allowed on the path.” </a:t>
+            </a:r>
+          </a:p>
+          <a:p>
+            <a:pPr algn="ctr"/>
+            <a:r>
+              <a:rPr lang="en-US" sz="900" dirty="0"/>
+              <a:t>Purpose</a:t>
+            </a:r>
+            <a:r>
+              <a:rPr lang="en-US" sz="900" b="1" dirty="0"/>
+              <a:t>:</a:t>
+            </a:r>
+            <a:r>
+              <a:rPr lang="en-US" sz="900" dirty="0"/>
+              <a:t> To protect the people who walk on the path.</a:t>
+            </a:r>
+          </a:p>
+          <a:p>
+            <a:pPr algn="ctr"/>
+            <a:br>
+              <a:rPr lang="es-ES" sz="900" dirty="0"/>
+            </a:br>
+            <a:r>
+              <a:rPr lang="en-US" sz="900" b="1" dirty="0"/>
+              <a:t>One day, John  drives on the path at 100 kilometers per hour.</a:t>
+            </a:r>
+            <a:br>
+              <a:rPr lang="en-US" sz="900" b="1" dirty="0"/>
+            </a:br>
+            <a:endParaRPr lang="en-US" sz="900" b="1" dirty="0"/>
+          </a:p>
+          <a:p>
+            <a:pPr algn="ctr"/>
+            <a:r>
+              <a:rPr lang="en-US" sz="900" dirty="0"/>
+              <a:t>Did John obey the new rule?</a:t>
+            </a:r>
+            <a:r>
+              <a:rPr lang="es-ES" sz="900" dirty="0"/>
+              <a:t>’</a:t>
+            </a:r>
+          </a:p>
+        </p:txBody>
+      </p:sp>
+      <p:sp>
+        <p:nvSpPr>
+          <p:cNvPr id="14" name="Rectangle: Rounded Corners 13">
+            <a:extLst>
+              <a:ext uri="{FF2B5EF4-FFF2-40B4-BE49-F238E27FC236}">
+                <a16:creationId xmlns:a16="http://schemas.microsoft.com/office/drawing/2014/main" id="{81ECBC4E-ED31-C664-F80D-01678FEE1270}"/>
+              </a:ext>
+            </a:extLst>
+          </p:cNvPr>
+          <p:cNvSpPr/>
+          <p:nvPr/>
+        </p:nvSpPr>
+        <p:spPr>
+          <a:xfrm>
+            <a:off x="3690244" y="3963585"/>
+            <a:ext cx="282758" cy="175673"/>
+          </a:xfrm>
+          <a:prstGeom prst="roundRect">
+            <a:avLst/>
+          </a:prstGeom>
+          <a:solidFill>
+            <a:schemeClr val="tx2">
+              <a:lumMod val="50000"/>
+              <a:lumOff val="50000"/>
+            </a:schemeClr>
+          </a:solidFill>
+        </p:spPr>
+        <p:style>
+          <a:lnRef idx="3">
+            <a:schemeClr val="lt1"/>
+          </a:lnRef>
+          <a:fillRef idx="1">
+            <a:schemeClr val="accent4"/>
+          </a:fillRef>
+          <a:effectRef idx="1">
+            <a:schemeClr val="accent4"/>
+          </a:effectRef>
+          <a:fontRef idx="minor">
+            <a:schemeClr val="lt1"/>
+          </a:fontRef>
+        </p:style>
+        <p:txBody>
+          <a:bodyPr rtlCol="0" anchor="ctr"/>
+          <a:lstStyle/>
+          <a:p>
+            <a:pPr algn="ctr"/>
+            <a:endParaRPr lang="es-ES"/>
+          </a:p>
+        </p:txBody>
+      </p:sp>
+      <p:cxnSp>
+        <p:nvCxnSpPr>
+          <p:cNvPr id="15" name="Straight Arrow Connector 14">
+            <a:extLst>
+              <a:ext uri="{FF2B5EF4-FFF2-40B4-BE49-F238E27FC236}">
+                <a16:creationId xmlns:a16="http://schemas.microsoft.com/office/drawing/2014/main" id="{D503C449-E140-F07D-C7FF-5EE1BF16C826}"/>
+              </a:ext>
+            </a:extLst>
+          </p:cNvPr>
+          <p:cNvCxnSpPr>
+            <a:cxnSpLocks/>
+          </p:cNvCxnSpPr>
+          <p:nvPr/>
+        </p:nvCxnSpPr>
+        <p:spPr>
+          <a:xfrm>
+            <a:off x="3762246" y="4041377"/>
+            <a:ext cx="163280" cy="0"/>
+          </a:xfrm>
+          <a:prstGeom prst="straightConnector1">
+            <a:avLst/>
+          </a:prstGeom>
+          <a:ln>
+            <a:solidFill>
+              <a:schemeClr val="bg1"/>
+            </a:solidFill>
+            <a:tailEnd type="triangle"/>
+          </a:ln>
+        </p:spPr>
+        <p:style>
+          <a:lnRef idx="2">
+            <a:schemeClr val="accent1"/>
+          </a:lnRef>
+          <a:fillRef idx="0">
+            <a:schemeClr val="accent1"/>
+          </a:fillRef>
+          <a:effectRef idx="1">
+            <a:schemeClr val="accent1"/>
+          </a:effectRef>
+          <a:fontRef idx="minor">
+            <a:schemeClr val="tx1"/>
+          </a:fontRef>
+        </p:style>
+      </p:cxnSp>
+      <p:sp>
+        <p:nvSpPr>
+          <p:cNvPr id="16" name="Rectangle 15">
+            <a:extLst>
+              <a:ext uri="{FF2B5EF4-FFF2-40B4-BE49-F238E27FC236}">
+                <a16:creationId xmlns:a16="http://schemas.microsoft.com/office/drawing/2014/main" id="{4903970F-93CF-2C30-3975-083FFCDD3D55}"/>
+              </a:ext>
+            </a:extLst>
+          </p:cNvPr>
+          <p:cNvSpPr/>
+          <p:nvPr/>
+        </p:nvSpPr>
+        <p:spPr>
+          <a:xfrm>
+            <a:off x="4747712" y="2658494"/>
+            <a:ext cx="1300480" cy="261791"/>
+          </a:xfrm>
+          <a:prstGeom prst="rect">
+            <a:avLst/>
+          </a:prstGeom>
+          <a:solidFill>
+            <a:schemeClr val="bg2"/>
+          </a:solidFill>
+          <a:ln>
+            <a:solidFill>
+              <a:schemeClr val="bg1"/>
+            </a:solidFill>
+          </a:ln>
+        </p:spPr>
+        <p:style>
+          <a:lnRef idx="2">
+            <a:schemeClr val="accent1">
+              <a:shade val="15000"/>
+            </a:schemeClr>
+          </a:lnRef>
+          <a:fillRef idx="1">
+            <a:schemeClr val="accent1"/>
+          </a:fillRef>
+          <a:effectRef idx="0">
+            <a:schemeClr val="accent1"/>
+          </a:effectRef>
+          <a:fontRef idx="minor">
+            <a:schemeClr val="lt1"/>
+          </a:fontRef>
+        </p:style>
+        <p:txBody>
+          <a:bodyPr rtlCol="0" anchor="ctr"/>
+          <a:lstStyle/>
+          <a:p>
+            <a:pPr algn="ctr"/>
+            <a:endParaRPr lang="es-ES"/>
+          </a:p>
+        </p:txBody>
+      </p:sp>
+      <p:sp>
+        <p:nvSpPr>
+          <p:cNvPr id="17" name="Rectangle 16">
+            <a:extLst>
+              <a:ext uri="{FF2B5EF4-FFF2-40B4-BE49-F238E27FC236}">
+                <a16:creationId xmlns:a16="http://schemas.microsoft.com/office/drawing/2014/main" id="{7EA919FC-41C6-034E-ADB8-A9D49BF1EA26}"/>
+              </a:ext>
+            </a:extLst>
+          </p:cNvPr>
+          <p:cNvSpPr/>
+          <p:nvPr/>
+        </p:nvSpPr>
+        <p:spPr>
+          <a:xfrm>
+            <a:off x="6170112" y="2662239"/>
+            <a:ext cx="1300480" cy="258046"/>
+          </a:xfrm>
+          <a:prstGeom prst="rect">
+            <a:avLst/>
+          </a:prstGeom>
+          <a:solidFill>
+            <a:schemeClr val="bg2"/>
+          </a:solidFill>
+          <a:ln>
+            <a:solidFill>
+              <a:schemeClr val="bg1"/>
+            </a:solidFill>
+          </a:ln>
+        </p:spPr>
+        <p:style>
+          <a:lnRef idx="2">
+            <a:schemeClr val="accent1">
+              <a:shade val="15000"/>
+            </a:schemeClr>
+          </a:lnRef>
+          <a:fillRef idx="1">
+            <a:schemeClr val="accent1"/>
+          </a:fillRef>
+          <a:effectRef idx="0">
+            <a:schemeClr val="accent1"/>
+          </a:effectRef>
+          <a:fontRef idx="minor">
+            <a:schemeClr val="lt1"/>
+          </a:fontRef>
+        </p:style>
+        <p:txBody>
+          <a:bodyPr rtlCol="0" anchor="ctr"/>
+          <a:lstStyle/>
+          <a:p>
+            <a:pPr algn="ctr"/>
+            <a:endParaRPr lang="es-ES"/>
+          </a:p>
+        </p:txBody>
+      </p:sp>
+      <p:sp>
+        <p:nvSpPr>
+          <p:cNvPr id="18" name="Oval 17">
+            <a:extLst>
+              <a:ext uri="{FF2B5EF4-FFF2-40B4-BE49-F238E27FC236}">
+                <a16:creationId xmlns:a16="http://schemas.microsoft.com/office/drawing/2014/main" id="{1D99EADE-D743-55FD-90CA-B782DE83BBCE}"/>
+              </a:ext>
+            </a:extLst>
+          </p:cNvPr>
+          <p:cNvSpPr/>
+          <p:nvPr/>
+        </p:nvSpPr>
+        <p:spPr>
+          <a:xfrm>
+            <a:off x="5360316" y="2816355"/>
+            <a:ext cx="72205" cy="70311"/>
+          </a:xfrm>
+          <a:prstGeom prst="ellipse">
+            <a:avLst/>
+          </a:prstGeom>
+          <a:solidFill>
+            <a:schemeClr val="bg2"/>
+          </a:solidFill>
+          <a:ln w="6350"/>
+        </p:spPr>
+        <p:style>
+          <a:lnRef idx="2">
+            <a:schemeClr val="dk1"/>
+          </a:lnRef>
+          <a:fillRef idx="1">
+            <a:schemeClr val="lt1"/>
+          </a:fillRef>
+          <a:effectRef idx="0">
+            <a:schemeClr val="dk1"/>
+          </a:effectRef>
+          <a:fontRef idx="minor">
+            <a:schemeClr val="dk1"/>
+          </a:fontRef>
+        </p:style>
+        <p:txBody>
+          <a:bodyPr rtlCol="0" anchor="ctr"/>
+          <a:lstStyle/>
+          <a:p>
+            <a:pPr algn="ctr"/>
+            <a:endParaRPr lang="es-ES"/>
+          </a:p>
+        </p:txBody>
+      </p:sp>
+      <p:sp>
+        <p:nvSpPr>
+          <p:cNvPr id="19" name="TextBox 18">
+            <a:extLst>
+              <a:ext uri="{FF2B5EF4-FFF2-40B4-BE49-F238E27FC236}">
+                <a16:creationId xmlns:a16="http://schemas.microsoft.com/office/drawing/2014/main" id="{E8AD7E72-53DB-9486-3969-CC158BF47AE3}"/>
+              </a:ext>
+            </a:extLst>
+          </p:cNvPr>
+          <p:cNvSpPr txBox="1"/>
+          <p:nvPr/>
+        </p:nvSpPr>
+        <p:spPr>
+          <a:xfrm>
+            <a:off x="5220651" y="2651173"/>
+            <a:ext cx="356839" cy="184666"/>
+          </a:xfrm>
+          <a:prstGeom prst="rect">
+            <a:avLst/>
+          </a:prstGeom>
+          <a:noFill/>
+        </p:spPr>
+        <p:txBody>
+          <a:bodyPr wrap="square" rtlCol="0">
+            <a:spAutoFit/>
+          </a:bodyPr>
+          <a:lstStyle/>
+          <a:p>
+            <a:pPr algn="ctr"/>
+            <a:r>
+              <a:rPr lang="es-ES" sz="600" b="1" dirty="0"/>
+              <a:t>YES</a:t>
+            </a:r>
+          </a:p>
+        </p:txBody>
+      </p:sp>
+      <p:sp>
+        <p:nvSpPr>
+          <p:cNvPr id="20" name="Oval 19">
+            <a:extLst>
+              <a:ext uri="{FF2B5EF4-FFF2-40B4-BE49-F238E27FC236}">
+                <a16:creationId xmlns:a16="http://schemas.microsoft.com/office/drawing/2014/main" id="{C53E2542-C6E3-CCE2-FDE2-7C4264DED521}"/>
+              </a:ext>
+            </a:extLst>
+          </p:cNvPr>
+          <p:cNvSpPr/>
+          <p:nvPr/>
+        </p:nvSpPr>
+        <p:spPr>
+          <a:xfrm>
+            <a:off x="6784249" y="2816355"/>
+            <a:ext cx="72205" cy="70311"/>
+          </a:xfrm>
+          <a:prstGeom prst="ellipse">
+            <a:avLst/>
+          </a:prstGeom>
+          <a:solidFill>
+            <a:schemeClr val="bg2"/>
+          </a:solidFill>
+          <a:ln w="6350"/>
+        </p:spPr>
+        <p:style>
+          <a:lnRef idx="2">
+            <a:schemeClr val="dk1"/>
+          </a:lnRef>
+          <a:fillRef idx="1">
+            <a:schemeClr val="lt1"/>
+          </a:fillRef>
+          <a:effectRef idx="0">
+            <a:schemeClr val="dk1"/>
+          </a:effectRef>
+          <a:fontRef idx="minor">
+            <a:schemeClr val="dk1"/>
+          </a:fontRef>
+        </p:style>
+        <p:txBody>
+          <a:bodyPr rtlCol="0" anchor="ctr"/>
+          <a:lstStyle/>
+          <a:p>
+            <a:pPr algn="ctr"/>
+            <a:endParaRPr lang="es-ES"/>
+          </a:p>
+        </p:txBody>
+      </p:sp>
+      <p:sp>
+        <p:nvSpPr>
+          <p:cNvPr id="40" name="Rectangle: Rounded Corners 51">
+            <a:extLst>
+              <a:ext uri="{FF2B5EF4-FFF2-40B4-BE49-F238E27FC236}">
+                <a16:creationId xmlns:a16="http://schemas.microsoft.com/office/drawing/2014/main" id="{D7C8B8AE-8D62-8328-C9DA-E0F702E18239}"/>
+              </a:ext>
+            </a:extLst>
+          </p:cNvPr>
+          <p:cNvSpPr/>
+          <p:nvPr/>
+        </p:nvSpPr>
+        <p:spPr>
+          <a:xfrm>
+            <a:off x="7576807" y="2779101"/>
+            <a:ext cx="282758" cy="175673"/>
+          </a:xfrm>
+          <a:prstGeom prst="roundRect">
+            <a:avLst/>
+          </a:prstGeom>
+          <a:solidFill>
+            <a:schemeClr val="tx2">
+              <a:lumMod val="50000"/>
+              <a:lumOff val="50000"/>
+            </a:schemeClr>
+          </a:solidFill>
+        </p:spPr>
+        <p:style>
+          <a:lnRef idx="3">
+            <a:schemeClr val="lt1"/>
+          </a:lnRef>
+          <a:fillRef idx="1">
+            <a:schemeClr val="accent4"/>
+          </a:fillRef>
+          <a:effectRef idx="1">
+            <a:schemeClr val="accent4"/>
+          </a:effectRef>
+          <a:fontRef idx="minor">
+            <a:schemeClr val="lt1"/>
+          </a:fontRef>
+        </p:style>
+        <p:txBody>
+          <a:bodyPr rtlCol="0" anchor="ctr"/>
+          <a:lstStyle/>
+          <a:p>
+            <a:pPr algn="ctr"/>
+            <a:endParaRPr lang="es-ES"/>
+          </a:p>
+        </p:txBody>
+      </p:sp>
+      <p:cxnSp>
+        <p:nvCxnSpPr>
+          <p:cNvPr id="45" name="Straight Arrow Connector 44">
+            <a:extLst>
+              <a:ext uri="{FF2B5EF4-FFF2-40B4-BE49-F238E27FC236}">
+                <a16:creationId xmlns:a16="http://schemas.microsoft.com/office/drawing/2014/main" id="{97F81D96-9073-5CAB-9ABD-2C5901D0EB0B}"/>
+              </a:ext>
+            </a:extLst>
+          </p:cNvPr>
+          <p:cNvCxnSpPr>
+            <a:cxnSpLocks/>
+          </p:cNvCxnSpPr>
+          <p:nvPr/>
+        </p:nvCxnSpPr>
+        <p:spPr>
+          <a:xfrm>
+            <a:off x="7636546" y="2857987"/>
+            <a:ext cx="163280" cy="0"/>
+          </a:xfrm>
+          <a:prstGeom prst="straightConnector1">
+            <a:avLst/>
+          </a:prstGeom>
+          <a:ln>
+            <a:solidFill>
+              <a:schemeClr val="bg1"/>
+            </a:solidFill>
+            <a:tailEnd type="triangle"/>
+          </a:ln>
+        </p:spPr>
+        <p:style>
+          <a:lnRef idx="2">
+            <a:schemeClr val="accent1"/>
+          </a:lnRef>
+          <a:fillRef idx="0">
+            <a:schemeClr val="accent1"/>
+          </a:fillRef>
+          <a:effectRef idx="1">
+            <a:schemeClr val="accent1"/>
+          </a:effectRef>
+          <a:fontRef idx="minor">
+            <a:schemeClr val="tx1"/>
+          </a:fontRef>
+        </p:style>
+      </p:cxnSp>
+      <p:pic>
+        <p:nvPicPr>
+          <p:cNvPr id="50" name="Picture 49" descr="A black and white image of a hand with a finger pointing at a button&#10;&#10;AI-generated content may be incorrect.">
+            <a:extLst>
+              <a:ext uri="{FF2B5EF4-FFF2-40B4-BE49-F238E27FC236}">
+                <a16:creationId xmlns:a16="http://schemas.microsoft.com/office/drawing/2014/main" id="{7387700D-CD19-A2FC-F567-749CFAAC970B}"/>
               </a:ext>
             </a:extLst>
           </p:cNvPr>
@@ -3540,9 +5402,9 @@
           </a:stretch>
         </p:blipFill>
         <p:spPr>
-          <a:xfrm>
-            <a:off x="742786" y="5016390"/>
-            <a:ext cx="2354227" cy="1708709"/>
+          <a:xfrm rot="20009028">
+            <a:off x="11539921" y="5842866"/>
+            <a:ext cx="557033" cy="557033"/>
           </a:xfrm>
           <a:prstGeom prst="rect">
             <a:avLst/>
@@ -3551,10 +5413,10 @@
       </p:pic>
       <p:pic>
         <p:nvPicPr>
-          <p:cNvPr id="9" name="Picture 8" descr="A screenshot of a cartoon&#10;&#10;AI-generated content may be incorrect.">
-            <a:extLst>
-              <a:ext uri="{FF2B5EF4-FFF2-40B4-BE49-F238E27FC236}">
-                <a16:creationId xmlns:a16="http://schemas.microsoft.com/office/drawing/2014/main" id="{604D6640-3924-E578-002B-0C1B20D9C5A0}"/>
+          <p:cNvPr id="52" name="Picture 51" descr="A no cars sign&#10;&#10;AI-generated content may be incorrect.">
+            <a:extLst>
+              <a:ext uri="{FF2B5EF4-FFF2-40B4-BE49-F238E27FC236}">
+                <a16:creationId xmlns:a16="http://schemas.microsoft.com/office/drawing/2014/main" id="{EB246E5D-073E-09D6-0B3B-6F59BF43DC09}"/>
               </a:ext>
             </a:extLst>
           </p:cNvPr>
@@ -3577,8 +5439,8 @@
         </p:blipFill>
         <p:spPr>
           <a:xfrm>
-            <a:off x="2954155" y="172311"/>
-            <a:ext cx="8795022" cy="6599896"/>
+            <a:off x="1896538" y="3435448"/>
+            <a:ext cx="727764" cy="714896"/>
           </a:xfrm>
           <a:prstGeom prst="rect">
             <a:avLst/>
@@ -3587,10 +5449,10 @@
       </p:pic>
       <p:sp>
         <p:nvSpPr>
-          <p:cNvPr id="20" name="TextBox 19">
-            <a:extLst>
-              <a:ext uri="{FF2B5EF4-FFF2-40B4-BE49-F238E27FC236}">
-                <a16:creationId xmlns:a16="http://schemas.microsoft.com/office/drawing/2014/main" id="{32575BE2-D1EC-A420-CBC1-79C92F2D126F}"/>
+          <p:cNvPr id="64" name="TextBox 63">
+            <a:extLst>
+              <a:ext uri="{FF2B5EF4-FFF2-40B4-BE49-F238E27FC236}">
+                <a16:creationId xmlns:a16="http://schemas.microsoft.com/office/drawing/2014/main" id="{1567ED98-4F8E-826B-F773-9C9B27AE7E30}"/>
               </a:ext>
             </a:extLst>
           </p:cNvPr>
@@ -3599,8 +5461,8 @@
         </p:nvSpPr>
         <p:spPr>
           <a:xfrm>
-            <a:off x="-376719" y="3857248"/>
-            <a:ext cx="3956649" cy="830997"/>
+            <a:off x="6641931" y="2652148"/>
+            <a:ext cx="356839" cy="184666"/>
           </a:xfrm>
           <a:prstGeom prst="rect">
             <a:avLst/>
@@ -3615,54 +5477,3164 @@
           <a:p>
             <a:pPr algn="ctr"/>
             <a:r>
-              <a:rPr lang="es-ES" sz="2400" b="1" dirty="0"/>
-              <a:t>“No Music </a:t>
-            </a:r>
-            <a:r>
-              <a:rPr lang="es-ES" sz="2400" b="1" dirty="0" err="1"/>
-              <a:t>Past</a:t>
-            </a:r>
-            <a:r>
-              <a:rPr lang="es-ES" sz="2400" b="1" dirty="0"/>
-              <a:t> 10 PM”</a:t>
-            </a:r>
-          </a:p>
-          <a:p>
-            <a:pPr algn="ctr"/>
-            <a:r>
-              <a:rPr lang="es-ES" sz="2400" b="1" dirty="0"/>
+              <a:rPr lang="es-ES" sz="600" b="1" dirty="0"/>
+              <a:t>NO</a:t>
+            </a:r>
+          </a:p>
+        </p:txBody>
+      </p:sp>
+      <p:sp>
+        <p:nvSpPr>
+          <p:cNvPr id="66" name="Rectangle 65">
+            <a:extLst>
+              <a:ext uri="{FF2B5EF4-FFF2-40B4-BE49-F238E27FC236}">
+                <a16:creationId xmlns:a16="http://schemas.microsoft.com/office/drawing/2014/main" id="{4F52F25A-CD40-21B8-2DB9-94EE25224F94}"/>
+              </a:ext>
+            </a:extLst>
+          </p:cNvPr>
+          <p:cNvSpPr/>
+          <p:nvPr/>
+        </p:nvSpPr>
+        <p:spPr>
+          <a:xfrm>
+            <a:off x="8166203" y="1448350"/>
+            <a:ext cx="3484495" cy="1542094"/>
+          </a:xfrm>
+          <a:prstGeom prst="rect">
+            <a:avLst/>
+          </a:prstGeom>
+          <a:solidFill>
+            <a:schemeClr val="bg1"/>
+          </a:solidFill>
+        </p:spPr>
+        <p:style>
+          <a:lnRef idx="2">
+            <a:schemeClr val="accent1">
+              <a:shade val="15000"/>
+            </a:schemeClr>
+          </a:lnRef>
+          <a:fillRef idx="1">
+            <a:schemeClr val="accent1"/>
+          </a:fillRef>
+          <a:effectRef idx="0">
+            <a:schemeClr val="accent1"/>
+          </a:effectRef>
+          <a:fontRef idx="minor">
+            <a:schemeClr val="lt1"/>
+          </a:fontRef>
+        </p:style>
+        <p:txBody>
+          <a:bodyPr rtlCol="0" anchor="ctr"/>
+          <a:lstStyle/>
+          <a:p>
+            <a:pPr algn="ctr"/>
+            <a:endParaRPr lang="es-ES"/>
+          </a:p>
+        </p:txBody>
+      </p:sp>
+      <p:sp>
+        <p:nvSpPr>
+          <p:cNvPr id="67" name="TextBox 66">
+            <a:extLst>
+              <a:ext uri="{FF2B5EF4-FFF2-40B4-BE49-F238E27FC236}">
+                <a16:creationId xmlns:a16="http://schemas.microsoft.com/office/drawing/2014/main" id="{7E505C0A-395F-EB6C-6399-9D917EAC7368}"/>
+              </a:ext>
+            </a:extLst>
+          </p:cNvPr>
+          <p:cNvSpPr txBox="1"/>
+          <p:nvPr/>
+        </p:nvSpPr>
+        <p:spPr>
+          <a:xfrm>
+            <a:off x="8166203" y="1550359"/>
+            <a:ext cx="3484495" cy="1061829"/>
+          </a:xfrm>
+          <a:prstGeom prst="rect">
+            <a:avLst/>
+          </a:prstGeom>
+          <a:noFill/>
+        </p:spPr>
+        <p:txBody>
+          <a:bodyPr wrap="square" rtlCol="0">
+            <a:spAutoFit/>
+          </a:bodyPr>
+          <a:lstStyle/>
+          <a:p>
+            <a:pPr algn="ctr"/>
+            <a:r>
+              <a:rPr lang="en-US" sz="900" dirty="0"/>
+              <a:t>Remember</a:t>
+            </a:r>
+            <a:r>
+              <a:rPr lang="en-US" sz="900" b="1" dirty="0"/>
+              <a:t>…</a:t>
+            </a:r>
+            <a:r>
+              <a:rPr lang="en-US" sz="900" dirty="0"/>
               <a:t> </a:t>
             </a:r>
-            <a:r>
-              <a:rPr lang="es-ES" sz="2400" b="1" dirty="0" err="1"/>
-              <a:t>to</a:t>
-            </a:r>
-            <a:r>
-              <a:rPr lang="es-ES" sz="2400" b="1" dirty="0"/>
+          </a:p>
+          <a:p>
+            <a:pPr algn="ctr"/>
+            <a:r>
+              <a:rPr lang="en-US" sz="900" dirty="0"/>
+              <a:t>The rule says: “No  cars allowed on the path.” </a:t>
+            </a:r>
+          </a:p>
+          <a:p>
+            <a:pPr algn="ctr"/>
+            <a:r>
+              <a:rPr lang="en-US" sz="900" dirty="0"/>
+              <a:t>Purpose</a:t>
+            </a:r>
+            <a:r>
+              <a:rPr lang="en-US" sz="900" b="1" dirty="0"/>
+              <a:t>:</a:t>
+            </a:r>
+            <a:r>
+              <a:rPr lang="en-US" sz="900" dirty="0"/>
+              <a:t> To protect the people who walk on the path.</a:t>
+            </a:r>
+          </a:p>
+          <a:p>
+            <a:pPr algn="ctr"/>
+            <a:br>
+              <a:rPr lang="es-ES" sz="900" dirty="0"/>
+            </a:br>
+            <a:r>
+              <a:rPr lang="en-US" sz="900" b="1" dirty="0"/>
+              <a:t>One day, Anne goes for a walk on the path.</a:t>
+            </a:r>
+            <a:br>
+              <a:rPr lang="en-US" sz="900" b="1" dirty="0"/>
+            </a:br>
+            <a:endParaRPr lang="en-US" sz="900" b="1" dirty="0"/>
+          </a:p>
+          <a:p>
+            <a:pPr algn="ctr"/>
+            <a:r>
+              <a:rPr lang="en-US" sz="900" dirty="0"/>
+              <a:t>Did Anne obey the new rule?</a:t>
+            </a:r>
+            <a:r>
+              <a:rPr lang="es-ES" sz="900" dirty="0"/>
+              <a:t>’</a:t>
+            </a:r>
+          </a:p>
+        </p:txBody>
+      </p:sp>
+      <p:sp>
+        <p:nvSpPr>
+          <p:cNvPr id="68" name="Rectangle 67">
+            <a:extLst>
+              <a:ext uri="{FF2B5EF4-FFF2-40B4-BE49-F238E27FC236}">
+                <a16:creationId xmlns:a16="http://schemas.microsoft.com/office/drawing/2014/main" id="{8C10F652-F0EC-4A4B-F214-6E667BC186D9}"/>
+              </a:ext>
+            </a:extLst>
+          </p:cNvPr>
+          <p:cNvSpPr/>
+          <p:nvPr/>
+        </p:nvSpPr>
+        <p:spPr>
+          <a:xfrm>
+            <a:off x="8509178" y="2658494"/>
+            <a:ext cx="1300480" cy="261791"/>
+          </a:xfrm>
+          <a:prstGeom prst="rect">
+            <a:avLst/>
+          </a:prstGeom>
+          <a:solidFill>
+            <a:schemeClr val="bg2"/>
+          </a:solidFill>
+          <a:ln>
+            <a:solidFill>
+              <a:schemeClr val="bg1"/>
+            </a:solidFill>
+          </a:ln>
+        </p:spPr>
+        <p:style>
+          <a:lnRef idx="2">
+            <a:schemeClr val="accent1">
+              <a:shade val="15000"/>
+            </a:schemeClr>
+          </a:lnRef>
+          <a:fillRef idx="1">
+            <a:schemeClr val="accent1"/>
+          </a:fillRef>
+          <a:effectRef idx="0">
+            <a:schemeClr val="accent1"/>
+          </a:effectRef>
+          <a:fontRef idx="minor">
+            <a:schemeClr val="lt1"/>
+          </a:fontRef>
+        </p:style>
+        <p:txBody>
+          <a:bodyPr rtlCol="0" anchor="ctr"/>
+          <a:lstStyle/>
+          <a:p>
+            <a:pPr algn="ctr"/>
+            <a:endParaRPr lang="es-ES"/>
+          </a:p>
+        </p:txBody>
+      </p:sp>
+      <p:sp>
+        <p:nvSpPr>
+          <p:cNvPr id="69" name="Rectangle 68">
+            <a:extLst>
+              <a:ext uri="{FF2B5EF4-FFF2-40B4-BE49-F238E27FC236}">
+                <a16:creationId xmlns:a16="http://schemas.microsoft.com/office/drawing/2014/main" id="{77A6DBFB-4710-4B3E-5D07-6D8F9B784E6C}"/>
+              </a:ext>
+            </a:extLst>
+          </p:cNvPr>
+          <p:cNvSpPr/>
+          <p:nvPr/>
+        </p:nvSpPr>
+        <p:spPr>
+          <a:xfrm>
+            <a:off x="9931578" y="2662239"/>
+            <a:ext cx="1300480" cy="258046"/>
+          </a:xfrm>
+          <a:prstGeom prst="rect">
+            <a:avLst/>
+          </a:prstGeom>
+          <a:solidFill>
+            <a:schemeClr val="bg2"/>
+          </a:solidFill>
+          <a:ln>
+            <a:solidFill>
+              <a:schemeClr val="bg1"/>
+            </a:solidFill>
+          </a:ln>
+        </p:spPr>
+        <p:style>
+          <a:lnRef idx="2">
+            <a:schemeClr val="accent1">
+              <a:shade val="15000"/>
+            </a:schemeClr>
+          </a:lnRef>
+          <a:fillRef idx="1">
+            <a:schemeClr val="accent1"/>
+          </a:fillRef>
+          <a:effectRef idx="0">
+            <a:schemeClr val="accent1"/>
+          </a:effectRef>
+          <a:fontRef idx="minor">
+            <a:schemeClr val="lt1"/>
+          </a:fontRef>
+        </p:style>
+        <p:txBody>
+          <a:bodyPr rtlCol="0" anchor="ctr"/>
+          <a:lstStyle/>
+          <a:p>
+            <a:pPr algn="ctr"/>
+            <a:endParaRPr lang="es-ES"/>
+          </a:p>
+        </p:txBody>
+      </p:sp>
+      <p:sp>
+        <p:nvSpPr>
+          <p:cNvPr id="70" name="Oval 69">
+            <a:extLst>
+              <a:ext uri="{FF2B5EF4-FFF2-40B4-BE49-F238E27FC236}">
+                <a16:creationId xmlns:a16="http://schemas.microsoft.com/office/drawing/2014/main" id="{73C18CFF-FE99-A96A-1967-0CEF10A61670}"/>
+              </a:ext>
+            </a:extLst>
+          </p:cNvPr>
+          <p:cNvSpPr/>
+          <p:nvPr/>
+        </p:nvSpPr>
+        <p:spPr>
+          <a:xfrm>
+            <a:off x="9121782" y="2816355"/>
+            <a:ext cx="72205" cy="70311"/>
+          </a:xfrm>
+          <a:prstGeom prst="ellipse">
+            <a:avLst/>
+          </a:prstGeom>
+          <a:solidFill>
+            <a:schemeClr val="bg2"/>
+          </a:solidFill>
+          <a:ln w="6350"/>
+        </p:spPr>
+        <p:style>
+          <a:lnRef idx="2">
+            <a:schemeClr val="dk1"/>
+          </a:lnRef>
+          <a:fillRef idx="1">
+            <a:schemeClr val="lt1"/>
+          </a:fillRef>
+          <a:effectRef idx="0">
+            <a:schemeClr val="dk1"/>
+          </a:effectRef>
+          <a:fontRef idx="minor">
+            <a:schemeClr val="dk1"/>
+          </a:fontRef>
+        </p:style>
+        <p:txBody>
+          <a:bodyPr rtlCol="0" anchor="ctr"/>
+          <a:lstStyle/>
+          <a:p>
+            <a:pPr algn="ctr"/>
+            <a:endParaRPr lang="es-ES"/>
+          </a:p>
+        </p:txBody>
+      </p:sp>
+      <p:sp>
+        <p:nvSpPr>
+          <p:cNvPr id="71" name="TextBox 70">
+            <a:extLst>
+              <a:ext uri="{FF2B5EF4-FFF2-40B4-BE49-F238E27FC236}">
+                <a16:creationId xmlns:a16="http://schemas.microsoft.com/office/drawing/2014/main" id="{D9D3E497-84DB-7F2A-09E2-4C86FA4E3CDA}"/>
+              </a:ext>
+            </a:extLst>
+          </p:cNvPr>
+          <p:cNvSpPr txBox="1"/>
+          <p:nvPr/>
+        </p:nvSpPr>
+        <p:spPr>
+          <a:xfrm>
+            <a:off x="8982117" y="2651173"/>
+            <a:ext cx="356839" cy="184666"/>
+          </a:xfrm>
+          <a:prstGeom prst="rect">
+            <a:avLst/>
+          </a:prstGeom>
+          <a:noFill/>
+        </p:spPr>
+        <p:txBody>
+          <a:bodyPr wrap="square" rtlCol="0">
+            <a:spAutoFit/>
+          </a:bodyPr>
+          <a:lstStyle/>
+          <a:p>
+            <a:pPr algn="ctr"/>
+            <a:r>
+              <a:rPr lang="es-ES" sz="600" b="1" dirty="0"/>
+              <a:t>YES</a:t>
+            </a:r>
+          </a:p>
+        </p:txBody>
+      </p:sp>
+      <p:sp>
+        <p:nvSpPr>
+          <p:cNvPr id="72" name="Oval 71">
+            <a:extLst>
+              <a:ext uri="{FF2B5EF4-FFF2-40B4-BE49-F238E27FC236}">
+                <a16:creationId xmlns:a16="http://schemas.microsoft.com/office/drawing/2014/main" id="{AE8EC7F8-E768-6F0F-428F-3BE81494FA04}"/>
+              </a:ext>
+            </a:extLst>
+          </p:cNvPr>
+          <p:cNvSpPr/>
+          <p:nvPr/>
+        </p:nvSpPr>
+        <p:spPr>
+          <a:xfrm>
+            <a:off x="10545715" y="2816355"/>
+            <a:ext cx="72205" cy="70311"/>
+          </a:xfrm>
+          <a:prstGeom prst="ellipse">
+            <a:avLst/>
+          </a:prstGeom>
+          <a:solidFill>
+            <a:schemeClr val="bg2"/>
+          </a:solidFill>
+          <a:ln w="6350"/>
+        </p:spPr>
+        <p:style>
+          <a:lnRef idx="2">
+            <a:schemeClr val="dk1"/>
+          </a:lnRef>
+          <a:fillRef idx="1">
+            <a:schemeClr val="lt1"/>
+          </a:fillRef>
+          <a:effectRef idx="0">
+            <a:schemeClr val="dk1"/>
+          </a:effectRef>
+          <a:fontRef idx="minor">
+            <a:schemeClr val="dk1"/>
+          </a:fontRef>
+        </p:style>
+        <p:txBody>
+          <a:bodyPr rtlCol="0" anchor="ctr"/>
+          <a:lstStyle/>
+          <a:p>
+            <a:pPr algn="ctr"/>
+            <a:endParaRPr lang="es-ES"/>
+          </a:p>
+        </p:txBody>
+      </p:sp>
+      <p:sp>
+        <p:nvSpPr>
+          <p:cNvPr id="73" name="Rectangle: Rounded Corners 51">
+            <a:extLst>
+              <a:ext uri="{FF2B5EF4-FFF2-40B4-BE49-F238E27FC236}">
+                <a16:creationId xmlns:a16="http://schemas.microsoft.com/office/drawing/2014/main" id="{61FC1202-8986-DB2F-7C3B-A642AD3E986E}"/>
+              </a:ext>
+            </a:extLst>
+          </p:cNvPr>
+          <p:cNvSpPr/>
+          <p:nvPr/>
+        </p:nvSpPr>
+        <p:spPr>
+          <a:xfrm>
+            <a:off x="11338273" y="2779101"/>
+            <a:ext cx="282758" cy="175673"/>
+          </a:xfrm>
+          <a:prstGeom prst="roundRect">
+            <a:avLst/>
+          </a:prstGeom>
+          <a:solidFill>
+            <a:schemeClr val="tx2">
+              <a:lumMod val="50000"/>
+              <a:lumOff val="50000"/>
+            </a:schemeClr>
+          </a:solidFill>
+        </p:spPr>
+        <p:style>
+          <a:lnRef idx="3">
+            <a:schemeClr val="lt1"/>
+          </a:lnRef>
+          <a:fillRef idx="1">
+            <a:schemeClr val="accent4"/>
+          </a:fillRef>
+          <a:effectRef idx="1">
+            <a:schemeClr val="accent4"/>
+          </a:effectRef>
+          <a:fontRef idx="minor">
+            <a:schemeClr val="lt1"/>
+          </a:fontRef>
+        </p:style>
+        <p:txBody>
+          <a:bodyPr rtlCol="0" anchor="ctr"/>
+          <a:lstStyle/>
+          <a:p>
+            <a:pPr algn="ctr"/>
+            <a:endParaRPr lang="es-ES"/>
+          </a:p>
+        </p:txBody>
+      </p:sp>
+      <p:cxnSp>
+        <p:nvCxnSpPr>
+          <p:cNvPr id="74" name="Straight Arrow Connector 73">
+            <a:extLst>
+              <a:ext uri="{FF2B5EF4-FFF2-40B4-BE49-F238E27FC236}">
+                <a16:creationId xmlns:a16="http://schemas.microsoft.com/office/drawing/2014/main" id="{6B693550-6B52-B385-CDF9-F77C58F59650}"/>
+              </a:ext>
+            </a:extLst>
+          </p:cNvPr>
+          <p:cNvCxnSpPr>
+            <a:cxnSpLocks/>
+          </p:cNvCxnSpPr>
+          <p:nvPr/>
+        </p:nvCxnSpPr>
+        <p:spPr>
+          <a:xfrm>
+            <a:off x="11398012" y="2857987"/>
+            <a:ext cx="163280" cy="0"/>
+          </a:xfrm>
+          <a:prstGeom prst="straightConnector1">
+            <a:avLst/>
+          </a:prstGeom>
+          <a:ln>
+            <a:solidFill>
+              <a:schemeClr val="bg1"/>
+            </a:solidFill>
+            <a:tailEnd type="triangle"/>
+          </a:ln>
+        </p:spPr>
+        <p:style>
+          <a:lnRef idx="2">
+            <a:schemeClr val="accent1"/>
+          </a:lnRef>
+          <a:fillRef idx="0">
+            <a:schemeClr val="accent1"/>
+          </a:fillRef>
+          <a:effectRef idx="1">
+            <a:schemeClr val="accent1"/>
+          </a:effectRef>
+          <a:fontRef idx="minor">
+            <a:schemeClr val="tx1"/>
+          </a:fontRef>
+        </p:style>
+      </p:cxnSp>
+      <p:sp>
+        <p:nvSpPr>
+          <p:cNvPr id="75" name="TextBox 74">
+            <a:extLst>
+              <a:ext uri="{FF2B5EF4-FFF2-40B4-BE49-F238E27FC236}">
+                <a16:creationId xmlns:a16="http://schemas.microsoft.com/office/drawing/2014/main" id="{37100FA6-5427-0733-B5BE-65385DA70031}"/>
+              </a:ext>
+            </a:extLst>
+          </p:cNvPr>
+          <p:cNvSpPr txBox="1"/>
+          <p:nvPr/>
+        </p:nvSpPr>
+        <p:spPr>
+          <a:xfrm>
+            <a:off x="10403397" y="2652148"/>
+            <a:ext cx="356839" cy="184666"/>
+          </a:xfrm>
+          <a:prstGeom prst="rect">
+            <a:avLst/>
+          </a:prstGeom>
+          <a:noFill/>
+        </p:spPr>
+        <p:txBody>
+          <a:bodyPr wrap="square" rtlCol="0">
+            <a:spAutoFit/>
+          </a:bodyPr>
+          <a:lstStyle/>
+          <a:p>
+            <a:pPr algn="ctr"/>
+            <a:r>
+              <a:rPr lang="es-ES" sz="600" b="1" dirty="0"/>
+              <a:t>NO</a:t>
+            </a:r>
+          </a:p>
+        </p:txBody>
+      </p:sp>
+      <p:sp>
+        <p:nvSpPr>
+          <p:cNvPr id="76" name="Rectangle 75">
+            <a:extLst>
+              <a:ext uri="{FF2B5EF4-FFF2-40B4-BE49-F238E27FC236}">
+                <a16:creationId xmlns:a16="http://schemas.microsoft.com/office/drawing/2014/main" id="{44642A01-09F1-9BDD-5BEE-1C13A61EE133}"/>
+              </a:ext>
+            </a:extLst>
+          </p:cNvPr>
+          <p:cNvSpPr/>
+          <p:nvPr/>
+        </p:nvSpPr>
+        <p:spPr>
+          <a:xfrm>
+            <a:off x="4427864" y="3765547"/>
+            <a:ext cx="3484495" cy="1542094"/>
+          </a:xfrm>
+          <a:prstGeom prst="rect">
+            <a:avLst/>
+          </a:prstGeom>
+          <a:solidFill>
+            <a:schemeClr val="bg1"/>
+          </a:solidFill>
+        </p:spPr>
+        <p:style>
+          <a:lnRef idx="2">
+            <a:schemeClr val="accent1">
+              <a:shade val="15000"/>
+            </a:schemeClr>
+          </a:lnRef>
+          <a:fillRef idx="1">
+            <a:schemeClr val="accent1"/>
+          </a:fillRef>
+          <a:effectRef idx="0">
+            <a:schemeClr val="accent1"/>
+          </a:effectRef>
+          <a:fontRef idx="minor">
+            <a:schemeClr val="lt1"/>
+          </a:fontRef>
+        </p:style>
+        <p:txBody>
+          <a:bodyPr rtlCol="0" anchor="ctr"/>
+          <a:lstStyle/>
+          <a:p>
+            <a:pPr algn="ctr"/>
+            <a:endParaRPr lang="es-ES"/>
+          </a:p>
+        </p:txBody>
+      </p:sp>
+      <p:sp>
+        <p:nvSpPr>
+          <p:cNvPr id="77" name="TextBox 76">
+            <a:extLst>
+              <a:ext uri="{FF2B5EF4-FFF2-40B4-BE49-F238E27FC236}">
+                <a16:creationId xmlns:a16="http://schemas.microsoft.com/office/drawing/2014/main" id="{80BB9FB1-9929-D65D-23E9-315E980C9159}"/>
+              </a:ext>
+            </a:extLst>
+          </p:cNvPr>
+          <p:cNvSpPr txBox="1"/>
+          <p:nvPr/>
+        </p:nvSpPr>
+        <p:spPr>
+          <a:xfrm>
+            <a:off x="4427864" y="3867556"/>
+            <a:ext cx="3484495" cy="1092607"/>
+          </a:xfrm>
+          <a:prstGeom prst="rect">
+            <a:avLst/>
+          </a:prstGeom>
+          <a:noFill/>
+        </p:spPr>
+        <p:txBody>
+          <a:bodyPr wrap="square" rtlCol="0">
+            <a:spAutoFit/>
+          </a:bodyPr>
+          <a:lstStyle/>
+          <a:p>
+            <a:pPr algn="ctr"/>
+            <a:r>
+              <a:rPr lang="en-US" sz="900" dirty="0"/>
+              <a:t>Remember</a:t>
+            </a:r>
+            <a:r>
+              <a:rPr lang="en-US" sz="900" b="1" dirty="0"/>
+              <a:t>…</a:t>
+            </a:r>
+            <a:r>
+              <a:rPr lang="en-US" sz="900" dirty="0"/>
               <a:t> </a:t>
             </a:r>
-            <a:r>
-              <a:rPr lang="es-ES" sz="2400" b="1" dirty="0" err="1"/>
-              <a:t>allow</a:t>
-            </a:r>
-            <a:r>
-              <a:rPr lang="es-ES" sz="2400" b="1" dirty="0"/>
+          </a:p>
+          <a:p>
+            <a:pPr algn="ctr"/>
+            <a:r>
+              <a:rPr lang="en-US" sz="900" dirty="0"/>
+              <a:t>The rule says: “No  cars allowed on the path.” </a:t>
+            </a:r>
+          </a:p>
+          <a:p>
+            <a:pPr algn="ctr"/>
+            <a:r>
+              <a:rPr lang="en-US" sz="900" dirty="0"/>
+              <a:t>Purpose</a:t>
+            </a:r>
+            <a:r>
+              <a:rPr lang="en-US" sz="900" b="1" dirty="0"/>
+              <a:t>:</a:t>
+            </a:r>
+            <a:r>
+              <a:rPr lang="en-US" sz="900" dirty="0"/>
+              <a:t> To protect the people who walk on the path.</a:t>
+            </a:r>
+          </a:p>
+          <a:p>
+            <a:pPr algn="ctr"/>
+            <a:br>
+              <a:rPr lang="es-ES" sz="900" dirty="0"/>
+            </a:br>
+            <a:r>
+              <a:rPr lang="en-US" sz="900" b="1" dirty="0"/>
+              <a:t>One day, Sarah rides a motorcycle on the path at 100 kilometers per hour.</a:t>
+            </a:r>
+            <a:br>
+              <a:rPr lang="en-US" sz="900" b="1" dirty="0"/>
+            </a:br>
+            <a:endParaRPr lang="en-US" sz="200" b="1" dirty="0"/>
+          </a:p>
+          <a:p>
+            <a:pPr algn="ctr"/>
+            <a:r>
+              <a:rPr lang="en-US" sz="900" dirty="0"/>
+              <a:t>Did Sarah  obey the new rule?</a:t>
+            </a:r>
+            <a:r>
+              <a:rPr lang="es-ES" sz="900" dirty="0"/>
+              <a:t>’</a:t>
+            </a:r>
+          </a:p>
+        </p:txBody>
+      </p:sp>
+      <p:sp>
+        <p:nvSpPr>
+          <p:cNvPr id="78" name="Rectangle 77">
+            <a:extLst>
+              <a:ext uri="{FF2B5EF4-FFF2-40B4-BE49-F238E27FC236}">
+                <a16:creationId xmlns:a16="http://schemas.microsoft.com/office/drawing/2014/main" id="{5BC2D391-27C2-5884-A673-5033640FCDAC}"/>
+              </a:ext>
+            </a:extLst>
+          </p:cNvPr>
+          <p:cNvSpPr/>
+          <p:nvPr/>
+        </p:nvSpPr>
+        <p:spPr>
+          <a:xfrm>
+            <a:off x="4770839" y="4975691"/>
+            <a:ext cx="1300480" cy="261791"/>
+          </a:xfrm>
+          <a:prstGeom prst="rect">
+            <a:avLst/>
+          </a:prstGeom>
+          <a:solidFill>
+            <a:schemeClr val="bg2"/>
+          </a:solidFill>
+          <a:ln>
+            <a:solidFill>
+              <a:schemeClr val="bg1"/>
+            </a:solidFill>
+          </a:ln>
+        </p:spPr>
+        <p:style>
+          <a:lnRef idx="2">
+            <a:schemeClr val="accent1">
+              <a:shade val="15000"/>
+            </a:schemeClr>
+          </a:lnRef>
+          <a:fillRef idx="1">
+            <a:schemeClr val="accent1"/>
+          </a:fillRef>
+          <a:effectRef idx="0">
+            <a:schemeClr val="accent1"/>
+          </a:effectRef>
+          <a:fontRef idx="minor">
+            <a:schemeClr val="lt1"/>
+          </a:fontRef>
+        </p:style>
+        <p:txBody>
+          <a:bodyPr rtlCol="0" anchor="ctr"/>
+          <a:lstStyle/>
+          <a:p>
+            <a:pPr algn="ctr"/>
+            <a:endParaRPr lang="es-ES"/>
+          </a:p>
+        </p:txBody>
+      </p:sp>
+      <p:sp>
+        <p:nvSpPr>
+          <p:cNvPr id="79" name="Rectangle 78">
+            <a:extLst>
+              <a:ext uri="{FF2B5EF4-FFF2-40B4-BE49-F238E27FC236}">
+                <a16:creationId xmlns:a16="http://schemas.microsoft.com/office/drawing/2014/main" id="{68F3A4D4-A481-6D0F-7D0B-C7DB2181D729}"/>
+              </a:ext>
+            </a:extLst>
+          </p:cNvPr>
+          <p:cNvSpPr/>
+          <p:nvPr/>
+        </p:nvSpPr>
+        <p:spPr>
+          <a:xfrm>
+            <a:off x="6193239" y="4979436"/>
+            <a:ext cx="1300480" cy="258046"/>
+          </a:xfrm>
+          <a:prstGeom prst="rect">
+            <a:avLst/>
+          </a:prstGeom>
+          <a:solidFill>
+            <a:schemeClr val="bg2"/>
+          </a:solidFill>
+          <a:ln>
+            <a:solidFill>
+              <a:schemeClr val="bg1"/>
+            </a:solidFill>
+          </a:ln>
+        </p:spPr>
+        <p:style>
+          <a:lnRef idx="2">
+            <a:schemeClr val="accent1">
+              <a:shade val="15000"/>
+            </a:schemeClr>
+          </a:lnRef>
+          <a:fillRef idx="1">
+            <a:schemeClr val="accent1"/>
+          </a:fillRef>
+          <a:effectRef idx="0">
+            <a:schemeClr val="accent1"/>
+          </a:effectRef>
+          <a:fontRef idx="minor">
+            <a:schemeClr val="lt1"/>
+          </a:fontRef>
+        </p:style>
+        <p:txBody>
+          <a:bodyPr rtlCol="0" anchor="ctr"/>
+          <a:lstStyle/>
+          <a:p>
+            <a:pPr algn="ctr"/>
+            <a:endParaRPr lang="es-ES"/>
+          </a:p>
+        </p:txBody>
+      </p:sp>
+      <p:sp>
+        <p:nvSpPr>
+          <p:cNvPr id="80" name="Oval 79">
+            <a:extLst>
+              <a:ext uri="{FF2B5EF4-FFF2-40B4-BE49-F238E27FC236}">
+                <a16:creationId xmlns:a16="http://schemas.microsoft.com/office/drawing/2014/main" id="{B2EE1567-BCF4-3F58-DCA0-913B5C5F828D}"/>
+              </a:ext>
+            </a:extLst>
+          </p:cNvPr>
+          <p:cNvSpPr/>
+          <p:nvPr/>
+        </p:nvSpPr>
+        <p:spPr>
+          <a:xfrm>
+            <a:off x="5383443" y="5133552"/>
+            <a:ext cx="72205" cy="70311"/>
+          </a:xfrm>
+          <a:prstGeom prst="ellipse">
+            <a:avLst/>
+          </a:prstGeom>
+          <a:solidFill>
+            <a:schemeClr val="bg2"/>
+          </a:solidFill>
+          <a:ln w="6350"/>
+        </p:spPr>
+        <p:style>
+          <a:lnRef idx="2">
+            <a:schemeClr val="dk1"/>
+          </a:lnRef>
+          <a:fillRef idx="1">
+            <a:schemeClr val="lt1"/>
+          </a:fillRef>
+          <a:effectRef idx="0">
+            <a:schemeClr val="dk1"/>
+          </a:effectRef>
+          <a:fontRef idx="minor">
+            <a:schemeClr val="dk1"/>
+          </a:fontRef>
+        </p:style>
+        <p:txBody>
+          <a:bodyPr rtlCol="0" anchor="ctr"/>
+          <a:lstStyle/>
+          <a:p>
+            <a:pPr algn="ctr"/>
+            <a:endParaRPr lang="es-ES"/>
+          </a:p>
+        </p:txBody>
+      </p:sp>
+      <p:sp>
+        <p:nvSpPr>
+          <p:cNvPr id="81" name="TextBox 80">
+            <a:extLst>
+              <a:ext uri="{FF2B5EF4-FFF2-40B4-BE49-F238E27FC236}">
+                <a16:creationId xmlns:a16="http://schemas.microsoft.com/office/drawing/2014/main" id="{072252AE-0C0E-545B-8631-BD7CFB53A7A0}"/>
+              </a:ext>
+            </a:extLst>
+          </p:cNvPr>
+          <p:cNvSpPr txBox="1"/>
+          <p:nvPr/>
+        </p:nvSpPr>
+        <p:spPr>
+          <a:xfrm>
+            <a:off x="5243778" y="4968370"/>
+            <a:ext cx="356839" cy="184666"/>
+          </a:xfrm>
+          <a:prstGeom prst="rect">
+            <a:avLst/>
+          </a:prstGeom>
+          <a:noFill/>
+        </p:spPr>
+        <p:txBody>
+          <a:bodyPr wrap="square" rtlCol="0">
+            <a:spAutoFit/>
+          </a:bodyPr>
+          <a:lstStyle/>
+          <a:p>
+            <a:pPr algn="ctr"/>
+            <a:r>
+              <a:rPr lang="es-ES" sz="600" b="1" dirty="0"/>
+              <a:t>YES</a:t>
+            </a:r>
+          </a:p>
+        </p:txBody>
+      </p:sp>
+      <p:sp>
+        <p:nvSpPr>
+          <p:cNvPr id="82" name="Oval 81">
+            <a:extLst>
+              <a:ext uri="{FF2B5EF4-FFF2-40B4-BE49-F238E27FC236}">
+                <a16:creationId xmlns:a16="http://schemas.microsoft.com/office/drawing/2014/main" id="{36A9811B-4C1E-029E-7B05-99199EED0CAA}"/>
+              </a:ext>
+            </a:extLst>
+          </p:cNvPr>
+          <p:cNvSpPr/>
+          <p:nvPr/>
+        </p:nvSpPr>
+        <p:spPr>
+          <a:xfrm>
+            <a:off x="6807376" y="5133552"/>
+            <a:ext cx="72205" cy="70311"/>
+          </a:xfrm>
+          <a:prstGeom prst="ellipse">
+            <a:avLst/>
+          </a:prstGeom>
+          <a:solidFill>
+            <a:schemeClr val="bg2"/>
+          </a:solidFill>
+          <a:ln w="6350"/>
+        </p:spPr>
+        <p:style>
+          <a:lnRef idx="2">
+            <a:schemeClr val="dk1"/>
+          </a:lnRef>
+          <a:fillRef idx="1">
+            <a:schemeClr val="lt1"/>
+          </a:fillRef>
+          <a:effectRef idx="0">
+            <a:schemeClr val="dk1"/>
+          </a:effectRef>
+          <a:fontRef idx="minor">
+            <a:schemeClr val="dk1"/>
+          </a:fontRef>
+        </p:style>
+        <p:txBody>
+          <a:bodyPr rtlCol="0" anchor="ctr"/>
+          <a:lstStyle/>
+          <a:p>
+            <a:pPr algn="ctr"/>
+            <a:endParaRPr lang="es-ES"/>
+          </a:p>
+        </p:txBody>
+      </p:sp>
+      <p:sp>
+        <p:nvSpPr>
+          <p:cNvPr id="83" name="Rectangle: Rounded Corners 51">
+            <a:extLst>
+              <a:ext uri="{FF2B5EF4-FFF2-40B4-BE49-F238E27FC236}">
+                <a16:creationId xmlns:a16="http://schemas.microsoft.com/office/drawing/2014/main" id="{59D03C2B-7812-1FA0-87D8-64915FA792ED}"/>
+              </a:ext>
+            </a:extLst>
+          </p:cNvPr>
+          <p:cNvSpPr/>
+          <p:nvPr/>
+        </p:nvSpPr>
+        <p:spPr>
+          <a:xfrm>
+            <a:off x="7599934" y="5096298"/>
+            <a:ext cx="282758" cy="175673"/>
+          </a:xfrm>
+          <a:prstGeom prst="roundRect">
+            <a:avLst/>
+          </a:prstGeom>
+          <a:solidFill>
+            <a:schemeClr val="tx2">
+              <a:lumMod val="50000"/>
+              <a:lumOff val="50000"/>
+            </a:schemeClr>
+          </a:solidFill>
+        </p:spPr>
+        <p:style>
+          <a:lnRef idx="3">
+            <a:schemeClr val="lt1"/>
+          </a:lnRef>
+          <a:fillRef idx="1">
+            <a:schemeClr val="accent4"/>
+          </a:fillRef>
+          <a:effectRef idx="1">
+            <a:schemeClr val="accent4"/>
+          </a:effectRef>
+          <a:fontRef idx="minor">
+            <a:schemeClr val="lt1"/>
+          </a:fontRef>
+        </p:style>
+        <p:txBody>
+          <a:bodyPr rtlCol="0" anchor="ctr"/>
+          <a:lstStyle/>
+          <a:p>
+            <a:pPr algn="ctr"/>
+            <a:endParaRPr lang="es-ES"/>
+          </a:p>
+        </p:txBody>
+      </p:sp>
+      <p:cxnSp>
+        <p:nvCxnSpPr>
+          <p:cNvPr id="84" name="Straight Arrow Connector 83">
+            <a:extLst>
+              <a:ext uri="{FF2B5EF4-FFF2-40B4-BE49-F238E27FC236}">
+                <a16:creationId xmlns:a16="http://schemas.microsoft.com/office/drawing/2014/main" id="{8035EB36-D7C0-6551-2419-9B20C21102BB}"/>
+              </a:ext>
+            </a:extLst>
+          </p:cNvPr>
+          <p:cNvCxnSpPr>
+            <a:cxnSpLocks/>
+          </p:cNvCxnSpPr>
+          <p:nvPr/>
+        </p:nvCxnSpPr>
+        <p:spPr>
+          <a:xfrm>
+            <a:off x="7659673" y="5175184"/>
+            <a:ext cx="163280" cy="0"/>
+          </a:xfrm>
+          <a:prstGeom prst="straightConnector1">
+            <a:avLst/>
+          </a:prstGeom>
+          <a:ln>
+            <a:solidFill>
+              <a:schemeClr val="bg1"/>
+            </a:solidFill>
+            <a:tailEnd type="triangle"/>
+          </a:ln>
+        </p:spPr>
+        <p:style>
+          <a:lnRef idx="2">
+            <a:schemeClr val="accent1"/>
+          </a:lnRef>
+          <a:fillRef idx="0">
+            <a:schemeClr val="accent1"/>
+          </a:fillRef>
+          <a:effectRef idx="1">
+            <a:schemeClr val="accent1"/>
+          </a:effectRef>
+          <a:fontRef idx="minor">
+            <a:schemeClr val="tx1"/>
+          </a:fontRef>
+        </p:style>
+      </p:cxnSp>
+      <p:sp>
+        <p:nvSpPr>
+          <p:cNvPr id="85" name="TextBox 84">
+            <a:extLst>
+              <a:ext uri="{FF2B5EF4-FFF2-40B4-BE49-F238E27FC236}">
+                <a16:creationId xmlns:a16="http://schemas.microsoft.com/office/drawing/2014/main" id="{A255BEA0-6DF4-1343-DB3F-269E1D59D44C}"/>
+              </a:ext>
+            </a:extLst>
+          </p:cNvPr>
+          <p:cNvSpPr txBox="1"/>
+          <p:nvPr/>
+        </p:nvSpPr>
+        <p:spPr>
+          <a:xfrm>
+            <a:off x="6665058" y="4969345"/>
+            <a:ext cx="356839" cy="184666"/>
+          </a:xfrm>
+          <a:prstGeom prst="rect">
+            <a:avLst/>
+          </a:prstGeom>
+          <a:noFill/>
+        </p:spPr>
+        <p:txBody>
+          <a:bodyPr wrap="square" rtlCol="0">
+            <a:spAutoFit/>
+          </a:bodyPr>
+          <a:lstStyle/>
+          <a:p>
+            <a:pPr algn="ctr"/>
+            <a:r>
+              <a:rPr lang="es-ES" sz="600" b="1" dirty="0"/>
+              <a:t>NO</a:t>
+            </a:r>
+          </a:p>
+        </p:txBody>
+      </p:sp>
+      <p:sp>
+        <p:nvSpPr>
+          <p:cNvPr id="86" name="Rectangle 85">
+            <a:extLst>
+              <a:ext uri="{FF2B5EF4-FFF2-40B4-BE49-F238E27FC236}">
+                <a16:creationId xmlns:a16="http://schemas.microsoft.com/office/drawing/2014/main" id="{663E3147-8BD0-E86E-3656-247ADDF1C0AD}"/>
+              </a:ext>
+            </a:extLst>
+          </p:cNvPr>
+          <p:cNvSpPr/>
+          <p:nvPr/>
+        </p:nvSpPr>
+        <p:spPr>
+          <a:xfrm>
+            <a:off x="8189330" y="3765547"/>
+            <a:ext cx="3484495" cy="1542094"/>
+          </a:xfrm>
+          <a:prstGeom prst="rect">
+            <a:avLst/>
+          </a:prstGeom>
+          <a:solidFill>
+            <a:schemeClr val="bg1"/>
+          </a:solidFill>
+        </p:spPr>
+        <p:style>
+          <a:lnRef idx="2">
+            <a:schemeClr val="accent1">
+              <a:shade val="15000"/>
+            </a:schemeClr>
+          </a:lnRef>
+          <a:fillRef idx="1">
+            <a:schemeClr val="accent1"/>
+          </a:fillRef>
+          <a:effectRef idx="0">
+            <a:schemeClr val="accent1"/>
+          </a:effectRef>
+          <a:fontRef idx="minor">
+            <a:schemeClr val="lt1"/>
+          </a:fontRef>
+        </p:style>
+        <p:txBody>
+          <a:bodyPr rtlCol="0" anchor="ctr"/>
+          <a:lstStyle/>
+          <a:p>
+            <a:pPr algn="ctr"/>
+            <a:endParaRPr lang="es-ES"/>
+          </a:p>
+        </p:txBody>
+      </p:sp>
+      <p:sp>
+        <p:nvSpPr>
+          <p:cNvPr id="87" name="TextBox 86">
+            <a:extLst>
+              <a:ext uri="{FF2B5EF4-FFF2-40B4-BE49-F238E27FC236}">
+                <a16:creationId xmlns:a16="http://schemas.microsoft.com/office/drawing/2014/main" id="{107CFDA7-7718-CCD0-687B-AEE13171463A}"/>
+              </a:ext>
+            </a:extLst>
+          </p:cNvPr>
+          <p:cNvSpPr txBox="1"/>
+          <p:nvPr/>
+        </p:nvSpPr>
+        <p:spPr>
+          <a:xfrm>
+            <a:off x="8189330" y="3867556"/>
+            <a:ext cx="3484495" cy="1092607"/>
+          </a:xfrm>
+          <a:prstGeom prst="rect">
+            <a:avLst/>
+          </a:prstGeom>
+          <a:noFill/>
+        </p:spPr>
+        <p:txBody>
+          <a:bodyPr wrap="square" rtlCol="0">
+            <a:spAutoFit/>
+          </a:bodyPr>
+          <a:lstStyle/>
+          <a:p>
+            <a:pPr algn="ctr"/>
+            <a:r>
+              <a:rPr lang="en-US" sz="900" dirty="0"/>
+              <a:t>Remember</a:t>
+            </a:r>
+            <a:r>
+              <a:rPr lang="en-US" sz="900" b="1" dirty="0"/>
+              <a:t>…</a:t>
+            </a:r>
+            <a:r>
+              <a:rPr lang="en-US" sz="900" dirty="0"/>
               <a:t> </a:t>
             </a:r>
-            <a:r>
-              <a:rPr lang="es-ES" sz="2400" b="1" dirty="0" err="1"/>
-              <a:t>rest</a:t>
-            </a:r>
-            <a:endParaRPr lang="es-ES" sz="2400" b="1" dirty="0"/>
-          </a:p>
-        </p:txBody>
-      </p:sp>
+          </a:p>
+          <a:p>
+            <a:pPr algn="ctr"/>
+            <a:r>
+              <a:rPr lang="en-US" sz="900" dirty="0"/>
+              <a:t>The rule says: “No  cars allowed on the path.” </a:t>
+            </a:r>
+          </a:p>
+          <a:p>
+            <a:pPr algn="ctr"/>
+            <a:r>
+              <a:rPr lang="en-US" sz="900" dirty="0"/>
+              <a:t>Purpose</a:t>
+            </a:r>
+            <a:r>
+              <a:rPr lang="en-US" sz="900" b="1" dirty="0"/>
+              <a:t>:</a:t>
+            </a:r>
+            <a:r>
+              <a:rPr lang="en-US" sz="900" dirty="0"/>
+              <a:t> To protect the people who walk on the path.</a:t>
+            </a:r>
+          </a:p>
+          <a:p>
+            <a:pPr algn="ctr"/>
+            <a:br>
+              <a:rPr lang="es-ES" sz="900" dirty="0"/>
+            </a:br>
+            <a:r>
+              <a:rPr lang="en-US" sz="900" b="1" dirty="0"/>
+              <a:t>One day, Jane drives an ambulance on the path to rescue a girl who has fallen.</a:t>
+            </a:r>
+            <a:br>
+              <a:rPr lang="en-US" sz="900" b="1" dirty="0"/>
+            </a:br>
+            <a:endParaRPr lang="en-US" sz="200" b="1" dirty="0"/>
+          </a:p>
+          <a:p>
+            <a:pPr algn="ctr"/>
+            <a:r>
+              <a:rPr lang="en-US" sz="900" dirty="0"/>
+              <a:t>Did Juan  obey the new rule?</a:t>
+            </a:r>
+            <a:r>
+              <a:rPr lang="es-ES" sz="900" dirty="0"/>
+              <a:t>’</a:t>
+            </a:r>
+          </a:p>
+        </p:txBody>
+      </p:sp>
+      <p:sp>
+        <p:nvSpPr>
+          <p:cNvPr id="88" name="Rectangle 87">
+            <a:extLst>
+              <a:ext uri="{FF2B5EF4-FFF2-40B4-BE49-F238E27FC236}">
+                <a16:creationId xmlns:a16="http://schemas.microsoft.com/office/drawing/2014/main" id="{9C4F1600-3CA8-3418-3516-FE90DB890A6E}"/>
+              </a:ext>
+            </a:extLst>
+          </p:cNvPr>
+          <p:cNvSpPr/>
+          <p:nvPr/>
+        </p:nvSpPr>
+        <p:spPr>
+          <a:xfrm>
+            <a:off x="8532305" y="4975691"/>
+            <a:ext cx="1300480" cy="261791"/>
+          </a:xfrm>
+          <a:prstGeom prst="rect">
+            <a:avLst/>
+          </a:prstGeom>
+          <a:solidFill>
+            <a:schemeClr val="bg2"/>
+          </a:solidFill>
+          <a:ln>
+            <a:solidFill>
+              <a:schemeClr val="bg1"/>
+            </a:solidFill>
+          </a:ln>
+        </p:spPr>
+        <p:style>
+          <a:lnRef idx="2">
+            <a:schemeClr val="accent1">
+              <a:shade val="15000"/>
+            </a:schemeClr>
+          </a:lnRef>
+          <a:fillRef idx="1">
+            <a:schemeClr val="accent1"/>
+          </a:fillRef>
+          <a:effectRef idx="0">
+            <a:schemeClr val="accent1"/>
+          </a:effectRef>
+          <a:fontRef idx="minor">
+            <a:schemeClr val="lt1"/>
+          </a:fontRef>
+        </p:style>
+        <p:txBody>
+          <a:bodyPr rtlCol="0" anchor="ctr"/>
+          <a:lstStyle/>
+          <a:p>
+            <a:pPr algn="ctr"/>
+            <a:endParaRPr lang="es-ES"/>
+          </a:p>
+        </p:txBody>
+      </p:sp>
+      <p:sp>
+        <p:nvSpPr>
+          <p:cNvPr id="89" name="Rectangle 88">
+            <a:extLst>
+              <a:ext uri="{FF2B5EF4-FFF2-40B4-BE49-F238E27FC236}">
+                <a16:creationId xmlns:a16="http://schemas.microsoft.com/office/drawing/2014/main" id="{9FEAD1BC-CA71-5A72-2D1D-8BE8BD76ACCA}"/>
+              </a:ext>
+            </a:extLst>
+          </p:cNvPr>
+          <p:cNvSpPr/>
+          <p:nvPr/>
+        </p:nvSpPr>
+        <p:spPr>
+          <a:xfrm>
+            <a:off x="9954705" y="4979436"/>
+            <a:ext cx="1300480" cy="258046"/>
+          </a:xfrm>
+          <a:prstGeom prst="rect">
+            <a:avLst/>
+          </a:prstGeom>
+          <a:solidFill>
+            <a:schemeClr val="bg2"/>
+          </a:solidFill>
+          <a:ln>
+            <a:solidFill>
+              <a:schemeClr val="bg1"/>
+            </a:solidFill>
+          </a:ln>
+        </p:spPr>
+        <p:style>
+          <a:lnRef idx="2">
+            <a:schemeClr val="accent1">
+              <a:shade val="15000"/>
+            </a:schemeClr>
+          </a:lnRef>
+          <a:fillRef idx="1">
+            <a:schemeClr val="accent1"/>
+          </a:fillRef>
+          <a:effectRef idx="0">
+            <a:schemeClr val="accent1"/>
+          </a:effectRef>
+          <a:fontRef idx="minor">
+            <a:schemeClr val="lt1"/>
+          </a:fontRef>
+        </p:style>
+        <p:txBody>
+          <a:bodyPr rtlCol="0" anchor="ctr"/>
+          <a:lstStyle/>
+          <a:p>
+            <a:pPr algn="ctr"/>
+            <a:endParaRPr lang="es-ES"/>
+          </a:p>
+        </p:txBody>
+      </p:sp>
+      <p:sp>
+        <p:nvSpPr>
+          <p:cNvPr id="90" name="Oval 89">
+            <a:extLst>
+              <a:ext uri="{FF2B5EF4-FFF2-40B4-BE49-F238E27FC236}">
+                <a16:creationId xmlns:a16="http://schemas.microsoft.com/office/drawing/2014/main" id="{9C141FFB-940E-CC1F-30F5-2A0CFA06F093}"/>
+              </a:ext>
+            </a:extLst>
+          </p:cNvPr>
+          <p:cNvSpPr/>
+          <p:nvPr/>
+        </p:nvSpPr>
+        <p:spPr>
+          <a:xfrm>
+            <a:off x="9144909" y="5133552"/>
+            <a:ext cx="72205" cy="70311"/>
+          </a:xfrm>
+          <a:prstGeom prst="ellipse">
+            <a:avLst/>
+          </a:prstGeom>
+          <a:solidFill>
+            <a:schemeClr val="bg2"/>
+          </a:solidFill>
+          <a:ln w="6350"/>
+        </p:spPr>
+        <p:style>
+          <a:lnRef idx="2">
+            <a:schemeClr val="dk1"/>
+          </a:lnRef>
+          <a:fillRef idx="1">
+            <a:schemeClr val="lt1"/>
+          </a:fillRef>
+          <a:effectRef idx="0">
+            <a:schemeClr val="dk1"/>
+          </a:effectRef>
+          <a:fontRef idx="minor">
+            <a:schemeClr val="dk1"/>
+          </a:fontRef>
+        </p:style>
+        <p:txBody>
+          <a:bodyPr rtlCol="0" anchor="ctr"/>
+          <a:lstStyle/>
+          <a:p>
+            <a:pPr algn="ctr"/>
+            <a:endParaRPr lang="es-ES"/>
+          </a:p>
+        </p:txBody>
+      </p:sp>
+      <p:sp>
+        <p:nvSpPr>
+          <p:cNvPr id="91" name="TextBox 90">
+            <a:extLst>
+              <a:ext uri="{FF2B5EF4-FFF2-40B4-BE49-F238E27FC236}">
+                <a16:creationId xmlns:a16="http://schemas.microsoft.com/office/drawing/2014/main" id="{213B1EEB-196D-48A3-9BF9-7D394F3E603A}"/>
+              </a:ext>
+            </a:extLst>
+          </p:cNvPr>
+          <p:cNvSpPr txBox="1"/>
+          <p:nvPr/>
+        </p:nvSpPr>
+        <p:spPr>
+          <a:xfrm>
+            <a:off x="9005244" y="4968370"/>
+            <a:ext cx="356839" cy="184666"/>
+          </a:xfrm>
+          <a:prstGeom prst="rect">
+            <a:avLst/>
+          </a:prstGeom>
+          <a:noFill/>
+        </p:spPr>
+        <p:txBody>
+          <a:bodyPr wrap="square" rtlCol="0">
+            <a:spAutoFit/>
+          </a:bodyPr>
+          <a:lstStyle/>
+          <a:p>
+            <a:pPr algn="ctr"/>
+            <a:r>
+              <a:rPr lang="es-ES" sz="600" b="1" dirty="0"/>
+              <a:t>YES</a:t>
+            </a:r>
+          </a:p>
+        </p:txBody>
+      </p:sp>
+      <p:sp>
+        <p:nvSpPr>
+          <p:cNvPr id="92" name="Oval 91">
+            <a:extLst>
+              <a:ext uri="{FF2B5EF4-FFF2-40B4-BE49-F238E27FC236}">
+                <a16:creationId xmlns:a16="http://schemas.microsoft.com/office/drawing/2014/main" id="{6B49CE99-E943-BAA3-1083-C4FAFB48FCA3}"/>
+              </a:ext>
+            </a:extLst>
+          </p:cNvPr>
+          <p:cNvSpPr/>
+          <p:nvPr/>
+        </p:nvSpPr>
+        <p:spPr>
+          <a:xfrm>
+            <a:off x="10568842" y="5133552"/>
+            <a:ext cx="72205" cy="70311"/>
+          </a:xfrm>
+          <a:prstGeom prst="ellipse">
+            <a:avLst/>
+          </a:prstGeom>
+          <a:solidFill>
+            <a:schemeClr val="bg2"/>
+          </a:solidFill>
+          <a:ln w="6350"/>
+        </p:spPr>
+        <p:style>
+          <a:lnRef idx="2">
+            <a:schemeClr val="dk1"/>
+          </a:lnRef>
+          <a:fillRef idx="1">
+            <a:schemeClr val="lt1"/>
+          </a:fillRef>
+          <a:effectRef idx="0">
+            <a:schemeClr val="dk1"/>
+          </a:effectRef>
+          <a:fontRef idx="minor">
+            <a:schemeClr val="dk1"/>
+          </a:fontRef>
+        </p:style>
+        <p:txBody>
+          <a:bodyPr rtlCol="0" anchor="ctr"/>
+          <a:lstStyle/>
+          <a:p>
+            <a:pPr algn="ctr"/>
+            <a:endParaRPr lang="es-ES"/>
+          </a:p>
+        </p:txBody>
+      </p:sp>
+      <p:sp>
+        <p:nvSpPr>
+          <p:cNvPr id="93" name="Rectangle: Rounded Corners 51">
+            <a:extLst>
+              <a:ext uri="{FF2B5EF4-FFF2-40B4-BE49-F238E27FC236}">
+                <a16:creationId xmlns:a16="http://schemas.microsoft.com/office/drawing/2014/main" id="{C45C04B3-95A0-8EF9-4192-220E417DC290}"/>
+              </a:ext>
+            </a:extLst>
+          </p:cNvPr>
+          <p:cNvSpPr/>
+          <p:nvPr/>
+        </p:nvSpPr>
+        <p:spPr>
+          <a:xfrm>
+            <a:off x="11361400" y="5096298"/>
+            <a:ext cx="282758" cy="175673"/>
+          </a:xfrm>
+          <a:prstGeom prst="roundRect">
+            <a:avLst/>
+          </a:prstGeom>
+          <a:solidFill>
+            <a:schemeClr val="tx2">
+              <a:lumMod val="50000"/>
+              <a:lumOff val="50000"/>
+            </a:schemeClr>
+          </a:solidFill>
+        </p:spPr>
+        <p:style>
+          <a:lnRef idx="3">
+            <a:schemeClr val="lt1"/>
+          </a:lnRef>
+          <a:fillRef idx="1">
+            <a:schemeClr val="accent4"/>
+          </a:fillRef>
+          <a:effectRef idx="1">
+            <a:schemeClr val="accent4"/>
+          </a:effectRef>
+          <a:fontRef idx="minor">
+            <a:schemeClr val="lt1"/>
+          </a:fontRef>
+        </p:style>
+        <p:txBody>
+          <a:bodyPr rtlCol="0" anchor="ctr"/>
+          <a:lstStyle/>
+          <a:p>
+            <a:pPr algn="ctr"/>
+            <a:endParaRPr lang="es-ES"/>
+          </a:p>
+        </p:txBody>
+      </p:sp>
+      <p:cxnSp>
+        <p:nvCxnSpPr>
+          <p:cNvPr id="94" name="Straight Arrow Connector 93">
+            <a:extLst>
+              <a:ext uri="{FF2B5EF4-FFF2-40B4-BE49-F238E27FC236}">
+                <a16:creationId xmlns:a16="http://schemas.microsoft.com/office/drawing/2014/main" id="{01683531-0580-1E83-3022-60AE849B3AFD}"/>
+              </a:ext>
+            </a:extLst>
+          </p:cNvPr>
+          <p:cNvCxnSpPr>
+            <a:cxnSpLocks/>
+          </p:cNvCxnSpPr>
+          <p:nvPr/>
+        </p:nvCxnSpPr>
+        <p:spPr>
+          <a:xfrm>
+            <a:off x="11421139" y="5175184"/>
+            <a:ext cx="163280" cy="0"/>
+          </a:xfrm>
+          <a:prstGeom prst="straightConnector1">
+            <a:avLst/>
+          </a:prstGeom>
+          <a:ln>
+            <a:solidFill>
+              <a:schemeClr val="bg1"/>
+            </a:solidFill>
+            <a:tailEnd type="triangle"/>
+          </a:ln>
+        </p:spPr>
+        <p:style>
+          <a:lnRef idx="2">
+            <a:schemeClr val="accent1"/>
+          </a:lnRef>
+          <a:fillRef idx="0">
+            <a:schemeClr val="accent1"/>
+          </a:fillRef>
+          <a:effectRef idx="1">
+            <a:schemeClr val="accent1"/>
+          </a:effectRef>
+          <a:fontRef idx="minor">
+            <a:schemeClr val="tx1"/>
+          </a:fontRef>
+        </p:style>
+      </p:cxnSp>
+      <p:sp>
+        <p:nvSpPr>
+          <p:cNvPr id="95" name="TextBox 94">
+            <a:extLst>
+              <a:ext uri="{FF2B5EF4-FFF2-40B4-BE49-F238E27FC236}">
+                <a16:creationId xmlns:a16="http://schemas.microsoft.com/office/drawing/2014/main" id="{12ED7C21-F51B-5BC3-E9E0-19976EFA9AAE}"/>
+              </a:ext>
+            </a:extLst>
+          </p:cNvPr>
+          <p:cNvSpPr txBox="1"/>
+          <p:nvPr/>
+        </p:nvSpPr>
+        <p:spPr>
+          <a:xfrm>
+            <a:off x="10426524" y="4969345"/>
+            <a:ext cx="356839" cy="184666"/>
+          </a:xfrm>
+          <a:prstGeom prst="rect">
+            <a:avLst/>
+          </a:prstGeom>
+          <a:noFill/>
+        </p:spPr>
+        <p:txBody>
+          <a:bodyPr wrap="square" rtlCol="0">
+            <a:spAutoFit/>
+          </a:bodyPr>
+          <a:lstStyle/>
+          <a:p>
+            <a:pPr algn="ctr"/>
+            <a:r>
+              <a:rPr lang="es-ES" sz="600" b="1" dirty="0"/>
+              <a:t>NO</a:t>
+            </a:r>
+          </a:p>
+        </p:txBody>
+      </p:sp>
+      <p:sp>
+        <p:nvSpPr>
+          <p:cNvPr id="97" name="TextBox 96">
+            <a:extLst>
+              <a:ext uri="{FF2B5EF4-FFF2-40B4-BE49-F238E27FC236}">
+                <a16:creationId xmlns:a16="http://schemas.microsoft.com/office/drawing/2014/main" id="{A8E5CB50-D305-A7F9-BB85-097C02F0F06C}"/>
+              </a:ext>
+            </a:extLst>
+          </p:cNvPr>
+          <p:cNvSpPr txBox="1"/>
+          <p:nvPr/>
+        </p:nvSpPr>
+        <p:spPr>
+          <a:xfrm>
+            <a:off x="507788" y="1845904"/>
+            <a:ext cx="2515111" cy="369332"/>
+          </a:xfrm>
+          <a:prstGeom prst="rect">
+            <a:avLst/>
+          </a:prstGeom>
+          <a:noFill/>
+        </p:spPr>
+        <p:txBody>
+          <a:bodyPr wrap="square">
+            <a:spAutoFit/>
+          </a:bodyPr>
+          <a:lstStyle/>
+          <a:p>
+            <a:r>
+              <a:rPr lang="en-US" sz="1800" b="1" noProof="0" dirty="0">
+                <a:solidFill>
+                  <a:schemeClr val="tx1"/>
+                </a:solidFill>
+                <a:latin typeface="Helvetica Neue" panose="02000503000000020004" pitchFamily="2" charset="0"/>
+                <a:ea typeface="Helvetica Neue" panose="02000503000000020004" pitchFamily="2" charset="0"/>
+                <a:cs typeface="Helvetica Neue" panose="02000503000000020004" pitchFamily="2" charset="0"/>
+              </a:rPr>
+              <a:t>1. Rule presentation</a:t>
+            </a:r>
+            <a:endParaRPr lang="en-ES" dirty="0"/>
+          </a:p>
+        </p:txBody>
+      </p:sp>
+      <p:sp>
+        <p:nvSpPr>
+          <p:cNvPr id="98" name="TextBox 97">
+            <a:extLst>
+              <a:ext uri="{FF2B5EF4-FFF2-40B4-BE49-F238E27FC236}">
+                <a16:creationId xmlns:a16="http://schemas.microsoft.com/office/drawing/2014/main" id="{4E857493-F447-A93A-6604-44F5AA3A46FF}"/>
+              </a:ext>
+            </a:extLst>
+          </p:cNvPr>
+          <p:cNvSpPr txBox="1"/>
+          <p:nvPr/>
+        </p:nvSpPr>
+        <p:spPr>
+          <a:xfrm>
+            <a:off x="4364470" y="1018215"/>
+            <a:ext cx="2515111" cy="369332"/>
+          </a:xfrm>
+          <a:prstGeom prst="rect">
+            <a:avLst/>
+          </a:prstGeom>
+          <a:noFill/>
+        </p:spPr>
+        <p:txBody>
+          <a:bodyPr wrap="square">
+            <a:spAutoFit/>
+          </a:bodyPr>
+          <a:lstStyle/>
+          <a:p>
+            <a:r>
+              <a:rPr lang="en-US" b="1" dirty="0">
+                <a:latin typeface="Helvetica Neue" panose="02000503000000020004" pitchFamily="2" charset="0"/>
+                <a:ea typeface="Helvetica Neue" panose="02000503000000020004" pitchFamily="2" charset="0"/>
+                <a:cs typeface="Helvetica Neue" panose="02000503000000020004" pitchFamily="2" charset="0"/>
+              </a:rPr>
+              <a:t>2</a:t>
+            </a:r>
+            <a:r>
+              <a:rPr lang="en-US" sz="1800" b="1" noProof="0" dirty="0">
+                <a:solidFill>
+                  <a:schemeClr val="tx1"/>
+                </a:solidFill>
+                <a:latin typeface="Helvetica Neue" panose="02000503000000020004" pitchFamily="2" charset="0"/>
+                <a:ea typeface="Helvetica Neue" panose="02000503000000020004" pitchFamily="2" charset="0"/>
+                <a:cs typeface="Helvetica Neue" panose="02000503000000020004" pitchFamily="2" charset="0"/>
+              </a:rPr>
+              <a:t>. Control cases</a:t>
+            </a:r>
+            <a:endParaRPr lang="en-ES" dirty="0"/>
+          </a:p>
+        </p:txBody>
+      </p:sp>
+      <p:sp>
+        <p:nvSpPr>
+          <p:cNvPr id="99" name="TextBox 98">
+            <a:extLst>
+              <a:ext uri="{FF2B5EF4-FFF2-40B4-BE49-F238E27FC236}">
+                <a16:creationId xmlns:a16="http://schemas.microsoft.com/office/drawing/2014/main" id="{B2886988-9F21-16C1-40C1-73CB3CCC20FF}"/>
+              </a:ext>
+            </a:extLst>
+          </p:cNvPr>
+          <p:cNvSpPr txBox="1"/>
+          <p:nvPr/>
+        </p:nvSpPr>
+        <p:spPr>
+          <a:xfrm>
+            <a:off x="4427864" y="3387291"/>
+            <a:ext cx="2515111" cy="369332"/>
+          </a:xfrm>
+          <a:prstGeom prst="rect">
+            <a:avLst/>
+          </a:prstGeom>
+          <a:noFill/>
+        </p:spPr>
+        <p:txBody>
+          <a:bodyPr wrap="square">
+            <a:spAutoFit/>
+          </a:bodyPr>
+          <a:lstStyle/>
+          <a:p>
+            <a:r>
+              <a:rPr lang="en-US" sz="1800" b="1" noProof="0" dirty="0">
+                <a:solidFill>
+                  <a:schemeClr val="tx1"/>
+                </a:solidFill>
+                <a:latin typeface="Helvetica Neue" panose="02000503000000020004" pitchFamily="2" charset="0"/>
+                <a:ea typeface="Helvetica Neue" panose="02000503000000020004" pitchFamily="2" charset="0"/>
+                <a:cs typeface="Helvetica Neue" panose="02000503000000020004" pitchFamily="2" charset="0"/>
+              </a:rPr>
+              <a:t>3. Conflict cases</a:t>
+            </a:r>
+            <a:endParaRPr lang="en-ES" dirty="0"/>
+          </a:p>
+        </p:txBody>
+      </p:sp>
+    </p:spTree>
+    <p:extLst>
+      <p:ext uri="{BB962C8B-B14F-4D97-AF65-F5344CB8AC3E}">
+        <p14:creationId xmlns:p14="http://schemas.microsoft.com/office/powerpoint/2010/main" val="178417488"/>
+      </p:ext>
+    </p:extLst>
+  </p:cSld>
+  <p:clrMapOvr>
+    <a:masterClrMapping/>
+  </p:clrMapOvr>
+</p:sld>
+</file>
+
+<file path=ppt/slides/slide4.xml><?xml version="1.0" encoding="utf-8"?>
+<p:sld xmlns:a="http://schemas.openxmlformats.org/drawingml/2006/main" xmlns:r="http://schemas.openxmlformats.org/officeDocument/2006/relationships" xmlns:p="http://schemas.openxmlformats.org/presentationml/2006/main">
+  <p:cSld>
+    <p:spTree>
+      <p:nvGrpSpPr>
+        <p:cNvPr id="1" name="">
+          <a:extLst>
+            <a:ext uri="{FF2B5EF4-FFF2-40B4-BE49-F238E27FC236}">
+              <a16:creationId xmlns:a16="http://schemas.microsoft.com/office/drawing/2014/main" id="{09C69688-AA8A-4B95-1B7C-22869C94F96D}"/>
+            </a:ext>
+          </a:extLst>
+        </p:cNvPr>
+        <p:cNvGrpSpPr/>
+        <p:nvPr/>
+      </p:nvGrpSpPr>
+      <p:grpSpPr>
+        <a:xfrm>
+          <a:off x="0" y="0"/>
+          <a:ext cx="0" cy="0"/>
+          <a:chOff x="0" y="0"/>
+          <a:chExt cx="0" cy="0"/>
+        </a:xfrm>
+      </p:grpSpPr>
+      <p:sp>
+        <p:nvSpPr>
+          <p:cNvPr id="6" name="Rectangle 5">
+            <a:extLst>
+              <a:ext uri="{FF2B5EF4-FFF2-40B4-BE49-F238E27FC236}">
+                <a16:creationId xmlns:a16="http://schemas.microsoft.com/office/drawing/2014/main" id="{47D07A81-7E6A-84CD-8CA3-B60DBA749247}"/>
+              </a:ext>
+            </a:extLst>
+          </p:cNvPr>
+          <p:cNvSpPr/>
+          <p:nvPr/>
+        </p:nvSpPr>
+        <p:spPr>
+          <a:xfrm>
+            <a:off x="8567473" y="3077279"/>
+            <a:ext cx="3484495" cy="1542094"/>
+          </a:xfrm>
+          <a:prstGeom prst="rect">
+            <a:avLst/>
+          </a:prstGeom>
+          <a:solidFill>
+            <a:srgbClr val="918CC2">
+              <a:alpha val="20000"/>
+            </a:srgbClr>
+          </a:solidFill>
+          <a:ln>
+            <a:noFill/>
+          </a:ln>
+        </p:spPr>
+        <p:style>
+          <a:lnRef idx="2">
+            <a:schemeClr val="accent1">
+              <a:shade val="15000"/>
+            </a:schemeClr>
+          </a:lnRef>
+          <a:fillRef idx="1">
+            <a:schemeClr val="accent1"/>
+          </a:fillRef>
+          <a:effectRef idx="0">
+            <a:schemeClr val="accent1"/>
+          </a:effectRef>
+          <a:fontRef idx="minor">
+            <a:schemeClr val="lt1"/>
+          </a:fontRef>
+        </p:style>
+        <p:txBody>
+          <a:bodyPr rtlCol="0" anchor="ctr"/>
+          <a:lstStyle/>
+          <a:p>
+            <a:pPr algn="ctr"/>
+            <a:endParaRPr lang="en-ES"/>
+          </a:p>
+        </p:txBody>
+      </p:sp>
+      <p:sp>
+        <p:nvSpPr>
+          <p:cNvPr id="86" name="Rectangle 85">
+            <a:extLst>
+              <a:ext uri="{FF2B5EF4-FFF2-40B4-BE49-F238E27FC236}">
+                <a16:creationId xmlns:a16="http://schemas.microsoft.com/office/drawing/2014/main" id="{B10052CC-7DAB-AE4A-DC9C-914EA560DFC1}"/>
+              </a:ext>
+            </a:extLst>
+          </p:cNvPr>
+          <p:cNvSpPr/>
+          <p:nvPr/>
+        </p:nvSpPr>
+        <p:spPr>
+          <a:xfrm>
+            <a:off x="8567474" y="3077279"/>
+            <a:ext cx="3484495" cy="1542094"/>
+          </a:xfrm>
+          <a:prstGeom prst="rect">
+            <a:avLst/>
+          </a:prstGeom>
+          <a:noFill/>
+          <a:ln w="38100">
+            <a:solidFill>
+              <a:srgbClr val="918CC2"/>
+            </a:solidFill>
+          </a:ln>
+        </p:spPr>
+        <p:style>
+          <a:lnRef idx="2">
+            <a:schemeClr val="accent1">
+              <a:shade val="15000"/>
+            </a:schemeClr>
+          </a:lnRef>
+          <a:fillRef idx="1">
+            <a:schemeClr val="accent1"/>
+          </a:fillRef>
+          <a:effectRef idx="0">
+            <a:schemeClr val="accent1"/>
+          </a:effectRef>
+          <a:fontRef idx="minor">
+            <a:schemeClr val="lt1"/>
+          </a:fontRef>
+        </p:style>
+        <p:txBody>
+          <a:bodyPr rtlCol="0" anchor="ctr"/>
+          <a:lstStyle/>
+          <a:p>
+            <a:pPr algn="ctr"/>
+            <a:endParaRPr lang="es-ES"/>
+          </a:p>
+        </p:txBody>
+      </p:sp>
+      <p:sp>
+        <p:nvSpPr>
+          <p:cNvPr id="87" name="TextBox 86">
+            <a:extLst>
+              <a:ext uri="{FF2B5EF4-FFF2-40B4-BE49-F238E27FC236}">
+                <a16:creationId xmlns:a16="http://schemas.microsoft.com/office/drawing/2014/main" id="{55E1009A-7DCF-C8D3-27C4-CFD5C7E4A1C1}"/>
+              </a:ext>
+            </a:extLst>
+          </p:cNvPr>
+          <p:cNvSpPr txBox="1"/>
+          <p:nvPr/>
+        </p:nvSpPr>
+        <p:spPr>
+          <a:xfrm>
+            <a:off x="8567474" y="3179288"/>
+            <a:ext cx="3484495" cy="1092607"/>
+          </a:xfrm>
+          <a:prstGeom prst="rect">
+            <a:avLst/>
+          </a:prstGeom>
+          <a:noFill/>
+        </p:spPr>
+        <p:txBody>
+          <a:bodyPr wrap="square" rtlCol="0">
+            <a:spAutoFit/>
+          </a:bodyPr>
+          <a:lstStyle/>
+          <a:p>
+            <a:pPr algn="ctr"/>
+            <a:r>
+              <a:rPr lang="en-US" sz="900" dirty="0"/>
+              <a:t>Remember</a:t>
+            </a:r>
+            <a:r>
+              <a:rPr lang="en-US" sz="900" b="1" dirty="0"/>
+              <a:t>…</a:t>
+            </a:r>
+            <a:r>
+              <a:rPr lang="en-US" sz="900" dirty="0"/>
+              <a:t> </a:t>
+            </a:r>
+          </a:p>
+          <a:p>
+            <a:pPr algn="ctr"/>
+            <a:r>
+              <a:rPr lang="en-US" sz="900" dirty="0"/>
+              <a:t>The rule says: “No  cars allowed on the path.” </a:t>
+            </a:r>
+          </a:p>
+          <a:p>
+            <a:pPr algn="ctr"/>
+            <a:r>
+              <a:rPr lang="en-US" sz="900" dirty="0"/>
+              <a:t>Purpose</a:t>
+            </a:r>
+            <a:r>
+              <a:rPr lang="en-US" sz="900" b="1" dirty="0"/>
+              <a:t>:</a:t>
+            </a:r>
+            <a:r>
+              <a:rPr lang="en-US" sz="900" dirty="0"/>
+              <a:t> To protect the people who walk on the path.</a:t>
+            </a:r>
+          </a:p>
+          <a:p>
+            <a:pPr algn="ctr"/>
+            <a:br>
+              <a:rPr lang="es-ES" sz="900" dirty="0"/>
+            </a:br>
+            <a:r>
+              <a:rPr lang="en-US" sz="900" b="1" dirty="0"/>
+              <a:t>One day, Jane drives an ambulance on the path to rescue a girl who has fallen.</a:t>
+            </a:r>
+            <a:br>
+              <a:rPr lang="en-US" sz="900" b="1" dirty="0"/>
+            </a:br>
+            <a:endParaRPr lang="en-US" sz="200" b="1" dirty="0"/>
+          </a:p>
+          <a:p>
+            <a:pPr algn="ctr"/>
+            <a:r>
+              <a:rPr lang="en-US" sz="900" dirty="0"/>
+              <a:t>Did Juan  obey the new rule?</a:t>
+            </a:r>
+            <a:r>
+              <a:rPr lang="es-ES" sz="900" dirty="0"/>
+              <a:t>’</a:t>
+            </a:r>
+          </a:p>
+        </p:txBody>
+      </p:sp>
+      <p:sp>
+        <p:nvSpPr>
+          <p:cNvPr id="88" name="Rectangle 87">
+            <a:extLst>
+              <a:ext uri="{FF2B5EF4-FFF2-40B4-BE49-F238E27FC236}">
+                <a16:creationId xmlns:a16="http://schemas.microsoft.com/office/drawing/2014/main" id="{3C8ED39A-046C-9A63-BCB2-4E0A5E5E0BE1}"/>
+              </a:ext>
+            </a:extLst>
+          </p:cNvPr>
+          <p:cNvSpPr/>
+          <p:nvPr/>
+        </p:nvSpPr>
+        <p:spPr>
+          <a:xfrm>
+            <a:off x="8910449" y="4287423"/>
+            <a:ext cx="1300480" cy="261791"/>
+          </a:xfrm>
+          <a:prstGeom prst="rect">
+            <a:avLst/>
+          </a:prstGeom>
+          <a:solidFill>
+            <a:schemeClr val="bg2"/>
+          </a:solidFill>
+          <a:ln>
+            <a:solidFill>
+              <a:schemeClr val="bg1"/>
+            </a:solidFill>
+          </a:ln>
+        </p:spPr>
+        <p:style>
+          <a:lnRef idx="2">
+            <a:schemeClr val="accent1">
+              <a:shade val="15000"/>
+            </a:schemeClr>
+          </a:lnRef>
+          <a:fillRef idx="1">
+            <a:schemeClr val="accent1"/>
+          </a:fillRef>
+          <a:effectRef idx="0">
+            <a:schemeClr val="accent1"/>
+          </a:effectRef>
+          <a:fontRef idx="minor">
+            <a:schemeClr val="lt1"/>
+          </a:fontRef>
+        </p:style>
+        <p:txBody>
+          <a:bodyPr rtlCol="0" anchor="ctr"/>
+          <a:lstStyle/>
+          <a:p>
+            <a:pPr algn="ctr"/>
+            <a:endParaRPr lang="es-ES"/>
+          </a:p>
+        </p:txBody>
+      </p:sp>
+      <p:sp>
+        <p:nvSpPr>
+          <p:cNvPr id="89" name="Rectangle 88">
+            <a:extLst>
+              <a:ext uri="{FF2B5EF4-FFF2-40B4-BE49-F238E27FC236}">
+                <a16:creationId xmlns:a16="http://schemas.microsoft.com/office/drawing/2014/main" id="{B4A4B9A0-5744-9E6F-27E5-7BC6B2A4C03B}"/>
+              </a:ext>
+            </a:extLst>
+          </p:cNvPr>
+          <p:cNvSpPr/>
+          <p:nvPr/>
+        </p:nvSpPr>
+        <p:spPr>
+          <a:xfrm>
+            <a:off x="10332849" y="4291168"/>
+            <a:ext cx="1300480" cy="258046"/>
+          </a:xfrm>
+          <a:prstGeom prst="rect">
+            <a:avLst/>
+          </a:prstGeom>
+          <a:solidFill>
+            <a:schemeClr val="bg2"/>
+          </a:solidFill>
+          <a:ln>
+            <a:solidFill>
+              <a:schemeClr val="bg1"/>
+            </a:solidFill>
+          </a:ln>
+        </p:spPr>
+        <p:style>
+          <a:lnRef idx="2">
+            <a:schemeClr val="accent1">
+              <a:shade val="15000"/>
+            </a:schemeClr>
+          </a:lnRef>
+          <a:fillRef idx="1">
+            <a:schemeClr val="accent1"/>
+          </a:fillRef>
+          <a:effectRef idx="0">
+            <a:schemeClr val="accent1"/>
+          </a:effectRef>
+          <a:fontRef idx="minor">
+            <a:schemeClr val="lt1"/>
+          </a:fontRef>
+        </p:style>
+        <p:txBody>
+          <a:bodyPr rtlCol="0" anchor="ctr"/>
+          <a:lstStyle/>
+          <a:p>
+            <a:pPr algn="ctr"/>
+            <a:endParaRPr lang="es-ES"/>
+          </a:p>
+        </p:txBody>
+      </p:sp>
+      <p:sp>
+        <p:nvSpPr>
+          <p:cNvPr id="90" name="Oval 89">
+            <a:extLst>
+              <a:ext uri="{FF2B5EF4-FFF2-40B4-BE49-F238E27FC236}">
+                <a16:creationId xmlns:a16="http://schemas.microsoft.com/office/drawing/2014/main" id="{E9A73DCC-ACB2-AAFB-1828-801EF5B52E65}"/>
+              </a:ext>
+            </a:extLst>
+          </p:cNvPr>
+          <p:cNvSpPr/>
+          <p:nvPr/>
+        </p:nvSpPr>
+        <p:spPr>
+          <a:xfrm>
+            <a:off x="9523053" y="4445284"/>
+            <a:ext cx="72205" cy="70311"/>
+          </a:xfrm>
+          <a:prstGeom prst="ellipse">
+            <a:avLst/>
+          </a:prstGeom>
+          <a:solidFill>
+            <a:schemeClr val="bg2"/>
+          </a:solidFill>
+          <a:ln w="6350"/>
+        </p:spPr>
+        <p:style>
+          <a:lnRef idx="2">
+            <a:schemeClr val="dk1"/>
+          </a:lnRef>
+          <a:fillRef idx="1">
+            <a:schemeClr val="lt1"/>
+          </a:fillRef>
+          <a:effectRef idx="0">
+            <a:schemeClr val="dk1"/>
+          </a:effectRef>
+          <a:fontRef idx="minor">
+            <a:schemeClr val="dk1"/>
+          </a:fontRef>
+        </p:style>
+        <p:txBody>
+          <a:bodyPr rtlCol="0" anchor="ctr"/>
+          <a:lstStyle/>
+          <a:p>
+            <a:pPr algn="ctr"/>
+            <a:endParaRPr lang="es-ES"/>
+          </a:p>
+        </p:txBody>
+      </p:sp>
+      <p:sp>
+        <p:nvSpPr>
+          <p:cNvPr id="91" name="TextBox 90">
+            <a:extLst>
+              <a:ext uri="{FF2B5EF4-FFF2-40B4-BE49-F238E27FC236}">
+                <a16:creationId xmlns:a16="http://schemas.microsoft.com/office/drawing/2014/main" id="{17ADD195-E924-0CA2-8546-A90EE10AB7C7}"/>
+              </a:ext>
+            </a:extLst>
+          </p:cNvPr>
+          <p:cNvSpPr txBox="1"/>
+          <p:nvPr/>
+        </p:nvSpPr>
+        <p:spPr>
+          <a:xfrm>
+            <a:off x="9383388" y="4280102"/>
+            <a:ext cx="356839" cy="184666"/>
+          </a:xfrm>
+          <a:prstGeom prst="rect">
+            <a:avLst/>
+          </a:prstGeom>
+          <a:noFill/>
+        </p:spPr>
+        <p:txBody>
+          <a:bodyPr wrap="square" rtlCol="0">
+            <a:spAutoFit/>
+          </a:bodyPr>
+          <a:lstStyle/>
+          <a:p>
+            <a:pPr algn="ctr"/>
+            <a:r>
+              <a:rPr lang="es-ES" sz="600" b="1" dirty="0"/>
+              <a:t>YES</a:t>
+            </a:r>
+          </a:p>
+        </p:txBody>
+      </p:sp>
+      <p:sp>
+        <p:nvSpPr>
+          <p:cNvPr id="92" name="Oval 91">
+            <a:extLst>
+              <a:ext uri="{FF2B5EF4-FFF2-40B4-BE49-F238E27FC236}">
+                <a16:creationId xmlns:a16="http://schemas.microsoft.com/office/drawing/2014/main" id="{EE42C418-FBEA-94E7-540E-A33B175B0BB8}"/>
+              </a:ext>
+            </a:extLst>
+          </p:cNvPr>
+          <p:cNvSpPr/>
+          <p:nvPr/>
+        </p:nvSpPr>
+        <p:spPr>
+          <a:xfrm>
+            <a:off x="10946986" y="4445284"/>
+            <a:ext cx="72205" cy="70311"/>
+          </a:xfrm>
+          <a:prstGeom prst="ellipse">
+            <a:avLst/>
+          </a:prstGeom>
+          <a:solidFill>
+            <a:schemeClr val="bg2"/>
+          </a:solidFill>
+          <a:ln w="6350"/>
+        </p:spPr>
+        <p:style>
+          <a:lnRef idx="2">
+            <a:schemeClr val="dk1"/>
+          </a:lnRef>
+          <a:fillRef idx="1">
+            <a:schemeClr val="lt1"/>
+          </a:fillRef>
+          <a:effectRef idx="0">
+            <a:schemeClr val="dk1"/>
+          </a:effectRef>
+          <a:fontRef idx="minor">
+            <a:schemeClr val="dk1"/>
+          </a:fontRef>
+        </p:style>
+        <p:txBody>
+          <a:bodyPr rtlCol="0" anchor="ctr"/>
+          <a:lstStyle/>
+          <a:p>
+            <a:pPr algn="ctr"/>
+            <a:endParaRPr lang="es-ES"/>
+          </a:p>
+        </p:txBody>
+      </p:sp>
+      <p:sp>
+        <p:nvSpPr>
+          <p:cNvPr id="93" name="Rectangle: Rounded Corners 51">
+            <a:extLst>
+              <a:ext uri="{FF2B5EF4-FFF2-40B4-BE49-F238E27FC236}">
+                <a16:creationId xmlns:a16="http://schemas.microsoft.com/office/drawing/2014/main" id="{AC0C10F2-5EE1-01EF-E98E-3028B386E83D}"/>
+              </a:ext>
+            </a:extLst>
+          </p:cNvPr>
+          <p:cNvSpPr/>
+          <p:nvPr/>
+        </p:nvSpPr>
+        <p:spPr>
+          <a:xfrm>
+            <a:off x="11739544" y="4408030"/>
+            <a:ext cx="282758" cy="175673"/>
+          </a:xfrm>
+          <a:prstGeom prst="roundRect">
+            <a:avLst/>
+          </a:prstGeom>
+          <a:solidFill>
+            <a:schemeClr val="bg1">
+              <a:lumMod val="75000"/>
+            </a:schemeClr>
+          </a:solidFill>
+          <a:ln>
+            <a:noFill/>
+          </a:ln>
+        </p:spPr>
+        <p:style>
+          <a:lnRef idx="3">
+            <a:schemeClr val="lt1"/>
+          </a:lnRef>
+          <a:fillRef idx="1">
+            <a:schemeClr val="accent4"/>
+          </a:fillRef>
+          <a:effectRef idx="1">
+            <a:schemeClr val="accent4"/>
+          </a:effectRef>
+          <a:fontRef idx="minor">
+            <a:schemeClr val="lt1"/>
+          </a:fontRef>
+        </p:style>
+        <p:txBody>
+          <a:bodyPr rtlCol="0" anchor="ctr"/>
+          <a:lstStyle/>
+          <a:p>
+            <a:pPr algn="ctr"/>
+            <a:endParaRPr lang="es-ES"/>
+          </a:p>
+        </p:txBody>
+      </p:sp>
+      <p:cxnSp>
+        <p:nvCxnSpPr>
+          <p:cNvPr id="94" name="Straight Arrow Connector 93">
+            <a:extLst>
+              <a:ext uri="{FF2B5EF4-FFF2-40B4-BE49-F238E27FC236}">
+                <a16:creationId xmlns:a16="http://schemas.microsoft.com/office/drawing/2014/main" id="{4B8590D0-C9BD-D360-16F2-1B4F9D6D873E}"/>
+              </a:ext>
+            </a:extLst>
+          </p:cNvPr>
+          <p:cNvCxnSpPr>
+            <a:cxnSpLocks/>
+          </p:cNvCxnSpPr>
+          <p:nvPr/>
+        </p:nvCxnSpPr>
+        <p:spPr>
+          <a:xfrm>
+            <a:off x="11799283" y="4486916"/>
+            <a:ext cx="163280" cy="0"/>
+          </a:xfrm>
+          <a:prstGeom prst="straightConnector1">
+            <a:avLst/>
+          </a:prstGeom>
+          <a:ln>
+            <a:solidFill>
+              <a:schemeClr val="bg1"/>
+            </a:solidFill>
+            <a:tailEnd type="triangle"/>
+          </a:ln>
+        </p:spPr>
+        <p:style>
+          <a:lnRef idx="2">
+            <a:schemeClr val="accent1"/>
+          </a:lnRef>
+          <a:fillRef idx="0">
+            <a:schemeClr val="accent1"/>
+          </a:fillRef>
+          <a:effectRef idx="1">
+            <a:schemeClr val="accent1"/>
+          </a:effectRef>
+          <a:fontRef idx="minor">
+            <a:schemeClr val="tx1"/>
+          </a:fontRef>
+        </p:style>
+      </p:cxnSp>
+      <p:sp>
+        <p:nvSpPr>
+          <p:cNvPr id="95" name="TextBox 94">
+            <a:extLst>
+              <a:ext uri="{FF2B5EF4-FFF2-40B4-BE49-F238E27FC236}">
+                <a16:creationId xmlns:a16="http://schemas.microsoft.com/office/drawing/2014/main" id="{968CB2B0-BEB5-63A7-3935-B0DE9280E40B}"/>
+              </a:ext>
+            </a:extLst>
+          </p:cNvPr>
+          <p:cNvSpPr txBox="1"/>
+          <p:nvPr/>
+        </p:nvSpPr>
+        <p:spPr>
+          <a:xfrm>
+            <a:off x="10804668" y="4281077"/>
+            <a:ext cx="356839" cy="184666"/>
+          </a:xfrm>
+          <a:prstGeom prst="rect">
+            <a:avLst/>
+          </a:prstGeom>
+          <a:noFill/>
+        </p:spPr>
+        <p:txBody>
+          <a:bodyPr wrap="square" rtlCol="0">
+            <a:spAutoFit/>
+          </a:bodyPr>
+          <a:lstStyle/>
+          <a:p>
+            <a:pPr algn="ctr"/>
+            <a:r>
+              <a:rPr lang="es-ES" sz="600" b="1" dirty="0"/>
+              <a:t>NO</a:t>
+            </a:r>
+          </a:p>
+        </p:txBody>
+      </p:sp>
+      <p:sp>
+        <p:nvSpPr>
+          <p:cNvPr id="66" name="Rectangle 65">
+            <a:extLst>
+              <a:ext uri="{FF2B5EF4-FFF2-40B4-BE49-F238E27FC236}">
+                <a16:creationId xmlns:a16="http://schemas.microsoft.com/office/drawing/2014/main" id="{7389B62D-0258-674E-2037-B30041D7921C}"/>
+              </a:ext>
+            </a:extLst>
+          </p:cNvPr>
+          <p:cNvSpPr/>
+          <p:nvPr/>
+        </p:nvSpPr>
+        <p:spPr>
+          <a:xfrm>
+            <a:off x="4463033" y="3077279"/>
+            <a:ext cx="3484495" cy="1542094"/>
+          </a:xfrm>
+          <a:prstGeom prst="rect">
+            <a:avLst/>
+          </a:prstGeom>
+          <a:solidFill>
+            <a:schemeClr val="bg1"/>
+          </a:solidFill>
+          <a:ln w="38100">
+            <a:solidFill>
+              <a:srgbClr val="D3E1DD"/>
+            </a:solidFill>
+          </a:ln>
+        </p:spPr>
+        <p:style>
+          <a:lnRef idx="2">
+            <a:schemeClr val="accent1">
+              <a:shade val="15000"/>
+            </a:schemeClr>
+          </a:lnRef>
+          <a:fillRef idx="1">
+            <a:schemeClr val="accent1"/>
+          </a:fillRef>
+          <a:effectRef idx="0">
+            <a:schemeClr val="accent1"/>
+          </a:effectRef>
+          <a:fontRef idx="minor">
+            <a:schemeClr val="lt1"/>
+          </a:fontRef>
+        </p:style>
+        <p:txBody>
+          <a:bodyPr rtlCol="0" anchor="ctr"/>
+          <a:lstStyle/>
+          <a:p>
+            <a:pPr algn="ctr"/>
+            <a:endParaRPr lang="es-ES"/>
+          </a:p>
+        </p:txBody>
+      </p:sp>
+      <p:sp>
+        <p:nvSpPr>
+          <p:cNvPr id="67" name="TextBox 66">
+            <a:extLst>
+              <a:ext uri="{FF2B5EF4-FFF2-40B4-BE49-F238E27FC236}">
+                <a16:creationId xmlns:a16="http://schemas.microsoft.com/office/drawing/2014/main" id="{1ED03F49-B590-5B05-F7A6-271A97EBC6FE}"/>
+              </a:ext>
+            </a:extLst>
+          </p:cNvPr>
+          <p:cNvSpPr txBox="1"/>
+          <p:nvPr/>
+        </p:nvSpPr>
+        <p:spPr>
+          <a:xfrm>
+            <a:off x="4463033" y="3179288"/>
+            <a:ext cx="3484495" cy="1061829"/>
+          </a:xfrm>
+          <a:prstGeom prst="rect">
+            <a:avLst/>
+          </a:prstGeom>
+          <a:noFill/>
+        </p:spPr>
+        <p:txBody>
+          <a:bodyPr wrap="square" rtlCol="0">
+            <a:spAutoFit/>
+          </a:bodyPr>
+          <a:lstStyle/>
+          <a:p>
+            <a:pPr algn="ctr"/>
+            <a:r>
+              <a:rPr lang="en-US" sz="900" dirty="0"/>
+              <a:t>Remember</a:t>
+            </a:r>
+            <a:r>
+              <a:rPr lang="en-US" sz="900" b="1" dirty="0"/>
+              <a:t>…</a:t>
+            </a:r>
+            <a:r>
+              <a:rPr lang="en-US" sz="900" dirty="0"/>
+              <a:t> </a:t>
+            </a:r>
+          </a:p>
+          <a:p>
+            <a:pPr algn="ctr"/>
+            <a:r>
+              <a:rPr lang="en-US" sz="900" dirty="0"/>
+              <a:t>The rule says: “No  cars allowed on the path.” </a:t>
+            </a:r>
+          </a:p>
+          <a:p>
+            <a:pPr algn="ctr"/>
+            <a:r>
+              <a:rPr lang="en-US" sz="900" dirty="0"/>
+              <a:t>Purpose</a:t>
+            </a:r>
+            <a:r>
+              <a:rPr lang="en-US" sz="900" b="1" dirty="0"/>
+              <a:t>:</a:t>
+            </a:r>
+            <a:r>
+              <a:rPr lang="en-US" sz="900" dirty="0"/>
+              <a:t> To protect the people who walk on the path.</a:t>
+            </a:r>
+          </a:p>
+          <a:p>
+            <a:pPr algn="ctr"/>
+            <a:br>
+              <a:rPr lang="es-ES" sz="900" dirty="0"/>
+            </a:br>
+            <a:r>
+              <a:rPr lang="en-US" sz="900" b="1" dirty="0"/>
+              <a:t>One day, Anne goes for a walk on the path.</a:t>
+            </a:r>
+            <a:br>
+              <a:rPr lang="en-US" sz="900" b="1" dirty="0"/>
+            </a:br>
+            <a:endParaRPr lang="en-US" sz="900" b="1" dirty="0"/>
+          </a:p>
+          <a:p>
+            <a:pPr algn="ctr"/>
+            <a:r>
+              <a:rPr lang="en-US" sz="900" dirty="0"/>
+              <a:t>Did Anne obey the new rule?</a:t>
+            </a:r>
+            <a:r>
+              <a:rPr lang="es-ES" sz="900" dirty="0"/>
+              <a:t>’</a:t>
+            </a:r>
+          </a:p>
+        </p:txBody>
+      </p:sp>
+      <p:sp>
+        <p:nvSpPr>
+          <p:cNvPr id="4" name="Rectangle 3">
+            <a:extLst>
+              <a:ext uri="{FF2B5EF4-FFF2-40B4-BE49-F238E27FC236}">
+                <a16:creationId xmlns:a16="http://schemas.microsoft.com/office/drawing/2014/main" id="{111B0F37-C57B-F712-3535-7BD58E65E736}"/>
+              </a:ext>
+            </a:extLst>
+          </p:cNvPr>
+          <p:cNvSpPr/>
+          <p:nvPr/>
+        </p:nvSpPr>
+        <p:spPr>
+          <a:xfrm>
+            <a:off x="372140" y="2486449"/>
+            <a:ext cx="3270116" cy="1901923"/>
+          </a:xfrm>
+          <a:prstGeom prst="rect">
+            <a:avLst/>
+          </a:prstGeom>
+          <a:solidFill>
+            <a:schemeClr val="bg1"/>
+          </a:solidFill>
+        </p:spPr>
+        <p:style>
+          <a:lnRef idx="2">
+            <a:schemeClr val="accent1">
+              <a:shade val="15000"/>
+            </a:schemeClr>
+          </a:lnRef>
+          <a:fillRef idx="1">
+            <a:schemeClr val="accent1"/>
+          </a:fillRef>
+          <a:effectRef idx="0">
+            <a:schemeClr val="accent1"/>
+          </a:effectRef>
+          <a:fontRef idx="minor">
+            <a:schemeClr val="lt1"/>
+          </a:fontRef>
+        </p:style>
+        <p:txBody>
+          <a:bodyPr rtlCol="0" anchor="ctr"/>
+          <a:lstStyle/>
+          <a:p>
+            <a:pPr algn="ctr"/>
+            <a:endParaRPr lang="es-ES"/>
+          </a:p>
+        </p:txBody>
+      </p:sp>
+      <p:sp>
+        <p:nvSpPr>
+          <p:cNvPr id="5" name="Rectangle 4">
+            <a:extLst>
+              <a:ext uri="{FF2B5EF4-FFF2-40B4-BE49-F238E27FC236}">
+                <a16:creationId xmlns:a16="http://schemas.microsoft.com/office/drawing/2014/main" id="{FC4D6EA5-C5E1-C94C-0E27-7B9869C4665B}"/>
+              </a:ext>
+            </a:extLst>
+          </p:cNvPr>
+          <p:cNvSpPr/>
+          <p:nvPr/>
+        </p:nvSpPr>
+        <p:spPr>
+          <a:xfrm>
+            <a:off x="4042487" y="2030335"/>
+            <a:ext cx="3484495" cy="1542094"/>
+          </a:xfrm>
+          <a:prstGeom prst="rect">
+            <a:avLst/>
+          </a:prstGeom>
+          <a:solidFill>
+            <a:schemeClr val="bg1"/>
+          </a:solidFill>
+          <a:ln w="38100">
+            <a:solidFill>
+              <a:srgbClr val="535C74"/>
+            </a:solidFill>
+          </a:ln>
+        </p:spPr>
+        <p:style>
+          <a:lnRef idx="2">
+            <a:schemeClr val="accent1">
+              <a:shade val="15000"/>
+            </a:schemeClr>
+          </a:lnRef>
+          <a:fillRef idx="1">
+            <a:schemeClr val="accent1"/>
+          </a:fillRef>
+          <a:effectRef idx="0">
+            <a:schemeClr val="accent1"/>
+          </a:effectRef>
+          <a:fontRef idx="minor">
+            <a:schemeClr val="lt1"/>
+          </a:fontRef>
+        </p:style>
+        <p:txBody>
+          <a:bodyPr rtlCol="0" anchor="ctr"/>
+          <a:lstStyle/>
+          <a:p>
+            <a:pPr algn="ctr"/>
+            <a:endParaRPr lang="es-ES"/>
+          </a:p>
+        </p:txBody>
+      </p:sp>
+      <p:sp>
+        <p:nvSpPr>
+          <p:cNvPr id="8" name="TextBox 7">
+            <a:extLst>
+              <a:ext uri="{FF2B5EF4-FFF2-40B4-BE49-F238E27FC236}">
+                <a16:creationId xmlns:a16="http://schemas.microsoft.com/office/drawing/2014/main" id="{C4FED498-FF8A-2151-1F09-81A0E1FF55BD}"/>
+              </a:ext>
+            </a:extLst>
+          </p:cNvPr>
+          <p:cNvSpPr txBox="1"/>
+          <p:nvPr/>
+        </p:nvSpPr>
+        <p:spPr>
+          <a:xfrm>
+            <a:off x="483005" y="2629810"/>
+            <a:ext cx="2977345" cy="1015663"/>
+          </a:xfrm>
+          <a:prstGeom prst="rect">
+            <a:avLst/>
+          </a:prstGeom>
+          <a:noFill/>
+        </p:spPr>
+        <p:txBody>
+          <a:bodyPr wrap="square" rtlCol="0">
+            <a:spAutoFit/>
+          </a:bodyPr>
+          <a:lstStyle/>
+          <a:p>
+            <a:pPr algn="ctr"/>
+            <a:r>
+              <a:rPr lang="en-US" sz="1200" dirty="0">
+                <a:latin typeface="Helvetica Neue" panose="02000503000000020004" pitchFamily="2" charset="0"/>
+                <a:ea typeface="Helvetica Neue" panose="02000503000000020004" pitchFamily="2" charset="0"/>
+                <a:cs typeface="Helvetica Neue" panose="02000503000000020004" pitchFamily="2" charset="0"/>
+              </a:rPr>
+              <a:t>To protect </a:t>
+            </a:r>
+            <a:r>
+              <a:rPr lang="en-US" sz="1200" u="sng" dirty="0">
+                <a:latin typeface="Helvetica Neue" panose="02000503000000020004" pitchFamily="2" charset="0"/>
+                <a:ea typeface="Helvetica Neue" panose="02000503000000020004" pitchFamily="2" charset="0"/>
+                <a:cs typeface="Helvetica Neue" panose="02000503000000020004" pitchFamily="2" charset="0"/>
+              </a:rPr>
+              <a:t>people walking on the path</a:t>
+            </a:r>
+            <a:r>
+              <a:rPr lang="en-US" sz="1200" dirty="0">
+                <a:latin typeface="Helvetica Neue" panose="02000503000000020004" pitchFamily="2" charset="0"/>
+                <a:ea typeface="Helvetica Neue" panose="02000503000000020004" pitchFamily="2" charset="0"/>
+                <a:cs typeface="Helvetica Neue" panose="02000503000000020004" pitchFamily="2" charset="0"/>
+              </a:rPr>
+              <a:t>, </a:t>
+            </a:r>
+          </a:p>
+          <a:p>
+            <a:pPr algn="ctr"/>
+            <a:r>
+              <a:rPr lang="en-US" sz="1200" dirty="0">
+                <a:latin typeface="Helvetica Neue" panose="02000503000000020004" pitchFamily="2" charset="0"/>
+                <a:ea typeface="Helvetica Neue" panose="02000503000000020004" pitchFamily="2" charset="0"/>
+                <a:cs typeface="Helvetica Neue" panose="02000503000000020004" pitchFamily="2" charset="0"/>
+              </a:rPr>
+              <a:t>the park boss came up with a new rule.</a:t>
+            </a:r>
+            <a:r>
+              <a:rPr lang="es-ES" sz="1200" dirty="0">
+                <a:latin typeface="Helvetica Neue" panose="02000503000000020004" pitchFamily="2" charset="0"/>
+                <a:ea typeface="Helvetica Neue" panose="02000503000000020004" pitchFamily="2" charset="0"/>
+                <a:cs typeface="Helvetica Neue" panose="02000503000000020004" pitchFamily="2" charset="0"/>
+              </a:rPr>
+              <a:t>’</a:t>
+            </a:r>
+          </a:p>
+          <a:p>
+            <a:pPr algn="ctr"/>
+            <a:br>
+              <a:rPr lang="es-ES" sz="1200" dirty="0">
+                <a:latin typeface="Helvetica Neue" panose="02000503000000020004" pitchFamily="2" charset="0"/>
+                <a:ea typeface="Helvetica Neue" panose="02000503000000020004" pitchFamily="2" charset="0"/>
+                <a:cs typeface="Helvetica Neue" panose="02000503000000020004" pitchFamily="2" charset="0"/>
+              </a:rPr>
+            </a:br>
+            <a:r>
+              <a:rPr lang="en-US" sz="1200" dirty="0">
+                <a:latin typeface="Helvetica Neue" panose="02000503000000020004" pitchFamily="2" charset="0"/>
+                <a:ea typeface="Helvetica Neue" panose="02000503000000020004" pitchFamily="2" charset="0"/>
+                <a:cs typeface="Helvetica Neue" panose="02000503000000020004" pitchFamily="2" charset="0"/>
+              </a:rPr>
+              <a:t>The rule says: </a:t>
+            </a:r>
+          </a:p>
+          <a:p>
+            <a:pPr algn="ctr"/>
+            <a:r>
+              <a:rPr lang="en-US" sz="1200" dirty="0">
+                <a:latin typeface="Helvetica Neue" panose="02000503000000020004" pitchFamily="2" charset="0"/>
+                <a:ea typeface="Helvetica Neue" panose="02000503000000020004" pitchFamily="2" charset="0"/>
+                <a:cs typeface="Helvetica Neue" panose="02000503000000020004" pitchFamily="2" charset="0"/>
+              </a:rPr>
+              <a:t>“No cars allowed on the path.”’</a:t>
+            </a:r>
+            <a:endParaRPr lang="es-ES" sz="1200" dirty="0">
+              <a:latin typeface="Helvetica Neue" panose="02000503000000020004" pitchFamily="2" charset="0"/>
+              <a:ea typeface="Helvetica Neue" panose="02000503000000020004" pitchFamily="2" charset="0"/>
+              <a:cs typeface="Helvetica Neue" panose="02000503000000020004" pitchFamily="2" charset="0"/>
+            </a:endParaRPr>
+          </a:p>
+        </p:txBody>
+      </p:sp>
+      <p:sp>
+        <p:nvSpPr>
+          <p:cNvPr id="9" name="TextBox 8">
+            <a:extLst>
+              <a:ext uri="{FF2B5EF4-FFF2-40B4-BE49-F238E27FC236}">
+                <a16:creationId xmlns:a16="http://schemas.microsoft.com/office/drawing/2014/main" id="{6B617779-DC69-49F3-3342-1C437A00277C}"/>
+              </a:ext>
+            </a:extLst>
+          </p:cNvPr>
+          <p:cNvSpPr txBox="1"/>
+          <p:nvPr/>
+        </p:nvSpPr>
+        <p:spPr>
+          <a:xfrm>
+            <a:off x="4042487" y="2132344"/>
+            <a:ext cx="3484495" cy="1061829"/>
+          </a:xfrm>
+          <a:prstGeom prst="rect">
+            <a:avLst/>
+          </a:prstGeom>
+          <a:noFill/>
+        </p:spPr>
+        <p:txBody>
+          <a:bodyPr wrap="square" rtlCol="0">
+            <a:spAutoFit/>
+          </a:bodyPr>
+          <a:lstStyle/>
+          <a:p>
+            <a:pPr algn="ctr"/>
+            <a:r>
+              <a:rPr lang="en-US" sz="900" dirty="0"/>
+              <a:t>Remember</a:t>
+            </a:r>
+            <a:r>
+              <a:rPr lang="en-US" sz="900" b="1" dirty="0"/>
+              <a:t>…</a:t>
+            </a:r>
+            <a:r>
+              <a:rPr lang="en-US" sz="900" dirty="0"/>
+              <a:t> </a:t>
+            </a:r>
+          </a:p>
+          <a:p>
+            <a:pPr algn="ctr"/>
+            <a:r>
+              <a:rPr lang="en-US" sz="900" dirty="0"/>
+              <a:t>The rule says: “No cars allowed on the path.” </a:t>
+            </a:r>
+          </a:p>
+          <a:p>
+            <a:pPr algn="ctr"/>
+            <a:r>
+              <a:rPr lang="en-US" sz="900" dirty="0"/>
+              <a:t>Purpose</a:t>
+            </a:r>
+            <a:r>
+              <a:rPr lang="en-US" sz="900" b="1" dirty="0"/>
+              <a:t>:</a:t>
+            </a:r>
+            <a:r>
+              <a:rPr lang="en-US" sz="900" dirty="0"/>
+              <a:t> To protect the people who walk on the path.</a:t>
+            </a:r>
+          </a:p>
+          <a:p>
+            <a:pPr algn="ctr"/>
+            <a:br>
+              <a:rPr lang="es-ES" sz="900" dirty="0"/>
+            </a:br>
+            <a:r>
+              <a:rPr lang="en-US" sz="900" b="1" dirty="0"/>
+              <a:t>One day, John  drives on the path at 100 kilometers per hour.</a:t>
+            </a:r>
+            <a:br>
+              <a:rPr lang="en-US" sz="900" b="1" dirty="0"/>
+            </a:br>
+            <a:endParaRPr lang="en-US" sz="900" b="1" dirty="0"/>
+          </a:p>
+          <a:p>
+            <a:pPr algn="ctr"/>
+            <a:r>
+              <a:rPr lang="en-US" sz="900" dirty="0"/>
+              <a:t>Did John obey the new rule?</a:t>
+            </a:r>
+            <a:r>
+              <a:rPr lang="es-ES" sz="900" dirty="0"/>
+              <a:t>’</a:t>
+            </a:r>
+          </a:p>
+        </p:txBody>
+      </p:sp>
+      <p:sp>
+        <p:nvSpPr>
+          <p:cNvPr id="14" name="Rectangle: Rounded Corners 13">
+            <a:extLst>
+              <a:ext uri="{FF2B5EF4-FFF2-40B4-BE49-F238E27FC236}">
+                <a16:creationId xmlns:a16="http://schemas.microsoft.com/office/drawing/2014/main" id="{F6316836-2C04-DF7D-0E3D-69B29BFF75C8}"/>
+              </a:ext>
+            </a:extLst>
+          </p:cNvPr>
+          <p:cNvSpPr/>
+          <p:nvPr/>
+        </p:nvSpPr>
+        <p:spPr>
+          <a:xfrm>
+            <a:off x="3329830" y="4148016"/>
+            <a:ext cx="282758" cy="175673"/>
+          </a:xfrm>
+          <a:prstGeom prst="roundRect">
+            <a:avLst/>
+          </a:prstGeom>
+          <a:solidFill>
+            <a:schemeClr val="bg1">
+              <a:lumMod val="75000"/>
+            </a:schemeClr>
+          </a:solidFill>
+        </p:spPr>
+        <p:style>
+          <a:lnRef idx="3">
+            <a:schemeClr val="lt1"/>
+          </a:lnRef>
+          <a:fillRef idx="1">
+            <a:schemeClr val="accent4"/>
+          </a:fillRef>
+          <a:effectRef idx="1">
+            <a:schemeClr val="accent4"/>
+          </a:effectRef>
+          <a:fontRef idx="minor">
+            <a:schemeClr val="lt1"/>
+          </a:fontRef>
+        </p:style>
+        <p:txBody>
+          <a:bodyPr rtlCol="0" anchor="ctr"/>
+          <a:lstStyle/>
+          <a:p>
+            <a:pPr algn="ctr"/>
+            <a:endParaRPr lang="es-ES"/>
+          </a:p>
+        </p:txBody>
+      </p:sp>
+      <p:cxnSp>
+        <p:nvCxnSpPr>
+          <p:cNvPr id="15" name="Straight Arrow Connector 14">
+            <a:extLst>
+              <a:ext uri="{FF2B5EF4-FFF2-40B4-BE49-F238E27FC236}">
+                <a16:creationId xmlns:a16="http://schemas.microsoft.com/office/drawing/2014/main" id="{501F74F7-0ADB-9F53-4F04-9BAA28911525}"/>
+              </a:ext>
+            </a:extLst>
+          </p:cNvPr>
+          <p:cNvCxnSpPr>
+            <a:cxnSpLocks/>
+          </p:cNvCxnSpPr>
+          <p:nvPr/>
+        </p:nvCxnSpPr>
+        <p:spPr>
+          <a:xfrm>
+            <a:off x="3401832" y="4225808"/>
+            <a:ext cx="163280" cy="0"/>
+          </a:xfrm>
+          <a:prstGeom prst="straightConnector1">
+            <a:avLst/>
+          </a:prstGeom>
+          <a:ln>
+            <a:solidFill>
+              <a:schemeClr val="bg1"/>
+            </a:solidFill>
+            <a:tailEnd type="triangle"/>
+          </a:ln>
+        </p:spPr>
+        <p:style>
+          <a:lnRef idx="2">
+            <a:schemeClr val="accent1"/>
+          </a:lnRef>
+          <a:fillRef idx="0">
+            <a:schemeClr val="accent1"/>
+          </a:fillRef>
+          <a:effectRef idx="1">
+            <a:schemeClr val="accent1"/>
+          </a:effectRef>
+          <a:fontRef idx="minor">
+            <a:schemeClr val="tx1"/>
+          </a:fontRef>
+        </p:style>
+      </p:cxnSp>
+      <p:sp>
+        <p:nvSpPr>
+          <p:cNvPr id="16" name="Rectangle 15">
+            <a:extLst>
+              <a:ext uri="{FF2B5EF4-FFF2-40B4-BE49-F238E27FC236}">
+                <a16:creationId xmlns:a16="http://schemas.microsoft.com/office/drawing/2014/main" id="{80B58B9F-2947-BD72-A162-5594D4A5C108}"/>
+              </a:ext>
+            </a:extLst>
+          </p:cNvPr>
+          <p:cNvSpPr/>
+          <p:nvPr/>
+        </p:nvSpPr>
+        <p:spPr>
+          <a:xfrm>
+            <a:off x="4385462" y="3240479"/>
+            <a:ext cx="1300480" cy="261791"/>
+          </a:xfrm>
+          <a:prstGeom prst="rect">
+            <a:avLst/>
+          </a:prstGeom>
+          <a:solidFill>
+            <a:schemeClr val="bg2"/>
+          </a:solidFill>
+          <a:ln>
+            <a:solidFill>
+              <a:schemeClr val="bg1"/>
+            </a:solidFill>
+          </a:ln>
+        </p:spPr>
+        <p:style>
+          <a:lnRef idx="2">
+            <a:schemeClr val="accent1">
+              <a:shade val="15000"/>
+            </a:schemeClr>
+          </a:lnRef>
+          <a:fillRef idx="1">
+            <a:schemeClr val="accent1"/>
+          </a:fillRef>
+          <a:effectRef idx="0">
+            <a:schemeClr val="accent1"/>
+          </a:effectRef>
+          <a:fontRef idx="minor">
+            <a:schemeClr val="lt1"/>
+          </a:fontRef>
+        </p:style>
+        <p:txBody>
+          <a:bodyPr rtlCol="0" anchor="ctr"/>
+          <a:lstStyle/>
+          <a:p>
+            <a:pPr algn="ctr"/>
+            <a:endParaRPr lang="es-ES"/>
+          </a:p>
+        </p:txBody>
+      </p:sp>
+      <p:sp>
+        <p:nvSpPr>
+          <p:cNvPr id="17" name="Rectangle 16">
+            <a:extLst>
+              <a:ext uri="{FF2B5EF4-FFF2-40B4-BE49-F238E27FC236}">
+                <a16:creationId xmlns:a16="http://schemas.microsoft.com/office/drawing/2014/main" id="{8F405CB1-AB5A-ACFE-62E3-0F95BF4053D4}"/>
+              </a:ext>
+            </a:extLst>
+          </p:cNvPr>
+          <p:cNvSpPr/>
+          <p:nvPr/>
+        </p:nvSpPr>
+        <p:spPr>
+          <a:xfrm>
+            <a:off x="5807862" y="3244224"/>
+            <a:ext cx="1300480" cy="258046"/>
+          </a:xfrm>
+          <a:prstGeom prst="rect">
+            <a:avLst/>
+          </a:prstGeom>
+          <a:solidFill>
+            <a:schemeClr val="bg2"/>
+          </a:solidFill>
+          <a:ln>
+            <a:solidFill>
+              <a:schemeClr val="bg1"/>
+            </a:solidFill>
+          </a:ln>
+        </p:spPr>
+        <p:style>
+          <a:lnRef idx="2">
+            <a:schemeClr val="accent1">
+              <a:shade val="15000"/>
+            </a:schemeClr>
+          </a:lnRef>
+          <a:fillRef idx="1">
+            <a:schemeClr val="accent1"/>
+          </a:fillRef>
+          <a:effectRef idx="0">
+            <a:schemeClr val="accent1"/>
+          </a:effectRef>
+          <a:fontRef idx="minor">
+            <a:schemeClr val="lt1"/>
+          </a:fontRef>
+        </p:style>
+        <p:txBody>
+          <a:bodyPr rtlCol="0" anchor="ctr"/>
+          <a:lstStyle/>
+          <a:p>
+            <a:pPr algn="ctr"/>
+            <a:endParaRPr lang="es-ES"/>
+          </a:p>
+        </p:txBody>
+      </p:sp>
+      <p:sp>
+        <p:nvSpPr>
+          <p:cNvPr id="18" name="Oval 17">
+            <a:extLst>
+              <a:ext uri="{FF2B5EF4-FFF2-40B4-BE49-F238E27FC236}">
+                <a16:creationId xmlns:a16="http://schemas.microsoft.com/office/drawing/2014/main" id="{ABC2FFDA-E592-6CAC-CCE5-3C65237B3526}"/>
+              </a:ext>
+            </a:extLst>
+          </p:cNvPr>
+          <p:cNvSpPr/>
+          <p:nvPr/>
+        </p:nvSpPr>
+        <p:spPr>
+          <a:xfrm>
+            <a:off x="4998066" y="3398340"/>
+            <a:ext cx="72205" cy="70311"/>
+          </a:xfrm>
+          <a:prstGeom prst="ellipse">
+            <a:avLst/>
+          </a:prstGeom>
+          <a:solidFill>
+            <a:schemeClr val="bg2"/>
+          </a:solidFill>
+          <a:ln w="6350"/>
+        </p:spPr>
+        <p:style>
+          <a:lnRef idx="2">
+            <a:schemeClr val="dk1"/>
+          </a:lnRef>
+          <a:fillRef idx="1">
+            <a:schemeClr val="lt1"/>
+          </a:fillRef>
+          <a:effectRef idx="0">
+            <a:schemeClr val="dk1"/>
+          </a:effectRef>
+          <a:fontRef idx="minor">
+            <a:schemeClr val="dk1"/>
+          </a:fontRef>
+        </p:style>
+        <p:txBody>
+          <a:bodyPr rtlCol="0" anchor="ctr"/>
+          <a:lstStyle/>
+          <a:p>
+            <a:pPr algn="ctr"/>
+            <a:endParaRPr lang="es-ES"/>
+          </a:p>
+        </p:txBody>
+      </p:sp>
+      <p:sp>
+        <p:nvSpPr>
+          <p:cNvPr id="19" name="TextBox 18">
+            <a:extLst>
+              <a:ext uri="{FF2B5EF4-FFF2-40B4-BE49-F238E27FC236}">
+                <a16:creationId xmlns:a16="http://schemas.microsoft.com/office/drawing/2014/main" id="{D49BA4A1-BECD-0237-35AC-EC2D5CB71360}"/>
+              </a:ext>
+            </a:extLst>
+          </p:cNvPr>
+          <p:cNvSpPr txBox="1"/>
+          <p:nvPr/>
+        </p:nvSpPr>
+        <p:spPr>
+          <a:xfrm>
+            <a:off x="4858401" y="3233158"/>
+            <a:ext cx="356839" cy="184666"/>
+          </a:xfrm>
+          <a:prstGeom prst="rect">
+            <a:avLst/>
+          </a:prstGeom>
+          <a:noFill/>
+        </p:spPr>
+        <p:txBody>
+          <a:bodyPr wrap="square" rtlCol="0">
+            <a:spAutoFit/>
+          </a:bodyPr>
+          <a:lstStyle/>
+          <a:p>
+            <a:pPr algn="ctr"/>
+            <a:r>
+              <a:rPr lang="es-ES" sz="600" b="1" dirty="0"/>
+              <a:t>YES</a:t>
+            </a:r>
+          </a:p>
+        </p:txBody>
+      </p:sp>
+      <p:sp>
+        <p:nvSpPr>
+          <p:cNvPr id="20" name="Oval 19">
+            <a:extLst>
+              <a:ext uri="{FF2B5EF4-FFF2-40B4-BE49-F238E27FC236}">
+                <a16:creationId xmlns:a16="http://schemas.microsoft.com/office/drawing/2014/main" id="{1AD33BAB-42E9-B8E5-6C79-E3694E1CC996}"/>
+              </a:ext>
+            </a:extLst>
+          </p:cNvPr>
+          <p:cNvSpPr/>
+          <p:nvPr/>
+        </p:nvSpPr>
+        <p:spPr>
+          <a:xfrm>
+            <a:off x="6421999" y="3398340"/>
+            <a:ext cx="72205" cy="70311"/>
+          </a:xfrm>
+          <a:prstGeom prst="ellipse">
+            <a:avLst/>
+          </a:prstGeom>
+          <a:solidFill>
+            <a:schemeClr val="bg2"/>
+          </a:solidFill>
+          <a:ln w="6350"/>
+        </p:spPr>
+        <p:style>
+          <a:lnRef idx="2">
+            <a:schemeClr val="dk1"/>
+          </a:lnRef>
+          <a:fillRef idx="1">
+            <a:schemeClr val="lt1"/>
+          </a:fillRef>
+          <a:effectRef idx="0">
+            <a:schemeClr val="dk1"/>
+          </a:effectRef>
+          <a:fontRef idx="minor">
+            <a:schemeClr val="dk1"/>
+          </a:fontRef>
+        </p:style>
+        <p:txBody>
+          <a:bodyPr rtlCol="0" anchor="ctr"/>
+          <a:lstStyle/>
+          <a:p>
+            <a:pPr algn="ctr"/>
+            <a:endParaRPr lang="es-ES"/>
+          </a:p>
+        </p:txBody>
+      </p:sp>
+      <p:sp>
+        <p:nvSpPr>
+          <p:cNvPr id="40" name="Rectangle: Rounded Corners 51">
+            <a:extLst>
+              <a:ext uri="{FF2B5EF4-FFF2-40B4-BE49-F238E27FC236}">
+                <a16:creationId xmlns:a16="http://schemas.microsoft.com/office/drawing/2014/main" id="{64A60BDF-7F29-1BBB-DF0E-487BE522B06A}"/>
+              </a:ext>
+            </a:extLst>
+          </p:cNvPr>
+          <p:cNvSpPr/>
+          <p:nvPr/>
+        </p:nvSpPr>
+        <p:spPr>
+          <a:xfrm>
+            <a:off x="7214557" y="3361086"/>
+            <a:ext cx="282758" cy="175673"/>
+          </a:xfrm>
+          <a:prstGeom prst="roundRect">
+            <a:avLst/>
+          </a:prstGeom>
+          <a:solidFill>
+            <a:schemeClr val="bg1">
+              <a:lumMod val="75000"/>
+            </a:schemeClr>
+          </a:solidFill>
+        </p:spPr>
+        <p:style>
+          <a:lnRef idx="3">
+            <a:schemeClr val="lt1"/>
+          </a:lnRef>
+          <a:fillRef idx="1">
+            <a:schemeClr val="accent4"/>
+          </a:fillRef>
+          <a:effectRef idx="1">
+            <a:schemeClr val="accent4"/>
+          </a:effectRef>
+          <a:fontRef idx="minor">
+            <a:schemeClr val="lt1"/>
+          </a:fontRef>
+        </p:style>
+        <p:txBody>
+          <a:bodyPr rtlCol="0" anchor="ctr"/>
+          <a:lstStyle/>
+          <a:p>
+            <a:pPr algn="ctr"/>
+            <a:endParaRPr lang="es-ES"/>
+          </a:p>
+        </p:txBody>
+      </p:sp>
+      <p:cxnSp>
+        <p:nvCxnSpPr>
+          <p:cNvPr id="45" name="Straight Arrow Connector 44">
+            <a:extLst>
+              <a:ext uri="{FF2B5EF4-FFF2-40B4-BE49-F238E27FC236}">
+                <a16:creationId xmlns:a16="http://schemas.microsoft.com/office/drawing/2014/main" id="{EF5A3844-C0FB-4464-9A59-CB1F9EFE03ED}"/>
+              </a:ext>
+            </a:extLst>
+          </p:cNvPr>
+          <p:cNvCxnSpPr>
+            <a:cxnSpLocks/>
+          </p:cNvCxnSpPr>
+          <p:nvPr/>
+        </p:nvCxnSpPr>
+        <p:spPr>
+          <a:xfrm>
+            <a:off x="7274296" y="3439972"/>
+            <a:ext cx="163280" cy="0"/>
+          </a:xfrm>
+          <a:prstGeom prst="straightConnector1">
+            <a:avLst/>
+          </a:prstGeom>
+          <a:ln>
+            <a:solidFill>
+              <a:schemeClr val="bg1"/>
+            </a:solidFill>
+            <a:tailEnd type="triangle"/>
+          </a:ln>
+        </p:spPr>
+        <p:style>
+          <a:lnRef idx="2">
+            <a:schemeClr val="accent1"/>
+          </a:lnRef>
+          <a:fillRef idx="0">
+            <a:schemeClr val="accent1"/>
+          </a:fillRef>
+          <a:effectRef idx="1">
+            <a:schemeClr val="accent1"/>
+          </a:effectRef>
+          <a:fontRef idx="minor">
+            <a:schemeClr val="tx1"/>
+          </a:fontRef>
+        </p:style>
+      </p:cxnSp>
       <p:pic>
         <p:nvPicPr>
-          <p:cNvPr id="3" name="Picture 2" descr="A no music sign with a red circle&#10;&#10;AI-generated content may be incorrect.">
-            <a:extLst>
-              <a:ext uri="{FF2B5EF4-FFF2-40B4-BE49-F238E27FC236}">
-                <a16:creationId xmlns:a16="http://schemas.microsoft.com/office/drawing/2014/main" id="{AF8FD64B-1847-4926-F259-3C2B9BE7A0A2}"/>
+          <p:cNvPr id="52" name="Picture 51" descr="A no cars sign&#10;&#10;AI-generated content may be incorrect.">
+            <a:extLst>
+              <a:ext uri="{FF2B5EF4-FFF2-40B4-BE49-F238E27FC236}">
+                <a16:creationId xmlns:a16="http://schemas.microsoft.com/office/drawing/2014/main" id="{322383E3-1C53-4DA1-6CD5-756DFBEBA71A}"/>
               </a:ext>
             </a:extLst>
           </p:cNvPr>
@@ -3672,7 +8644,7 @@
           <p:nvPr/>
         </p:nvPicPr>
         <p:blipFill>
-          <a:blip r:embed="rId4">
+          <a:blip r:embed="rId2">
             <a:extLst>
               <a:ext uri="{28A0092B-C50C-407E-A947-70E740481C1C}">
                 <a14:useLocalDpi xmlns:a14="http://schemas.microsoft.com/office/drawing/2010/main" val="0"/>
@@ -3685,8 +8657,1866 @@
         </p:blipFill>
         <p:spPr>
           <a:xfrm>
-            <a:off x="249055" y="1220300"/>
-            <a:ext cx="2705100" cy="2504048"/>
+            <a:off x="1536124" y="3619879"/>
+            <a:ext cx="727764" cy="714896"/>
+          </a:xfrm>
+          <a:prstGeom prst="rect">
+            <a:avLst/>
+          </a:prstGeom>
+        </p:spPr>
+      </p:pic>
+      <p:sp>
+        <p:nvSpPr>
+          <p:cNvPr id="64" name="TextBox 63">
+            <a:extLst>
+              <a:ext uri="{FF2B5EF4-FFF2-40B4-BE49-F238E27FC236}">
+                <a16:creationId xmlns:a16="http://schemas.microsoft.com/office/drawing/2014/main" id="{F206049A-0D91-CBBF-5F30-8738A88F802C}"/>
+              </a:ext>
+            </a:extLst>
+          </p:cNvPr>
+          <p:cNvSpPr txBox="1"/>
+          <p:nvPr/>
+        </p:nvSpPr>
+        <p:spPr>
+          <a:xfrm>
+            <a:off x="6279681" y="3234133"/>
+            <a:ext cx="356839" cy="184666"/>
+          </a:xfrm>
+          <a:prstGeom prst="rect">
+            <a:avLst/>
+          </a:prstGeom>
+          <a:noFill/>
+        </p:spPr>
+        <p:txBody>
+          <a:bodyPr wrap="square" rtlCol="0">
+            <a:spAutoFit/>
+          </a:bodyPr>
+          <a:lstStyle/>
+          <a:p>
+            <a:pPr algn="ctr"/>
+            <a:r>
+              <a:rPr lang="es-ES" sz="600" b="1" dirty="0"/>
+              <a:t>NO</a:t>
+            </a:r>
+          </a:p>
+        </p:txBody>
+      </p:sp>
+      <p:sp>
+        <p:nvSpPr>
+          <p:cNvPr id="68" name="Rectangle 67">
+            <a:extLst>
+              <a:ext uri="{FF2B5EF4-FFF2-40B4-BE49-F238E27FC236}">
+                <a16:creationId xmlns:a16="http://schemas.microsoft.com/office/drawing/2014/main" id="{DDA0FA2F-35B9-F8F2-5092-7426093F27B6}"/>
+              </a:ext>
+            </a:extLst>
+          </p:cNvPr>
+          <p:cNvSpPr/>
+          <p:nvPr/>
+        </p:nvSpPr>
+        <p:spPr>
+          <a:xfrm>
+            <a:off x="4806008" y="4287423"/>
+            <a:ext cx="1300480" cy="261791"/>
+          </a:xfrm>
+          <a:prstGeom prst="rect">
+            <a:avLst/>
+          </a:prstGeom>
+          <a:solidFill>
+            <a:schemeClr val="bg2"/>
+          </a:solidFill>
+          <a:ln>
+            <a:solidFill>
+              <a:schemeClr val="bg1"/>
+            </a:solidFill>
+          </a:ln>
+        </p:spPr>
+        <p:style>
+          <a:lnRef idx="2">
+            <a:schemeClr val="accent1">
+              <a:shade val="15000"/>
+            </a:schemeClr>
+          </a:lnRef>
+          <a:fillRef idx="1">
+            <a:schemeClr val="accent1"/>
+          </a:fillRef>
+          <a:effectRef idx="0">
+            <a:schemeClr val="accent1"/>
+          </a:effectRef>
+          <a:fontRef idx="minor">
+            <a:schemeClr val="lt1"/>
+          </a:fontRef>
+        </p:style>
+        <p:txBody>
+          <a:bodyPr rtlCol="0" anchor="ctr"/>
+          <a:lstStyle/>
+          <a:p>
+            <a:pPr algn="ctr"/>
+            <a:endParaRPr lang="es-ES"/>
+          </a:p>
+        </p:txBody>
+      </p:sp>
+      <p:sp>
+        <p:nvSpPr>
+          <p:cNvPr id="69" name="Rectangle 68">
+            <a:extLst>
+              <a:ext uri="{FF2B5EF4-FFF2-40B4-BE49-F238E27FC236}">
+                <a16:creationId xmlns:a16="http://schemas.microsoft.com/office/drawing/2014/main" id="{DF5A2FFE-138E-1953-08CD-B05ACCA7BF5F}"/>
+              </a:ext>
+            </a:extLst>
+          </p:cNvPr>
+          <p:cNvSpPr/>
+          <p:nvPr/>
+        </p:nvSpPr>
+        <p:spPr>
+          <a:xfrm>
+            <a:off x="6228408" y="4291168"/>
+            <a:ext cx="1300480" cy="258046"/>
+          </a:xfrm>
+          <a:prstGeom prst="rect">
+            <a:avLst/>
+          </a:prstGeom>
+          <a:solidFill>
+            <a:schemeClr val="bg2"/>
+          </a:solidFill>
+          <a:ln>
+            <a:solidFill>
+              <a:schemeClr val="bg1"/>
+            </a:solidFill>
+          </a:ln>
+        </p:spPr>
+        <p:style>
+          <a:lnRef idx="2">
+            <a:schemeClr val="accent1">
+              <a:shade val="15000"/>
+            </a:schemeClr>
+          </a:lnRef>
+          <a:fillRef idx="1">
+            <a:schemeClr val="accent1"/>
+          </a:fillRef>
+          <a:effectRef idx="0">
+            <a:schemeClr val="accent1"/>
+          </a:effectRef>
+          <a:fontRef idx="minor">
+            <a:schemeClr val="lt1"/>
+          </a:fontRef>
+        </p:style>
+        <p:txBody>
+          <a:bodyPr rtlCol="0" anchor="ctr"/>
+          <a:lstStyle/>
+          <a:p>
+            <a:pPr algn="ctr"/>
+            <a:endParaRPr lang="es-ES"/>
+          </a:p>
+        </p:txBody>
+      </p:sp>
+      <p:sp>
+        <p:nvSpPr>
+          <p:cNvPr id="70" name="Oval 69">
+            <a:extLst>
+              <a:ext uri="{FF2B5EF4-FFF2-40B4-BE49-F238E27FC236}">
+                <a16:creationId xmlns:a16="http://schemas.microsoft.com/office/drawing/2014/main" id="{F260156E-AA77-70A4-5607-E36252312F14}"/>
+              </a:ext>
+            </a:extLst>
+          </p:cNvPr>
+          <p:cNvSpPr/>
+          <p:nvPr/>
+        </p:nvSpPr>
+        <p:spPr>
+          <a:xfrm>
+            <a:off x="5418612" y="4445284"/>
+            <a:ext cx="72205" cy="70311"/>
+          </a:xfrm>
+          <a:prstGeom prst="ellipse">
+            <a:avLst/>
+          </a:prstGeom>
+          <a:solidFill>
+            <a:schemeClr val="bg2"/>
+          </a:solidFill>
+          <a:ln w="6350"/>
+        </p:spPr>
+        <p:style>
+          <a:lnRef idx="2">
+            <a:schemeClr val="dk1"/>
+          </a:lnRef>
+          <a:fillRef idx="1">
+            <a:schemeClr val="lt1"/>
+          </a:fillRef>
+          <a:effectRef idx="0">
+            <a:schemeClr val="dk1"/>
+          </a:effectRef>
+          <a:fontRef idx="minor">
+            <a:schemeClr val="dk1"/>
+          </a:fontRef>
+        </p:style>
+        <p:txBody>
+          <a:bodyPr rtlCol="0" anchor="ctr"/>
+          <a:lstStyle/>
+          <a:p>
+            <a:pPr algn="ctr"/>
+            <a:endParaRPr lang="es-ES"/>
+          </a:p>
+        </p:txBody>
+      </p:sp>
+      <p:sp>
+        <p:nvSpPr>
+          <p:cNvPr id="71" name="TextBox 70">
+            <a:extLst>
+              <a:ext uri="{FF2B5EF4-FFF2-40B4-BE49-F238E27FC236}">
+                <a16:creationId xmlns:a16="http://schemas.microsoft.com/office/drawing/2014/main" id="{E74ACEBF-359B-91B7-4634-255886617539}"/>
+              </a:ext>
+            </a:extLst>
+          </p:cNvPr>
+          <p:cNvSpPr txBox="1"/>
+          <p:nvPr/>
+        </p:nvSpPr>
+        <p:spPr>
+          <a:xfrm>
+            <a:off x="5278947" y="4280102"/>
+            <a:ext cx="356839" cy="184666"/>
+          </a:xfrm>
+          <a:prstGeom prst="rect">
+            <a:avLst/>
+          </a:prstGeom>
+          <a:noFill/>
+        </p:spPr>
+        <p:txBody>
+          <a:bodyPr wrap="square" rtlCol="0">
+            <a:spAutoFit/>
+          </a:bodyPr>
+          <a:lstStyle/>
+          <a:p>
+            <a:pPr algn="ctr"/>
+            <a:r>
+              <a:rPr lang="es-ES" sz="600" b="1" dirty="0"/>
+              <a:t>YES</a:t>
+            </a:r>
+          </a:p>
+        </p:txBody>
+      </p:sp>
+      <p:sp>
+        <p:nvSpPr>
+          <p:cNvPr id="72" name="Oval 71">
+            <a:extLst>
+              <a:ext uri="{FF2B5EF4-FFF2-40B4-BE49-F238E27FC236}">
+                <a16:creationId xmlns:a16="http://schemas.microsoft.com/office/drawing/2014/main" id="{81D4965B-3E57-2FC7-114B-29A12DB1A073}"/>
+              </a:ext>
+            </a:extLst>
+          </p:cNvPr>
+          <p:cNvSpPr/>
+          <p:nvPr/>
+        </p:nvSpPr>
+        <p:spPr>
+          <a:xfrm>
+            <a:off x="6842545" y="4445284"/>
+            <a:ext cx="72205" cy="70311"/>
+          </a:xfrm>
+          <a:prstGeom prst="ellipse">
+            <a:avLst/>
+          </a:prstGeom>
+          <a:solidFill>
+            <a:schemeClr val="bg2"/>
+          </a:solidFill>
+          <a:ln w="6350"/>
+        </p:spPr>
+        <p:style>
+          <a:lnRef idx="2">
+            <a:schemeClr val="dk1"/>
+          </a:lnRef>
+          <a:fillRef idx="1">
+            <a:schemeClr val="lt1"/>
+          </a:fillRef>
+          <a:effectRef idx="0">
+            <a:schemeClr val="dk1"/>
+          </a:effectRef>
+          <a:fontRef idx="minor">
+            <a:schemeClr val="dk1"/>
+          </a:fontRef>
+        </p:style>
+        <p:txBody>
+          <a:bodyPr rtlCol="0" anchor="ctr"/>
+          <a:lstStyle/>
+          <a:p>
+            <a:pPr algn="ctr"/>
+            <a:endParaRPr lang="es-ES"/>
+          </a:p>
+        </p:txBody>
+      </p:sp>
+      <p:sp>
+        <p:nvSpPr>
+          <p:cNvPr id="73" name="Rectangle: Rounded Corners 51">
+            <a:extLst>
+              <a:ext uri="{FF2B5EF4-FFF2-40B4-BE49-F238E27FC236}">
+                <a16:creationId xmlns:a16="http://schemas.microsoft.com/office/drawing/2014/main" id="{22432C91-2515-B2F6-2A89-E6AF1DBC6A4A}"/>
+              </a:ext>
+            </a:extLst>
+          </p:cNvPr>
+          <p:cNvSpPr/>
+          <p:nvPr/>
+        </p:nvSpPr>
+        <p:spPr>
+          <a:xfrm>
+            <a:off x="7635103" y="4408030"/>
+            <a:ext cx="282758" cy="175673"/>
+          </a:xfrm>
+          <a:prstGeom prst="roundRect">
+            <a:avLst/>
+          </a:prstGeom>
+          <a:solidFill>
+            <a:schemeClr val="bg1">
+              <a:lumMod val="75000"/>
+            </a:schemeClr>
+          </a:solidFill>
+        </p:spPr>
+        <p:style>
+          <a:lnRef idx="3">
+            <a:schemeClr val="lt1"/>
+          </a:lnRef>
+          <a:fillRef idx="1">
+            <a:schemeClr val="accent4"/>
+          </a:fillRef>
+          <a:effectRef idx="1">
+            <a:schemeClr val="accent4"/>
+          </a:effectRef>
+          <a:fontRef idx="minor">
+            <a:schemeClr val="lt1"/>
+          </a:fontRef>
+        </p:style>
+        <p:txBody>
+          <a:bodyPr rtlCol="0" anchor="ctr"/>
+          <a:lstStyle/>
+          <a:p>
+            <a:pPr algn="ctr"/>
+            <a:endParaRPr lang="es-ES"/>
+          </a:p>
+        </p:txBody>
+      </p:sp>
+      <p:cxnSp>
+        <p:nvCxnSpPr>
+          <p:cNvPr id="74" name="Straight Arrow Connector 73">
+            <a:extLst>
+              <a:ext uri="{FF2B5EF4-FFF2-40B4-BE49-F238E27FC236}">
+                <a16:creationId xmlns:a16="http://schemas.microsoft.com/office/drawing/2014/main" id="{5FB52AC4-4D77-8831-5481-A55E39B028F0}"/>
+              </a:ext>
+            </a:extLst>
+          </p:cNvPr>
+          <p:cNvCxnSpPr>
+            <a:cxnSpLocks/>
+          </p:cNvCxnSpPr>
+          <p:nvPr/>
+        </p:nvCxnSpPr>
+        <p:spPr>
+          <a:xfrm>
+            <a:off x="7694842" y="4486916"/>
+            <a:ext cx="163280" cy="0"/>
+          </a:xfrm>
+          <a:prstGeom prst="straightConnector1">
+            <a:avLst/>
+          </a:prstGeom>
+          <a:ln>
+            <a:solidFill>
+              <a:schemeClr val="bg1"/>
+            </a:solidFill>
+            <a:tailEnd type="triangle"/>
+          </a:ln>
+        </p:spPr>
+        <p:style>
+          <a:lnRef idx="2">
+            <a:schemeClr val="accent1"/>
+          </a:lnRef>
+          <a:fillRef idx="0">
+            <a:schemeClr val="accent1"/>
+          </a:fillRef>
+          <a:effectRef idx="1">
+            <a:schemeClr val="accent1"/>
+          </a:effectRef>
+          <a:fontRef idx="minor">
+            <a:schemeClr val="tx1"/>
+          </a:fontRef>
+        </p:style>
+      </p:cxnSp>
+      <p:sp>
+        <p:nvSpPr>
+          <p:cNvPr id="75" name="TextBox 74">
+            <a:extLst>
+              <a:ext uri="{FF2B5EF4-FFF2-40B4-BE49-F238E27FC236}">
+                <a16:creationId xmlns:a16="http://schemas.microsoft.com/office/drawing/2014/main" id="{6E0FC803-AD98-75C0-FCDE-F6047FDF3F54}"/>
+              </a:ext>
+            </a:extLst>
+          </p:cNvPr>
+          <p:cNvSpPr txBox="1"/>
+          <p:nvPr/>
+        </p:nvSpPr>
+        <p:spPr>
+          <a:xfrm>
+            <a:off x="6700227" y="4281077"/>
+            <a:ext cx="356839" cy="184666"/>
+          </a:xfrm>
+          <a:prstGeom prst="rect">
+            <a:avLst/>
+          </a:prstGeom>
+          <a:noFill/>
+        </p:spPr>
+        <p:txBody>
+          <a:bodyPr wrap="square" rtlCol="0">
+            <a:spAutoFit/>
+          </a:bodyPr>
+          <a:lstStyle/>
+          <a:p>
+            <a:pPr algn="ctr"/>
+            <a:r>
+              <a:rPr lang="es-ES" sz="600" b="1" dirty="0"/>
+              <a:t>NO</a:t>
+            </a:r>
+          </a:p>
+        </p:txBody>
+      </p:sp>
+      <p:sp>
+        <p:nvSpPr>
+          <p:cNvPr id="76" name="Rectangle 75">
+            <a:extLst>
+              <a:ext uri="{FF2B5EF4-FFF2-40B4-BE49-F238E27FC236}">
+                <a16:creationId xmlns:a16="http://schemas.microsoft.com/office/drawing/2014/main" id="{55233C8F-6E08-935A-1A7B-E3FFD30989BA}"/>
+              </a:ext>
+            </a:extLst>
+          </p:cNvPr>
+          <p:cNvSpPr/>
+          <p:nvPr/>
+        </p:nvSpPr>
+        <p:spPr>
+          <a:xfrm>
+            <a:off x="8224499" y="2030335"/>
+            <a:ext cx="3484495" cy="1542094"/>
+          </a:xfrm>
+          <a:prstGeom prst="rect">
+            <a:avLst/>
+          </a:prstGeom>
+          <a:solidFill>
+            <a:schemeClr val="bg1"/>
+          </a:solidFill>
+          <a:ln w="38100">
+            <a:solidFill>
+              <a:srgbClr val="329A85"/>
+            </a:solidFill>
+          </a:ln>
+        </p:spPr>
+        <p:style>
+          <a:lnRef idx="2">
+            <a:schemeClr val="accent1">
+              <a:shade val="15000"/>
+            </a:schemeClr>
+          </a:lnRef>
+          <a:fillRef idx="1">
+            <a:schemeClr val="accent1"/>
+          </a:fillRef>
+          <a:effectRef idx="0">
+            <a:schemeClr val="accent1"/>
+          </a:effectRef>
+          <a:fontRef idx="minor">
+            <a:schemeClr val="lt1"/>
+          </a:fontRef>
+        </p:style>
+        <p:txBody>
+          <a:bodyPr rtlCol="0" anchor="ctr"/>
+          <a:lstStyle/>
+          <a:p>
+            <a:pPr algn="ctr"/>
+            <a:endParaRPr lang="es-ES"/>
+          </a:p>
+        </p:txBody>
+      </p:sp>
+      <p:sp>
+        <p:nvSpPr>
+          <p:cNvPr id="77" name="TextBox 76">
+            <a:extLst>
+              <a:ext uri="{FF2B5EF4-FFF2-40B4-BE49-F238E27FC236}">
+                <a16:creationId xmlns:a16="http://schemas.microsoft.com/office/drawing/2014/main" id="{2C70D413-36F3-5D37-1438-E19556F7360E}"/>
+              </a:ext>
+            </a:extLst>
+          </p:cNvPr>
+          <p:cNvSpPr txBox="1"/>
+          <p:nvPr/>
+        </p:nvSpPr>
+        <p:spPr>
+          <a:xfrm>
+            <a:off x="8224499" y="2132344"/>
+            <a:ext cx="3484495" cy="1092607"/>
+          </a:xfrm>
+          <a:prstGeom prst="rect">
+            <a:avLst/>
+          </a:prstGeom>
+          <a:noFill/>
+        </p:spPr>
+        <p:txBody>
+          <a:bodyPr wrap="square" rtlCol="0">
+            <a:spAutoFit/>
+          </a:bodyPr>
+          <a:lstStyle/>
+          <a:p>
+            <a:pPr algn="ctr"/>
+            <a:r>
+              <a:rPr lang="en-US" sz="900" dirty="0"/>
+              <a:t>Remember</a:t>
+            </a:r>
+            <a:r>
+              <a:rPr lang="en-US" sz="900" b="1" dirty="0"/>
+              <a:t>…</a:t>
+            </a:r>
+            <a:r>
+              <a:rPr lang="en-US" sz="900" dirty="0"/>
+              <a:t> </a:t>
+            </a:r>
+          </a:p>
+          <a:p>
+            <a:pPr algn="ctr"/>
+            <a:r>
+              <a:rPr lang="en-US" sz="900" dirty="0"/>
+              <a:t>The rule says: “No  cars allowed on the path.” </a:t>
+            </a:r>
+          </a:p>
+          <a:p>
+            <a:pPr algn="ctr"/>
+            <a:r>
+              <a:rPr lang="en-US" sz="900" dirty="0"/>
+              <a:t>Purpose</a:t>
+            </a:r>
+            <a:r>
+              <a:rPr lang="en-US" sz="900" b="1" dirty="0"/>
+              <a:t>:</a:t>
+            </a:r>
+            <a:r>
+              <a:rPr lang="en-US" sz="900" dirty="0"/>
+              <a:t> To protect the people who walk on the path.</a:t>
+            </a:r>
+          </a:p>
+          <a:p>
+            <a:pPr algn="ctr"/>
+            <a:br>
+              <a:rPr lang="es-ES" sz="900" dirty="0"/>
+            </a:br>
+            <a:r>
+              <a:rPr lang="en-US" sz="900" b="1" dirty="0"/>
+              <a:t>One day, Sarah rides a motorcycle on the path at 100 kilometers per hour.</a:t>
+            </a:r>
+            <a:br>
+              <a:rPr lang="en-US" sz="900" b="1" dirty="0"/>
+            </a:br>
+            <a:endParaRPr lang="en-US" sz="200" b="1" dirty="0"/>
+          </a:p>
+          <a:p>
+            <a:pPr algn="ctr"/>
+            <a:r>
+              <a:rPr lang="en-US" sz="900" dirty="0"/>
+              <a:t>Did Sarah  obey the new rule?</a:t>
+            </a:r>
+            <a:r>
+              <a:rPr lang="es-ES" sz="900" dirty="0"/>
+              <a:t>’</a:t>
+            </a:r>
+          </a:p>
+        </p:txBody>
+      </p:sp>
+      <p:sp>
+        <p:nvSpPr>
+          <p:cNvPr id="97" name="TextBox 96">
+            <a:extLst>
+              <a:ext uri="{FF2B5EF4-FFF2-40B4-BE49-F238E27FC236}">
+                <a16:creationId xmlns:a16="http://schemas.microsoft.com/office/drawing/2014/main" id="{510C2ED9-31B9-00C4-ED67-BB8CD1C48EF8}"/>
+              </a:ext>
+            </a:extLst>
+          </p:cNvPr>
+          <p:cNvSpPr txBox="1"/>
+          <p:nvPr/>
+        </p:nvSpPr>
+        <p:spPr>
+          <a:xfrm>
+            <a:off x="372140" y="2036916"/>
+            <a:ext cx="3270116" cy="369332"/>
+          </a:xfrm>
+          <a:prstGeom prst="rect">
+            <a:avLst/>
+          </a:prstGeom>
+          <a:noFill/>
+        </p:spPr>
+        <p:txBody>
+          <a:bodyPr wrap="square">
+            <a:spAutoFit/>
+          </a:bodyPr>
+          <a:lstStyle/>
+          <a:p>
+            <a:r>
+              <a:rPr lang="en-US" sz="1800" b="1" noProof="0" dirty="0">
+                <a:solidFill>
+                  <a:schemeClr val="tx1"/>
+                </a:solidFill>
+                <a:latin typeface="Helvetica Neue" panose="02000503000000020004" pitchFamily="2" charset="0"/>
+                <a:ea typeface="Helvetica Neue" panose="02000503000000020004" pitchFamily="2" charset="0"/>
+                <a:cs typeface="Helvetica Neue" panose="02000503000000020004" pitchFamily="2" charset="0"/>
+              </a:rPr>
+              <a:t>1. Rule presentation</a:t>
+            </a:r>
+            <a:endParaRPr lang="en-ES" dirty="0"/>
+          </a:p>
+        </p:txBody>
+      </p:sp>
+      <p:sp>
+        <p:nvSpPr>
+          <p:cNvPr id="98" name="TextBox 97">
+            <a:extLst>
+              <a:ext uri="{FF2B5EF4-FFF2-40B4-BE49-F238E27FC236}">
+                <a16:creationId xmlns:a16="http://schemas.microsoft.com/office/drawing/2014/main" id="{80C76E54-6864-4D59-5309-A5BCA4C1037B}"/>
+              </a:ext>
+            </a:extLst>
+          </p:cNvPr>
+          <p:cNvSpPr txBox="1"/>
+          <p:nvPr/>
+        </p:nvSpPr>
+        <p:spPr>
+          <a:xfrm>
+            <a:off x="4042486" y="1600200"/>
+            <a:ext cx="3905041" cy="369332"/>
+          </a:xfrm>
+          <a:prstGeom prst="rect">
+            <a:avLst/>
+          </a:prstGeom>
+          <a:noFill/>
+        </p:spPr>
+        <p:txBody>
+          <a:bodyPr wrap="square">
+            <a:spAutoFit/>
+          </a:bodyPr>
+          <a:lstStyle/>
+          <a:p>
+            <a:pPr algn="ctr"/>
+            <a:r>
+              <a:rPr lang="en-US" b="1" dirty="0">
+                <a:latin typeface="Helvetica Neue" panose="02000503000000020004" pitchFamily="2" charset="0"/>
+                <a:ea typeface="Helvetica Neue" panose="02000503000000020004" pitchFamily="2" charset="0"/>
+                <a:cs typeface="Helvetica Neue" panose="02000503000000020004" pitchFamily="2" charset="0"/>
+              </a:rPr>
+              <a:t>2</a:t>
+            </a:r>
+            <a:r>
+              <a:rPr lang="en-US" sz="1800" b="1" noProof="0" dirty="0">
+                <a:solidFill>
+                  <a:schemeClr val="tx1"/>
+                </a:solidFill>
+                <a:latin typeface="Helvetica Neue" panose="02000503000000020004" pitchFamily="2" charset="0"/>
+                <a:ea typeface="Helvetica Neue" panose="02000503000000020004" pitchFamily="2" charset="0"/>
+                <a:cs typeface="Helvetica Neue" panose="02000503000000020004" pitchFamily="2" charset="0"/>
+              </a:rPr>
+              <a:t>. Control cases</a:t>
+            </a:r>
+            <a:endParaRPr lang="en-ES" dirty="0"/>
+          </a:p>
+        </p:txBody>
+      </p:sp>
+      <p:sp>
+        <p:nvSpPr>
+          <p:cNvPr id="99" name="TextBox 98">
+            <a:extLst>
+              <a:ext uri="{FF2B5EF4-FFF2-40B4-BE49-F238E27FC236}">
+                <a16:creationId xmlns:a16="http://schemas.microsoft.com/office/drawing/2014/main" id="{A8CDA85C-59C4-FC10-6677-1A91B329251F}"/>
+              </a:ext>
+            </a:extLst>
+          </p:cNvPr>
+          <p:cNvSpPr txBox="1"/>
+          <p:nvPr/>
+        </p:nvSpPr>
+        <p:spPr>
+          <a:xfrm>
+            <a:off x="8224499" y="1616149"/>
+            <a:ext cx="3827470" cy="369332"/>
+          </a:xfrm>
+          <a:prstGeom prst="rect">
+            <a:avLst/>
+          </a:prstGeom>
+          <a:noFill/>
+        </p:spPr>
+        <p:txBody>
+          <a:bodyPr wrap="square">
+            <a:spAutoFit/>
+          </a:bodyPr>
+          <a:lstStyle/>
+          <a:p>
+            <a:pPr algn="ctr"/>
+            <a:r>
+              <a:rPr lang="en-US" sz="1800" b="1" noProof="0" dirty="0">
+                <a:solidFill>
+                  <a:schemeClr val="tx1"/>
+                </a:solidFill>
+                <a:latin typeface="Helvetica Neue" panose="02000503000000020004" pitchFamily="2" charset="0"/>
+                <a:ea typeface="Helvetica Neue" panose="02000503000000020004" pitchFamily="2" charset="0"/>
+                <a:cs typeface="Helvetica Neue" panose="02000503000000020004" pitchFamily="2" charset="0"/>
+              </a:rPr>
+              <a:t>3. Conflict cases</a:t>
+            </a:r>
+            <a:endParaRPr lang="en-ES" dirty="0"/>
+          </a:p>
+        </p:txBody>
+      </p:sp>
+      <p:sp>
+        <p:nvSpPr>
+          <p:cNvPr id="11" name="Rectangle 10">
+            <a:extLst>
+              <a:ext uri="{FF2B5EF4-FFF2-40B4-BE49-F238E27FC236}">
+                <a16:creationId xmlns:a16="http://schemas.microsoft.com/office/drawing/2014/main" id="{6EECD649-ECAF-5E4A-6B4C-130C95203D3C}"/>
+              </a:ext>
+            </a:extLst>
+          </p:cNvPr>
+          <p:cNvSpPr/>
+          <p:nvPr/>
+        </p:nvSpPr>
+        <p:spPr>
+          <a:xfrm>
+            <a:off x="8211666" y="2045863"/>
+            <a:ext cx="3484495" cy="1542094"/>
+          </a:xfrm>
+          <a:prstGeom prst="rect">
+            <a:avLst/>
+          </a:prstGeom>
+          <a:solidFill>
+            <a:srgbClr val="329A85">
+              <a:alpha val="20000"/>
+            </a:srgbClr>
+          </a:solidFill>
+          <a:ln>
+            <a:noFill/>
+          </a:ln>
+        </p:spPr>
+        <p:style>
+          <a:lnRef idx="2">
+            <a:schemeClr val="accent1">
+              <a:shade val="15000"/>
+            </a:schemeClr>
+          </a:lnRef>
+          <a:fillRef idx="1">
+            <a:schemeClr val="accent1"/>
+          </a:fillRef>
+          <a:effectRef idx="0">
+            <a:schemeClr val="accent1"/>
+          </a:effectRef>
+          <a:fontRef idx="minor">
+            <a:schemeClr val="lt1"/>
+          </a:fontRef>
+        </p:style>
+        <p:txBody>
+          <a:bodyPr rtlCol="0" anchor="ctr"/>
+          <a:lstStyle/>
+          <a:p>
+            <a:pPr algn="ctr"/>
+            <a:endParaRPr lang="en-ES"/>
+          </a:p>
+        </p:txBody>
+      </p:sp>
+      <p:sp>
+        <p:nvSpPr>
+          <p:cNvPr id="78" name="Rectangle 77">
+            <a:extLst>
+              <a:ext uri="{FF2B5EF4-FFF2-40B4-BE49-F238E27FC236}">
+                <a16:creationId xmlns:a16="http://schemas.microsoft.com/office/drawing/2014/main" id="{C4231EE1-9D87-D4EF-238D-600EF80C861F}"/>
+              </a:ext>
+            </a:extLst>
+          </p:cNvPr>
+          <p:cNvSpPr/>
+          <p:nvPr/>
+        </p:nvSpPr>
+        <p:spPr>
+          <a:xfrm>
+            <a:off x="8567474" y="3240479"/>
+            <a:ext cx="1300480" cy="261791"/>
+          </a:xfrm>
+          <a:prstGeom prst="rect">
+            <a:avLst/>
+          </a:prstGeom>
+          <a:solidFill>
+            <a:schemeClr val="bg2"/>
+          </a:solidFill>
+          <a:ln>
+            <a:solidFill>
+              <a:schemeClr val="bg1"/>
+            </a:solidFill>
+          </a:ln>
+        </p:spPr>
+        <p:style>
+          <a:lnRef idx="2">
+            <a:schemeClr val="accent1">
+              <a:shade val="15000"/>
+            </a:schemeClr>
+          </a:lnRef>
+          <a:fillRef idx="1">
+            <a:schemeClr val="accent1"/>
+          </a:fillRef>
+          <a:effectRef idx="0">
+            <a:schemeClr val="accent1"/>
+          </a:effectRef>
+          <a:fontRef idx="minor">
+            <a:schemeClr val="lt1"/>
+          </a:fontRef>
+        </p:style>
+        <p:txBody>
+          <a:bodyPr rtlCol="0" anchor="ctr"/>
+          <a:lstStyle/>
+          <a:p>
+            <a:pPr algn="ctr"/>
+            <a:endParaRPr lang="es-ES"/>
+          </a:p>
+        </p:txBody>
+      </p:sp>
+      <p:sp>
+        <p:nvSpPr>
+          <p:cNvPr id="79" name="Rectangle 78">
+            <a:extLst>
+              <a:ext uri="{FF2B5EF4-FFF2-40B4-BE49-F238E27FC236}">
+                <a16:creationId xmlns:a16="http://schemas.microsoft.com/office/drawing/2014/main" id="{B425A098-366A-AC22-FA89-E429025E2C25}"/>
+              </a:ext>
+            </a:extLst>
+          </p:cNvPr>
+          <p:cNvSpPr/>
+          <p:nvPr/>
+        </p:nvSpPr>
+        <p:spPr>
+          <a:xfrm>
+            <a:off x="9989874" y="3244224"/>
+            <a:ext cx="1300480" cy="258046"/>
+          </a:xfrm>
+          <a:prstGeom prst="rect">
+            <a:avLst/>
+          </a:prstGeom>
+          <a:solidFill>
+            <a:schemeClr val="bg2"/>
+          </a:solidFill>
+          <a:ln>
+            <a:solidFill>
+              <a:schemeClr val="bg1"/>
+            </a:solidFill>
+          </a:ln>
+        </p:spPr>
+        <p:style>
+          <a:lnRef idx="2">
+            <a:schemeClr val="accent1">
+              <a:shade val="15000"/>
+            </a:schemeClr>
+          </a:lnRef>
+          <a:fillRef idx="1">
+            <a:schemeClr val="accent1"/>
+          </a:fillRef>
+          <a:effectRef idx="0">
+            <a:schemeClr val="accent1"/>
+          </a:effectRef>
+          <a:fontRef idx="minor">
+            <a:schemeClr val="lt1"/>
+          </a:fontRef>
+        </p:style>
+        <p:txBody>
+          <a:bodyPr rtlCol="0" anchor="ctr"/>
+          <a:lstStyle/>
+          <a:p>
+            <a:pPr algn="ctr"/>
+            <a:endParaRPr lang="es-ES"/>
+          </a:p>
+        </p:txBody>
+      </p:sp>
+      <p:sp>
+        <p:nvSpPr>
+          <p:cNvPr id="80" name="Oval 79">
+            <a:extLst>
+              <a:ext uri="{FF2B5EF4-FFF2-40B4-BE49-F238E27FC236}">
+                <a16:creationId xmlns:a16="http://schemas.microsoft.com/office/drawing/2014/main" id="{6367F848-E842-7101-7647-8005BD476DA5}"/>
+              </a:ext>
+            </a:extLst>
+          </p:cNvPr>
+          <p:cNvSpPr/>
+          <p:nvPr/>
+        </p:nvSpPr>
+        <p:spPr>
+          <a:xfrm>
+            <a:off x="9180078" y="3398340"/>
+            <a:ext cx="72205" cy="70311"/>
+          </a:xfrm>
+          <a:prstGeom prst="ellipse">
+            <a:avLst/>
+          </a:prstGeom>
+          <a:solidFill>
+            <a:schemeClr val="bg2"/>
+          </a:solidFill>
+          <a:ln w="6350"/>
+        </p:spPr>
+        <p:style>
+          <a:lnRef idx="2">
+            <a:schemeClr val="dk1"/>
+          </a:lnRef>
+          <a:fillRef idx="1">
+            <a:schemeClr val="lt1"/>
+          </a:fillRef>
+          <a:effectRef idx="0">
+            <a:schemeClr val="dk1"/>
+          </a:effectRef>
+          <a:fontRef idx="minor">
+            <a:schemeClr val="dk1"/>
+          </a:fontRef>
+        </p:style>
+        <p:txBody>
+          <a:bodyPr rtlCol="0" anchor="ctr"/>
+          <a:lstStyle/>
+          <a:p>
+            <a:pPr algn="ctr"/>
+            <a:endParaRPr lang="es-ES"/>
+          </a:p>
+        </p:txBody>
+      </p:sp>
+      <p:sp>
+        <p:nvSpPr>
+          <p:cNvPr id="81" name="TextBox 80">
+            <a:extLst>
+              <a:ext uri="{FF2B5EF4-FFF2-40B4-BE49-F238E27FC236}">
+                <a16:creationId xmlns:a16="http://schemas.microsoft.com/office/drawing/2014/main" id="{2F8B5A79-A105-5F4E-0831-F4D4ED84D5EB}"/>
+              </a:ext>
+            </a:extLst>
+          </p:cNvPr>
+          <p:cNvSpPr txBox="1"/>
+          <p:nvPr/>
+        </p:nvSpPr>
+        <p:spPr>
+          <a:xfrm>
+            <a:off x="9040413" y="3233158"/>
+            <a:ext cx="356839" cy="184666"/>
+          </a:xfrm>
+          <a:prstGeom prst="rect">
+            <a:avLst/>
+          </a:prstGeom>
+          <a:noFill/>
+        </p:spPr>
+        <p:txBody>
+          <a:bodyPr wrap="square" rtlCol="0">
+            <a:spAutoFit/>
+          </a:bodyPr>
+          <a:lstStyle/>
+          <a:p>
+            <a:pPr algn="ctr"/>
+            <a:r>
+              <a:rPr lang="es-ES" sz="600" b="1" dirty="0"/>
+              <a:t>YES</a:t>
+            </a:r>
+          </a:p>
+        </p:txBody>
+      </p:sp>
+      <p:sp>
+        <p:nvSpPr>
+          <p:cNvPr id="82" name="Oval 81">
+            <a:extLst>
+              <a:ext uri="{FF2B5EF4-FFF2-40B4-BE49-F238E27FC236}">
+                <a16:creationId xmlns:a16="http://schemas.microsoft.com/office/drawing/2014/main" id="{BC905D0F-2FF9-EF05-C046-5EF75000B46F}"/>
+              </a:ext>
+            </a:extLst>
+          </p:cNvPr>
+          <p:cNvSpPr/>
+          <p:nvPr/>
+        </p:nvSpPr>
+        <p:spPr>
+          <a:xfrm>
+            <a:off x="10604011" y="3398340"/>
+            <a:ext cx="72205" cy="70311"/>
+          </a:xfrm>
+          <a:prstGeom prst="ellipse">
+            <a:avLst/>
+          </a:prstGeom>
+          <a:solidFill>
+            <a:schemeClr val="bg2"/>
+          </a:solidFill>
+          <a:ln w="6350"/>
+        </p:spPr>
+        <p:style>
+          <a:lnRef idx="2">
+            <a:schemeClr val="dk1"/>
+          </a:lnRef>
+          <a:fillRef idx="1">
+            <a:schemeClr val="lt1"/>
+          </a:fillRef>
+          <a:effectRef idx="0">
+            <a:schemeClr val="dk1"/>
+          </a:effectRef>
+          <a:fontRef idx="minor">
+            <a:schemeClr val="dk1"/>
+          </a:fontRef>
+        </p:style>
+        <p:txBody>
+          <a:bodyPr rtlCol="0" anchor="ctr"/>
+          <a:lstStyle/>
+          <a:p>
+            <a:pPr algn="ctr"/>
+            <a:endParaRPr lang="es-ES"/>
+          </a:p>
+        </p:txBody>
+      </p:sp>
+      <p:sp>
+        <p:nvSpPr>
+          <p:cNvPr id="83" name="Rectangle: Rounded Corners 51">
+            <a:extLst>
+              <a:ext uri="{FF2B5EF4-FFF2-40B4-BE49-F238E27FC236}">
+                <a16:creationId xmlns:a16="http://schemas.microsoft.com/office/drawing/2014/main" id="{D9D84517-C22E-8D62-8E60-A54C2371EF24}"/>
+              </a:ext>
+            </a:extLst>
+          </p:cNvPr>
+          <p:cNvSpPr/>
+          <p:nvPr/>
+        </p:nvSpPr>
+        <p:spPr>
+          <a:xfrm>
+            <a:off x="11396569" y="3361086"/>
+            <a:ext cx="282758" cy="175673"/>
+          </a:xfrm>
+          <a:prstGeom prst="roundRect">
+            <a:avLst/>
+          </a:prstGeom>
+          <a:solidFill>
+            <a:schemeClr val="bg1">
+              <a:lumMod val="75000"/>
+            </a:schemeClr>
+          </a:solidFill>
+        </p:spPr>
+        <p:style>
+          <a:lnRef idx="3">
+            <a:schemeClr val="lt1"/>
+          </a:lnRef>
+          <a:fillRef idx="1">
+            <a:schemeClr val="accent4"/>
+          </a:fillRef>
+          <a:effectRef idx="1">
+            <a:schemeClr val="accent4"/>
+          </a:effectRef>
+          <a:fontRef idx="minor">
+            <a:schemeClr val="lt1"/>
+          </a:fontRef>
+        </p:style>
+        <p:txBody>
+          <a:bodyPr rtlCol="0" anchor="ctr"/>
+          <a:lstStyle/>
+          <a:p>
+            <a:pPr algn="ctr"/>
+            <a:endParaRPr lang="es-ES"/>
+          </a:p>
+        </p:txBody>
+      </p:sp>
+      <p:cxnSp>
+        <p:nvCxnSpPr>
+          <p:cNvPr id="84" name="Straight Arrow Connector 83">
+            <a:extLst>
+              <a:ext uri="{FF2B5EF4-FFF2-40B4-BE49-F238E27FC236}">
+                <a16:creationId xmlns:a16="http://schemas.microsoft.com/office/drawing/2014/main" id="{285A822E-97E1-D612-3156-2250F971254D}"/>
+              </a:ext>
+            </a:extLst>
+          </p:cNvPr>
+          <p:cNvCxnSpPr>
+            <a:cxnSpLocks/>
+          </p:cNvCxnSpPr>
+          <p:nvPr/>
+        </p:nvCxnSpPr>
+        <p:spPr>
+          <a:xfrm>
+            <a:off x="11456308" y="3439972"/>
+            <a:ext cx="163280" cy="0"/>
+          </a:xfrm>
+          <a:prstGeom prst="straightConnector1">
+            <a:avLst/>
+          </a:prstGeom>
+          <a:ln>
+            <a:solidFill>
+              <a:schemeClr val="bg1"/>
+            </a:solidFill>
+            <a:tailEnd type="triangle"/>
+          </a:ln>
+        </p:spPr>
+        <p:style>
+          <a:lnRef idx="2">
+            <a:schemeClr val="accent1"/>
+          </a:lnRef>
+          <a:fillRef idx="0">
+            <a:schemeClr val="accent1"/>
+          </a:fillRef>
+          <a:effectRef idx="1">
+            <a:schemeClr val="accent1"/>
+          </a:effectRef>
+          <a:fontRef idx="minor">
+            <a:schemeClr val="tx1"/>
+          </a:fontRef>
+        </p:style>
+      </p:cxnSp>
+      <p:sp>
+        <p:nvSpPr>
+          <p:cNvPr id="85" name="TextBox 84">
+            <a:extLst>
+              <a:ext uri="{FF2B5EF4-FFF2-40B4-BE49-F238E27FC236}">
+                <a16:creationId xmlns:a16="http://schemas.microsoft.com/office/drawing/2014/main" id="{FE1F4BAD-4BC0-0173-D79E-782D593918CC}"/>
+              </a:ext>
+            </a:extLst>
+          </p:cNvPr>
+          <p:cNvSpPr txBox="1"/>
+          <p:nvPr/>
+        </p:nvSpPr>
+        <p:spPr>
+          <a:xfrm>
+            <a:off x="10461693" y="3234133"/>
+            <a:ext cx="356839" cy="184666"/>
+          </a:xfrm>
+          <a:prstGeom prst="rect">
+            <a:avLst/>
+          </a:prstGeom>
+          <a:noFill/>
+        </p:spPr>
+        <p:txBody>
+          <a:bodyPr wrap="square" rtlCol="0">
+            <a:spAutoFit/>
+          </a:bodyPr>
+          <a:lstStyle/>
+          <a:p>
+            <a:pPr algn="ctr"/>
+            <a:r>
+              <a:rPr lang="es-ES" sz="600" b="1" dirty="0"/>
+              <a:t>NO</a:t>
+            </a:r>
+          </a:p>
+        </p:txBody>
+      </p:sp>
+    </p:spTree>
+    <p:extLst>
+      <p:ext uri="{BB962C8B-B14F-4D97-AF65-F5344CB8AC3E}">
+        <p14:creationId xmlns:p14="http://schemas.microsoft.com/office/powerpoint/2010/main" val="3049783578"/>
+      </p:ext>
+    </p:extLst>
+  </p:cSld>
+  <p:clrMapOvr>
+    <a:masterClrMapping/>
+  </p:clrMapOvr>
+</p:sld>
+</file>
+
+<file path=ppt/slides/slide5.xml><?xml version="1.0" encoding="utf-8"?>
+<p:sld xmlns:a="http://schemas.openxmlformats.org/drawingml/2006/main" xmlns:r="http://schemas.openxmlformats.org/officeDocument/2006/relationships" xmlns:p="http://schemas.openxmlformats.org/presentationml/2006/main">
+  <p:cSld>
+    <p:spTree>
+      <p:nvGrpSpPr>
+        <p:cNvPr id="1" name=""/>
+        <p:cNvGrpSpPr/>
+        <p:nvPr/>
+      </p:nvGrpSpPr>
+      <p:grpSpPr>
+        <a:xfrm>
+          <a:off x="0" y="0"/>
+          <a:ext cx="0" cy="0"/>
+          <a:chOff x="0" y="0"/>
+          <a:chExt cx="0" cy="0"/>
+        </a:xfrm>
+      </p:grpSpPr>
+      <p:graphicFrame>
+        <p:nvGraphicFramePr>
+          <p:cNvPr id="4" name="Table 3">
+            <a:extLst>
+              <a:ext uri="{FF2B5EF4-FFF2-40B4-BE49-F238E27FC236}">
+                <a16:creationId xmlns:a16="http://schemas.microsoft.com/office/drawing/2014/main" id="{78FF088E-9ECA-5DF7-3C75-360EC95B2A0D}"/>
+              </a:ext>
+            </a:extLst>
+          </p:cNvPr>
+          <p:cNvGraphicFramePr>
+            <a:graphicFrameLocks noGrp="1"/>
+          </p:cNvGraphicFramePr>
+          <p:nvPr>
+            <p:extLst>
+              <p:ext uri="{D42A27DB-BD31-4B8C-83A1-F6EECF244321}">
+                <p14:modId xmlns:p14="http://schemas.microsoft.com/office/powerpoint/2010/main" val="181054658"/>
+              </p:ext>
+            </p:extLst>
+          </p:nvPr>
+        </p:nvGraphicFramePr>
+        <p:xfrm>
+          <a:off x="366486" y="1225851"/>
+          <a:ext cx="11422743" cy="3318154"/>
+        </p:xfrm>
+        <a:graphic>
+          <a:graphicData uri="http://schemas.openxmlformats.org/drawingml/2006/table">
+            <a:tbl>
+              <a:tblPr firstRow="1" bandRow="1">
+                <a:tableStyleId>{5C22544A-7EE6-4342-B048-85BDC9FD1C3A}</a:tableStyleId>
+              </a:tblPr>
+              <a:tblGrid>
+                <a:gridCol w="3807581">
+                  <a:extLst>
+                    <a:ext uri="{9D8B030D-6E8A-4147-A177-3AD203B41FA5}">
+                      <a16:colId xmlns:a16="http://schemas.microsoft.com/office/drawing/2014/main" val="1221471381"/>
+                    </a:ext>
+                  </a:extLst>
+                </a:gridCol>
+                <a:gridCol w="3807581">
+                  <a:extLst>
+                    <a:ext uri="{9D8B030D-6E8A-4147-A177-3AD203B41FA5}">
+                      <a16:colId xmlns:a16="http://schemas.microsoft.com/office/drawing/2014/main" val="2919098184"/>
+                    </a:ext>
+                  </a:extLst>
+                </a:gridCol>
+                <a:gridCol w="3807581">
+                  <a:extLst>
+                    <a:ext uri="{9D8B030D-6E8A-4147-A177-3AD203B41FA5}">
+                      <a16:colId xmlns:a16="http://schemas.microsoft.com/office/drawing/2014/main" val="1119549726"/>
+                    </a:ext>
+                  </a:extLst>
+                </a:gridCol>
+              </a:tblGrid>
+              <a:tr h="720000">
+                <a:tc>
+                  <a:txBody>
+                    <a:bodyPr/>
+                    <a:lstStyle/>
+                    <a:p>
+                      <a:pPr marL="0" marR="0" lvl="0" indent="0" algn="ctr" defTabSz="914400" rtl="0" eaLnBrk="1" fontAlgn="auto" latinLnBrk="0" hangingPunct="1">
+                        <a:lnSpc>
+                          <a:spcPct val="100000"/>
+                        </a:lnSpc>
+                        <a:spcBef>
+                          <a:spcPts val="0"/>
+                        </a:spcBef>
+                        <a:spcAft>
+                          <a:spcPts val="0"/>
+                        </a:spcAft>
+                        <a:buClrTx/>
+                        <a:buSzTx/>
+                        <a:buFontTx/>
+                        <a:buNone/>
+                        <a:tabLst/>
+                        <a:defRPr/>
+                      </a:pPr>
+                      <a:r>
+                        <a:rPr lang="en-US" sz="1800" b="0" noProof="0" dirty="0">
+                          <a:solidFill>
+                            <a:schemeClr val="tx1"/>
+                          </a:solidFill>
+                          <a:latin typeface="Helvetica Neue" panose="02000503000000020004" pitchFamily="2" charset="0"/>
+                          <a:ea typeface="Helvetica Neue" panose="02000503000000020004" pitchFamily="2" charset="0"/>
+                          <a:cs typeface="Helvetica Neue" panose="02000503000000020004" pitchFamily="2" charset="0"/>
+                        </a:rPr>
+                        <a:t>1. Rule presentation</a:t>
+                      </a:r>
+                      <a:endParaRPr lang="en-ES" b="0" dirty="0"/>
+                    </a:p>
+                  </a:txBody>
+                  <a:tcPr anchor="b">
+                    <a:lnL w="12700" cap="flat" cmpd="sng" algn="ctr">
+                      <a:noFill/>
+                      <a:prstDash val="solid"/>
+                      <a:round/>
+                      <a:headEnd type="none" w="med" len="med"/>
+                      <a:tailEnd type="none" w="med" len="med"/>
+                    </a:lnL>
+                    <a:lnR w="12700" cap="flat" cmpd="sng" algn="ctr">
+                      <a:noFill/>
+                      <a:prstDash val="solid"/>
+                      <a:round/>
+                      <a:headEnd type="none" w="med" len="med"/>
+                      <a:tailEnd type="none" w="med" len="med"/>
+                    </a:lnR>
+                    <a:lnT w="12700" cap="flat" cmpd="sng" algn="ctr">
+                      <a:noFill/>
+                      <a:prstDash val="solid"/>
+                      <a:round/>
+                      <a:headEnd type="none" w="med" len="med"/>
+                      <a:tailEnd type="none" w="med" len="med"/>
+                    </a:lnT>
+                    <a:lnB w="12700" cap="flat" cmpd="sng" algn="ctr">
+                      <a:noFill/>
+                      <a:prstDash val="solid"/>
+                      <a:round/>
+                      <a:headEnd type="none" w="med" len="med"/>
+                      <a:tailEnd type="none" w="med" len="med"/>
+                    </a:lnB>
+                    <a:lnTlToBr w="12700" cmpd="sng">
+                      <a:noFill/>
+                      <a:prstDash val="solid"/>
+                    </a:lnTlToBr>
+                    <a:lnBlToTr w="12700" cmpd="sng">
+                      <a:noFill/>
+                      <a:prstDash val="solid"/>
+                    </a:lnBlToTr>
+                    <a:noFill/>
+                  </a:tcPr>
+                </a:tc>
+                <a:tc>
+                  <a:txBody>
+                    <a:bodyPr/>
+                    <a:lstStyle/>
+                    <a:p>
+                      <a:pPr marL="0" marR="0" lvl="0" indent="0" algn="ctr" defTabSz="914400" rtl="0" eaLnBrk="1" fontAlgn="auto" latinLnBrk="0" hangingPunct="1">
+                        <a:lnSpc>
+                          <a:spcPct val="100000"/>
+                        </a:lnSpc>
+                        <a:spcBef>
+                          <a:spcPts val="0"/>
+                        </a:spcBef>
+                        <a:spcAft>
+                          <a:spcPts val="0"/>
+                        </a:spcAft>
+                        <a:buClrTx/>
+                        <a:buSzTx/>
+                        <a:buFontTx/>
+                        <a:buNone/>
+                        <a:tabLst/>
+                        <a:defRPr/>
+                      </a:pPr>
+                      <a:r>
+                        <a:rPr lang="en-US" sz="1800" b="0" noProof="0" dirty="0">
+                          <a:solidFill>
+                            <a:schemeClr val="tx1"/>
+                          </a:solidFill>
+                          <a:latin typeface="Helvetica Neue" panose="02000503000000020004" pitchFamily="2" charset="0"/>
+                          <a:ea typeface="Helvetica Neue" panose="02000503000000020004" pitchFamily="2" charset="0"/>
+                          <a:cs typeface="Helvetica Neue" panose="02000503000000020004" pitchFamily="2" charset="0"/>
+                        </a:rPr>
+                        <a:t>2. Control cases</a:t>
+                      </a:r>
+                      <a:endParaRPr lang="en-ES" b="0" dirty="0"/>
+                    </a:p>
+                  </a:txBody>
+                  <a:tcPr anchor="b">
+                    <a:lnL w="12700" cap="flat" cmpd="sng" algn="ctr">
+                      <a:noFill/>
+                      <a:prstDash val="solid"/>
+                      <a:round/>
+                      <a:headEnd type="none" w="med" len="med"/>
+                      <a:tailEnd type="none" w="med" len="med"/>
+                    </a:lnL>
+                    <a:lnR w="12700" cap="flat" cmpd="sng" algn="ctr">
+                      <a:noFill/>
+                      <a:prstDash val="solid"/>
+                      <a:round/>
+                      <a:headEnd type="none" w="med" len="med"/>
+                      <a:tailEnd type="none" w="med" len="med"/>
+                    </a:lnR>
+                    <a:lnT w="12700" cap="flat" cmpd="sng" algn="ctr">
+                      <a:noFill/>
+                      <a:prstDash val="solid"/>
+                      <a:round/>
+                      <a:headEnd type="none" w="med" len="med"/>
+                      <a:tailEnd type="none" w="med" len="med"/>
+                    </a:lnT>
+                    <a:lnB w="12700" cap="flat" cmpd="sng" algn="ctr">
+                      <a:noFill/>
+                      <a:prstDash val="solid"/>
+                      <a:round/>
+                      <a:headEnd type="none" w="med" len="med"/>
+                      <a:tailEnd type="none" w="med" len="med"/>
+                    </a:lnB>
+                    <a:lnTlToBr w="12700" cmpd="sng">
+                      <a:noFill/>
+                      <a:prstDash val="solid"/>
+                    </a:lnTlToBr>
+                    <a:lnBlToTr w="12700" cmpd="sng">
+                      <a:noFill/>
+                      <a:prstDash val="solid"/>
+                    </a:lnBlToTr>
+                    <a:noFill/>
+                  </a:tcPr>
+                </a:tc>
+                <a:tc>
+                  <a:txBody>
+                    <a:bodyPr/>
+                    <a:lstStyle/>
+                    <a:p>
+                      <a:pPr marL="0" marR="0" lvl="0" indent="0" algn="ctr" defTabSz="914400" rtl="0" eaLnBrk="1" fontAlgn="auto" latinLnBrk="0" hangingPunct="1">
+                        <a:lnSpc>
+                          <a:spcPct val="100000"/>
+                        </a:lnSpc>
+                        <a:spcBef>
+                          <a:spcPts val="0"/>
+                        </a:spcBef>
+                        <a:spcAft>
+                          <a:spcPts val="0"/>
+                        </a:spcAft>
+                        <a:buClrTx/>
+                        <a:buSzTx/>
+                        <a:buFontTx/>
+                        <a:buNone/>
+                        <a:tabLst/>
+                        <a:defRPr/>
+                      </a:pPr>
+                      <a:r>
+                        <a:rPr lang="en-US" sz="1800" b="0" noProof="0" dirty="0">
+                          <a:solidFill>
+                            <a:schemeClr val="tx1"/>
+                          </a:solidFill>
+                          <a:latin typeface="Helvetica Neue" panose="02000503000000020004" pitchFamily="2" charset="0"/>
+                          <a:ea typeface="Helvetica Neue" panose="02000503000000020004" pitchFamily="2" charset="0"/>
+                          <a:cs typeface="Helvetica Neue" panose="02000503000000020004" pitchFamily="2" charset="0"/>
+                        </a:rPr>
+                        <a:t>3. Conflict cases</a:t>
+                      </a:r>
+                      <a:endParaRPr lang="en-ES" b="0" dirty="0"/>
+                    </a:p>
+                  </a:txBody>
+                  <a:tcPr anchor="b">
+                    <a:lnL w="12700" cap="flat" cmpd="sng" algn="ctr">
+                      <a:noFill/>
+                      <a:prstDash val="solid"/>
+                      <a:round/>
+                      <a:headEnd type="none" w="med" len="med"/>
+                      <a:tailEnd type="none" w="med" len="med"/>
+                    </a:lnL>
+                    <a:lnR w="12700" cap="flat" cmpd="sng" algn="ctr">
+                      <a:noFill/>
+                      <a:prstDash val="solid"/>
+                      <a:round/>
+                      <a:headEnd type="none" w="med" len="med"/>
+                      <a:tailEnd type="none" w="med" len="med"/>
+                    </a:lnR>
+                    <a:lnT w="12700" cap="flat" cmpd="sng" algn="ctr">
+                      <a:noFill/>
+                      <a:prstDash val="solid"/>
+                      <a:round/>
+                      <a:headEnd type="none" w="med" len="med"/>
+                      <a:tailEnd type="none" w="med" len="med"/>
+                    </a:lnT>
+                    <a:lnB w="12700" cap="flat" cmpd="sng" algn="ctr">
+                      <a:noFill/>
+                      <a:prstDash val="solid"/>
+                      <a:round/>
+                      <a:headEnd type="none" w="med" len="med"/>
+                      <a:tailEnd type="none" w="med" len="med"/>
+                    </a:lnB>
+                    <a:lnTlToBr w="12700" cmpd="sng">
+                      <a:noFill/>
+                      <a:prstDash val="solid"/>
+                    </a:lnTlToBr>
+                    <a:lnBlToTr w="12700" cmpd="sng">
+                      <a:noFill/>
+                      <a:prstDash val="solid"/>
+                    </a:lnBlToTr>
+                    <a:noFill/>
+                  </a:tcPr>
+                </a:tc>
+                <a:extLst>
+                  <a:ext uri="{0D108BD9-81ED-4DB2-BD59-A6C34878D82A}">
+                    <a16:rowId xmlns:a16="http://schemas.microsoft.com/office/drawing/2014/main" val="3734745656"/>
+                  </a:ext>
+                </a:extLst>
+              </a:tr>
+              <a:tr h="2598154">
+                <a:tc>
+                  <a:txBody>
+                    <a:bodyPr/>
+                    <a:lstStyle/>
+                    <a:p>
+                      <a:endParaRPr lang="en-ES" dirty="0"/>
+                    </a:p>
+                  </a:txBody>
+                  <a:tcPr>
+                    <a:lnL w="12700" cap="flat" cmpd="sng" algn="ctr">
+                      <a:noFill/>
+                      <a:prstDash val="solid"/>
+                      <a:round/>
+                      <a:headEnd type="none" w="med" len="med"/>
+                      <a:tailEnd type="none" w="med" len="med"/>
+                    </a:lnL>
+                    <a:lnR w="12700" cap="flat" cmpd="sng" algn="ctr">
+                      <a:noFill/>
+                      <a:prstDash val="solid"/>
+                      <a:round/>
+                      <a:headEnd type="none" w="med" len="med"/>
+                      <a:tailEnd type="none" w="med" len="med"/>
+                    </a:lnR>
+                    <a:lnT w="12700" cap="flat" cmpd="sng" algn="ctr">
+                      <a:noFill/>
+                      <a:prstDash val="solid"/>
+                      <a:round/>
+                      <a:headEnd type="none" w="med" len="med"/>
+                      <a:tailEnd type="none" w="med" len="med"/>
+                    </a:lnT>
+                    <a:lnB w="12700" cap="flat" cmpd="sng" algn="ctr">
+                      <a:noFill/>
+                      <a:prstDash val="solid"/>
+                      <a:round/>
+                      <a:headEnd type="none" w="med" len="med"/>
+                      <a:tailEnd type="none" w="med" len="med"/>
+                    </a:lnB>
+                    <a:lnTlToBr w="12700" cmpd="sng">
+                      <a:noFill/>
+                      <a:prstDash val="solid"/>
+                    </a:lnTlToBr>
+                    <a:lnBlToTr w="12700" cmpd="sng">
+                      <a:noFill/>
+                      <a:prstDash val="solid"/>
+                    </a:lnBlToTr>
+                    <a:noFill/>
+                  </a:tcPr>
+                </a:tc>
+                <a:tc>
+                  <a:txBody>
+                    <a:bodyPr/>
+                    <a:lstStyle/>
+                    <a:p>
+                      <a:endParaRPr lang="en-ES" dirty="0"/>
+                    </a:p>
+                  </a:txBody>
+                  <a:tcPr>
+                    <a:lnL w="12700" cap="flat" cmpd="sng" algn="ctr">
+                      <a:noFill/>
+                      <a:prstDash val="solid"/>
+                      <a:round/>
+                      <a:headEnd type="none" w="med" len="med"/>
+                      <a:tailEnd type="none" w="med" len="med"/>
+                    </a:lnL>
+                    <a:lnR w="12700" cap="flat" cmpd="sng" algn="ctr">
+                      <a:noFill/>
+                      <a:prstDash val="solid"/>
+                      <a:round/>
+                      <a:headEnd type="none" w="med" len="med"/>
+                      <a:tailEnd type="none" w="med" len="med"/>
+                    </a:lnR>
+                    <a:lnT w="12700" cap="flat" cmpd="sng" algn="ctr">
+                      <a:noFill/>
+                      <a:prstDash val="solid"/>
+                      <a:round/>
+                      <a:headEnd type="none" w="med" len="med"/>
+                      <a:tailEnd type="none" w="med" len="med"/>
+                    </a:lnT>
+                    <a:lnB w="12700" cap="flat" cmpd="sng" algn="ctr">
+                      <a:noFill/>
+                      <a:prstDash val="solid"/>
+                      <a:round/>
+                      <a:headEnd type="none" w="med" len="med"/>
+                      <a:tailEnd type="none" w="med" len="med"/>
+                    </a:lnB>
+                    <a:lnTlToBr w="12700" cmpd="sng">
+                      <a:noFill/>
+                      <a:prstDash val="solid"/>
+                    </a:lnTlToBr>
+                    <a:lnBlToTr w="12700" cmpd="sng">
+                      <a:noFill/>
+                      <a:prstDash val="solid"/>
+                    </a:lnBlToTr>
+                    <a:noFill/>
+                  </a:tcPr>
+                </a:tc>
+                <a:tc>
+                  <a:txBody>
+                    <a:bodyPr/>
+                    <a:lstStyle/>
+                    <a:p>
+                      <a:endParaRPr lang="en-ES" dirty="0"/>
+                    </a:p>
+                  </a:txBody>
+                  <a:tcPr>
+                    <a:lnL w="12700" cap="flat" cmpd="sng" algn="ctr">
+                      <a:noFill/>
+                      <a:prstDash val="solid"/>
+                      <a:round/>
+                      <a:headEnd type="none" w="med" len="med"/>
+                      <a:tailEnd type="none" w="med" len="med"/>
+                    </a:lnL>
+                    <a:lnR w="12700" cap="flat" cmpd="sng" algn="ctr">
+                      <a:noFill/>
+                      <a:prstDash val="solid"/>
+                      <a:round/>
+                      <a:headEnd type="none" w="med" len="med"/>
+                      <a:tailEnd type="none" w="med" len="med"/>
+                    </a:lnR>
+                    <a:lnT w="12700" cap="flat" cmpd="sng" algn="ctr">
+                      <a:noFill/>
+                      <a:prstDash val="solid"/>
+                      <a:round/>
+                      <a:headEnd type="none" w="med" len="med"/>
+                      <a:tailEnd type="none" w="med" len="med"/>
+                    </a:lnT>
+                    <a:lnB w="12700" cap="flat" cmpd="sng" algn="ctr">
+                      <a:noFill/>
+                      <a:prstDash val="solid"/>
+                      <a:round/>
+                      <a:headEnd type="none" w="med" len="med"/>
+                      <a:tailEnd type="none" w="med" len="med"/>
+                    </a:lnB>
+                    <a:lnTlToBr w="12700" cmpd="sng">
+                      <a:noFill/>
+                      <a:prstDash val="solid"/>
+                    </a:lnTlToBr>
+                    <a:lnBlToTr w="12700" cmpd="sng">
+                      <a:noFill/>
+                      <a:prstDash val="solid"/>
+                    </a:lnBlToTr>
+                    <a:noFill/>
+                  </a:tcPr>
+                </a:tc>
+                <a:extLst>
+                  <a:ext uri="{0D108BD9-81ED-4DB2-BD59-A6C34878D82A}">
+                    <a16:rowId xmlns:a16="http://schemas.microsoft.com/office/drawing/2014/main" val="2800493652"/>
+                  </a:ext>
+                </a:extLst>
+              </a:tr>
+            </a:tbl>
+          </a:graphicData>
+        </a:graphic>
+      </p:graphicFrame>
+      <p:pic>
+        <p:nvPicPr>
+          <p:cNvPr id="10" name="Picture 9">
+            <a:extLst>
+              <a:ext uri="{FF2B5EF4-FFF2-40B4-BE49-F238E27FC236}">
+                <a16:creationId xmlns:a16="http://schemas.microsoft.com/office/drawing/2014/main" id="{090A762E-230B-C8DF-8D49-D18EC04DD134}"/>
+              </a:ext>
+            </a:extLst>
+          </p:cNvPr>
+          <p:cNvPicPr>
+            <a:picLocks noChangeAspect="1"/>
+          </p:cNvPicPr>
+          <p:nvPr/>
+        </p:nvPicPr>
+        <p:blipFill>
+          <a:blip r:embed="rId2"/>
+          <a:stretch>
+            <a:fillRect/>
+          </a:stretch>
+        </p:blipFill>
+        <p:spPr>
+          <a:xfrm>
+            <a:off x="671944" y="2256832"/>
+            <a:ext cx="3289300" cy="1930400"/>
+          </a:xfrm>
+          <a:prstGeom prst="rect">
+            <a:avLst/>
+          </a:prstGeom>
+        </p:spPr>
+      </p:pic>
+      <p:pic>
+        <p:nvPicPr>
+          <p:cNvPr id="31" name="Picture 30">
+            <a:extLst>
+              <a:ext uri="{FF2B5EF4-FFF2-40B4-BE49-F238E27FC236}">
+                <a16:creationId xmlns:a16="http://schemas.microsoft.com/office/drawing/2014/main" id="{B058C20D-4604-9577-A7CE-2E7327355E1B}"/>
+              </a:ext>
+            </a:extLst>
+          </p:cNvPr>
+          <p:cNvPicPr>
+            <a:picLocks noChangeAspect="1"/>
+          </p:cNvPicPr>
+          <p:nvPr/>
+        </p:nvPicPr>
+        <p:blipFill>
+          <a:blip r:embed="rId3"/>
+          <a:stretch>
+            <a:fillRect/>
+          </a:stretch>
+        </p:blipFill>
+        <p:spPr>
+          <a:xfrm>
+            <a:off x="4266702" y="2023962"/>
+            <a:ext cx="3600000" cy="2396142"/>
+          </a:xfrm>
+          <a:prstGeom prst="rect">
+            <a:avLst/>
+          </a:prstGeom>
+        </p:spPr>
+      </p:pic>
+      <p:pic>
+        <p:nvPicPr>
+          <p:cNvPr id="54" name="Picture 53">
+            <a:extLst>
+              <a:ext uri="{FF2B5EF4-FFF2-40B4-BE49-F238E27FC236}">
+                <a16:creationId xmlns:a16="http://schemas.microsoft.com/office/drawing/2014/main" id="{01735A2B-EA96-499A-5641-CA66B5EC9038}"/>
+              </a:ext>
+            </a:extLst>
+          </p:cNvPr>
+          <p:cNvPicPr>
+            <a:picLocks noChangeAspect="1"/>
+          </p:cNvPicPr>
+          <p:nvPr/>
+        </p:nvPicPr>
+        <p:blipFill>
+          <a:blip r:embed="rId4"/>
+          <a:stretch>
+            <a:fillRect/>
+          </a:stretch>
+        </p:blipFill>
+        <p:spPr>
+          <a:xfrm>
+            <a:off x="8097468" y="2000393"/>
+            <a:ext cx="3600000" cy="2443279"/>
+          </a:xfrm>
+          <a:prstGeom prst="rect">
+            <a:avLst/>
+          </a:prstGeom>
+        </p:spPr>
+      </p:pic>
+      <p:cxnSp>
+        <p:nvCxnSpPr>
+          <p:cNvPr id="56" name="Straight Arrow Connector 55">
+            <a:extLst>
+              <a:ext uri="{FF2B5EF4-FFF2-40B4-BE49-F238E27FC236}">
+                <a16:creationId xmlns:a16="http://schemas.microsoft.com/office/drawing/2014/main" id="{CB684C78-27E3-1DC6-CB6B-2BD96E6784C0}"/>
+              </a:ext>
+            </a:extLst>
+          </p:cNvPr>
+          <p:cNvCxnSpPr/>
+          <p:nvPr/>
+        </p:nvCxnSpPr>
+        <p:spPr>
+          <a:xfrm>
+            <a:off x="3598234" y="1757345"/>
+            <a:ext cx="1223319" cy="0"/>
+          </a:xfrm>
+          <a:prstGeom prst="straightConnector1">
+            <a:avLst/>
+          </a:prstGeom>
+          <a:ln w="28575">
+            <a:headEnd type="none" w="med" len="med"/>
+            <a:tailEnd type="arrow" w="med" len="med"/>
+          </a:ln>
+        </p:spPr>
+        <p:style>
+          <a:lnRef idx="2">
+            <a:schemeClr val="dk1"/>
+          </a:lnRef>
+          <a:fillRef idx="0">
+            <a:schemeClr val="dk1"/>
+          </a:fillRef>
+          <a:effectRef idx="1">
+            <a:schemeClr val="dk1"/>
+          </a:effectRef>
+          <a:fontRef idx="minor">
+            <a:schemeClr val="tx1"/>
+          </a:fontRef>
+        </p:style>
+      </p:cxnSp>
+      <p:cxnSp>
+        <p:nvCxnSpPr>
+          <p:cNvPr id="57" name="Straight Arrow Connector 56">
+            <a:extLst>
+              <a:ext uri="{FF2B5EF4-FFF2-40B4-BE49-F238E27FC236}">
+                <a16:creationId xmlns:a16="http://schemas.microsoft.com/office/drawing/2014/main" id="{40A1A7F0-72C4-FDA7-78C9-2D1A9B8F7D7E}"/>
+              </a:ext>
+            </a:extLst>
+          </p:cNvPr>
+          <p:cNvCxnSpPr/>
+          <p:nvPr/>
+        </p:nvCxnSpPr>
+        <p:spPr>
+          <a:xfrm>
+            <a:off x="7303984" y="1757345"/>
+            <a:ext cx="1223319" cy="0"/>
+          </a:xfrm>
+          <a:prstGeom prst="straightConnector1">
+            <a:avLst/>
+          </a:prstGeom>
+          <a:ln w="28575">
+            <a:headEnd type="none" w="med" len="med"/>
+            <a:tailEnd type="arrow" w="med" len="med"/>
+          </a:ln>
+        </p:spPr>
+        <p:style>
+          <a:lnRef idx="2">
+            <a:schemeClr val="dk1"/>
+          </a:lnRef>
+          <a:fillRef idx="0">
+            <a:schemeClr val="dk1"/>
+          </a:fillRef>
+          <a:effectRef idx="1">
+            <a:schemeClr val="dk1"/>
+          </a:effectRef>
+          <a:fontRef idx="minor">
+            <a:schemeClr val="tx1"/>
+          </a:fontRef>
+        </p:style>
+      </p:cxnSp>
+      <p:sp>
+        <p:nvSpPr>
+          <p:cNvPr id="3" name="TextBox 2">
+            <a:extLst>
+              <a:ext uri="{FF2B5EF4-FFF2-40B4-BE49-F238E27FC236}">
+                <a16:creationId xmlns:a16="http://schemas.microsoft.com/office/drawing/2014/main" id="{B416545D-0062-97DB-8F08-AF9D67E7954B}"/>
+              </a:ext>
+            </a:extLst>
+          </p:cNvPr>
+          <p:cNvSpPr txBox="1"/>
+          <p:nvPr/>
+        </p:nvSpPr>
+        <p:spPr>
+          <a:xfrm>
+            <a:off x="671944" y="1472425"/>
+            <a:ext cx="362199" cy="430887"/>
+          </a:xfrm>
+          <a:prstGeom prst="rect">
+            <a:avLst/>
+          </a:prstGeom>
+          <a:noFill/>
+        </p:spPr>
+        <p:txBody>
+          <a:bodyPr wrap="square">
+            <a:spAutoFit/>
+          </a:bodyPr>
+          <a:lstStyle/>
+          <a:p>
+            <a:r>
+              <a:rPr lang="en-US" sz="2200" b="1" noProof="0" dirty="0">
+                <a:solidFill>
+                  <a:schemeClr val="tx1"/>
+                </a:solidFill>
+                <a:latin typeface="Helvetica Neue" panose="02000503000000020004" pitchFamily="2" charset="0"/>
+                <a:ea typeface="Helvetica Neue" panose="02000503000000020004" pitchFamily="2" charset="0"/>
+                <a:cs typeface="Helvetica Neue" panose="02000503000000020004" pitchFamily="2" charset="0"/>
+              </a:rPr>
+              <a:t>A</a:t>
+            </a:r>
+            <a:endParaRPr lang="en-ES" sz="2200" b="1" dirty="0"/>
+          </a:p>
+        </p:txBody>
+      </p:sp>
+    </p:spTree>
+    <p:extLst>
+      <p:ext uri="{BB962C8B-B14F-4D97-AF65-F5344CB8AC3E}">
+        <p14:creationId xmlns:p14="http://schemas.microsoft.com/office/powerpoint/2010/main" val="3307214342"/>
+      </p:ext>
+    </p:extLst>
+  </p:cSld>
+  <p:clrMapOvr>
+    <a:masterClrMapping/>
+  </p:clrMapOvr>
+</p:sld>
+</file>
+
+<file path=ppt/slides/slide6.xml><?xml version="1.0" encoding="utf-8"?>
+<p:sld xmlns:a="http://schemas.openxmlformats.org/drawingml/2006/main" xmlns:r="http://schemas.openxmlformats.org/officeDocument/2006/relationships" xmlns:p="http://schemas.openxmlformats.org/presentationml/2006/main">
+  <p:cSld>
+    <p:spTree>
+      <p:nvGrpSpPr>
+        <p:cNvPr id="1" name=""/>
+        <p:cNvGrpSpPr/>
+        <p:nvPr/>
+      </p:nvGrpSpPr>
+      <p:grpSpPr>
+        <a:xfrm>
+          <a:off x="0" y="0"/>
+          <a:ext cx="0" cy="0"/>
+          <a:chOff x="0" y="0"/>
+          <a:chExt cx="0" cy="0"/>
+        </a:xfrm>
+      </p:grpSpPr>
+      <p:pic>
+        <p:nvPicPr>
+          <p:cNvPr id="18" name="Picture 17">
+            <a:extLst>
+              <a:ext uri="{FF2B5EF4-FFF2-40B4-BE49-F238E27FC236}">
+                <a16:creationId xmlns:a16="http://schemas.microsoft.com/office/drawing/2014/main" id="{FC4CDD37-9EC6-E694-BF89-9EB379362CBE}"/>
+              </a:ext>
+            </a:extLst>
+          </p:cNvPr>
+          <p:cNvPicPr>
+            <a:picLocks noChangeAspect="1"/>
+          </p:cNvPicPr>
+          <p:nvPr/>
+        </p:nvPicPr>
+        <p:blipFill>
+          <a:blip r:embed="rId2"/>
+          <a:stretch>
+            <a:fillRect/>
+          </a:stretch>
+        </p:blipFill>
+        <p:spPr>
+          <a:xfrm>
+            <a:off x="2209800" y="2298940"/>
+            <a:ext cx="7772400" cy="2260120"/>
           </a:xfrm>
           <a:prstGeom prst="rect">
             <a:avLst/>
@@ -3696,7 +10526,7 @@
     </p:spTree>
     <p:extLst>
       <p:ext uri="{BB962C8B-B14F-4D97-AF65-F5344CB8AC3E}">
-        <p14:creationId xmlns:p14="http://schemas.microsoft.com/office/powerpoint/2010/main" val="3799763275"/>
+        <p14:creationId xmlns:p14="http://schemas.microsoft.com/office/powerpoint/2010/main" val="3037457639"/>
       </p:ext>
     </p:extLst>
   </p:cSld>

--- a/Figures/Figure 1.pptx
+++ b/Figures/Figure 1.pptx
@@ -6,11 +6,12 @@
   </p:sldMasterIdLst>
   <p:sldIdLst>
     <p:sldId id="260" r:id="rId2"/>
-    <p:sldId id="259" r:id="rId3"/>
-    <p:sldId id="261" r:id="rId4"/>
-    <p:sldId id="262" r:id="rId5"/>
-    <p:sldId id="263" r:id="rId6"/>
-    <p:sldId id="264" r:id="rId7"/>
+    <p:sldId id="265" r:id="rId3"/>
+    <p:sldId id="259" r:id="rId4"/>
+    <p:sldId id="261" r:id="rId5"/>
+    <p:sldId id="262" r:id="rId6"/>
+    <p:sldId id="263" r:id="rId7"/>
+    <p:sldId id="264" r:id="rId8"/>
   </p:sldIdLst>
   <p:sldSz cx="12192000" cy="6858000"/>
   <p:notesSz cx="6858000" cy="9144000"/>
@@ -383,7 +384,7 @@
           <a:p>
             <a:fld id="{CAE04AF2-9FD4-4D07-8415-B4FEC9064C4B}" type="datetimeFigureOut">
               <a:rPr lang="es-ES" smtClean="0"/>
-              <a:t>15/9/25</a:t>
+              <a:t>18/9/25</a:t>
             </a:fld>
             <a:endParaRPr lang="es-ES"/>
           </a:p>
@@ -583,7 +584,7 @@
           <a:p>
             <a:fld id="{CAE04AF2-9FD4-4D07-8415-B4FEC9064C4B}" type="datetimeFigureOut">
               <a:rPr lang="es-ES" smtClean="0"/>
-              <a:t>15/9/25</a:t>
+              <a:t>18/9/25</a:t>
             </a:fld>
             <a:endParaRPr lang="es-ES"/>
           </a:p>
@@ -793,7 +794,7 @@
           <a:p>
             <a:fld id="{CAE04AF2-9FD4-4D07-8415-B4FEC9064C4B}" type="datetimeFigureOut">
               <a:rPr lang="es-ES" smtClean="0"/>
-              <a:t>15/9/25</a:t>
+              <a:t>18/9/25</a:t>
             </a:fld>
             <a:endParaRPr lang="es-ES"/>
           </a:p>
@@ -993,7 +994,7 @@
           <a:p>
             <a:fld id="{CAE04AF2-9FD4-4D07-8415-B4FEC9064C4B}" type="datetimeFigureOut">
               <a:rPr lang="es-ES" smtClean="0"/>
-              <a:t>15/9/25</a:t>
+              <a:t>18/9/25</a:t>
             </a:fld>
             <a:endParaRPr lang="es-ES"/>
           </a:p>
@@ -1269,7 +1270,7 @@
           <a:p>
             <a:fld id="{CAE04AF2-9FD4-4D07-8415-B4FEC9064C4B}" type="datetimeFigureOut">
               <a:rPr lang="es-ES" smtClean="0"/>
-              <a:t>15/9/25</a:t>
+              <a:t>18/9/25</a:t>
             </a:fld>
             <a:endParaRPr lang="es-ES"/>
           </a:p>
@@ -1537,7 +1538,7 @@
           <a:p>
             <a:fld id="{CAE04AF2-9FD4-4D07-8415-B4FEC9064C4B}" type="datetimeFigureOut">
               <a:rPr lang="es-ES" smtClean="0"/>
-              <a:t>15/9/25</a:t>
+              <a:t>18/9/25</a:t>
             </a:fld>
             <a:endParaRPr lang="es-ES"/>
           </a:p>
@@ -1952,7 +1953,7 @@
           <a:p>
             <a:fld id="{CAE04AF2-9FD4-4D07-8415-B4FEC9064C4B}" type="datetimeFigureOut">
               <a:rPr lang="es-ES" smtClean="0"/>
-              <a:t>15/9/25</a:t>
+              <a:t>18/9/25</a:t>
             </a:fld>
             <a:endParaRPr lang="es-ES"/>
           </a:p>
@@ -2094,7 +2095,7 @@
           <a:p>
             <a:fld id="{CAE04AF2-9FD4-4D07-8415-B4FEC9064C4B}" type="datetimeFigureOut">
               <a:rPr lang="es-ES" smtClean="0"/>
-              <a:t>15/9/25</a:t>
+              <a:t>18/9/25</a:t>
             </a:fld>
             <a:endParaRPr lang="es-ES"/>
           </a:p>
@@ -2207,7 +2208,7 @@
           <a:p>
             <a:fld id="{CAE04AF2-9FD4-4D07-8415-B4FEC9064C4B}" type="datetimeFigureOut">
               <a:rPr lang="es-ES" smtClean="0"/>
-              <a:t>15/9/25</a:t>
+              <a:t>18/9/25</a:t>
             </a:fld>
             <a:endParaRPr lang="es-ES"/>
           </a:p>
@@ -2520,7 +2521,7 @@
           <a:p>
             <a:fld id="{CAE04AF2-9FD4-4D07-8415-B4FEC9064C4B}" type="datetimeFigureOut">
               <a:rPr lang="es-ES" smtClean="0"/>
-              <a:t>15/9/25</a:t>
+              <a:t>18/9/25</a:t>
             </a:fld>
             <a:endParaRPr lang="es-ES"/>
           </a:p>
@@ -2809,7 +2810,7 @@
           <a:p>
             <a:fld id="{CAE04AF2-9FD4-4D07-8415-B4FEC9064C4B}" type="datetimeFigureOut">
               <a:rPr lang="es-ES" smtClean="0"/>
-              <a:t>15/9/25</a:t>
+              <a:t>18/9/25</a:t>
             </a:fld>
             <a:endParaRPr lang="es-ES"/>
           </a:p>
@@ -3052,7 +3053,7 @@
           <a:p>
             <a:fld id="{CAE04AF2-9FD4-4D07-8415-B4FEC9064C4B}" type="datetimeFigureOut">
               <a:rPr lang="es-ES" smtClean="0"/>
-              <a:t>15/9/25</a:t>
+              <a:t>18/9/25</a:t>
             </a:fld>
             <a:endParaRPr lang="es-ES"/>
           </a:p>
@@ -3807,7 +3808,7 @@
           <p:nvPr>
             <p:extLst>
               <p:ext uri="{D42A27DB-BD31-4B8C-83A1-F6EECF244321}">
-                <p14:modId xmlns:p14="http://schemas.microsoft.com/office/powerpoint/2010/main" val="1794311366"/>
+                <p14:modId xmlns:p14="http://schemas.microsoft.com/office/powerpoint/2010/main" val="3469758739"/>
               </p:ext>
             </p:extLst>
           </p:nvPr>
@@ -3917,7 +3918,7 @@
                           <a:ea typeface="Helvetica Neue" panose="02000503000000020004" pitchFamily="2" charset="0"/>
                           <a:cs typeface="Helvetica Neue" panose="02000503000000020004" pitchFamily="2" charset="0"/>
                         </a:rPr>
-                        <a:t> FORBIDDEN</a:t>
+                        <a:t>         FORBIDDEN</a:t>
                       </a:r>
                     </a:p>
                   </a:txBody>
@@ -4012,7 +4013,7 @@
                           <a:ea typeface="Helvetica Neue" panose="02000503000000020004" pitchFamily="2" charset="0"/>
                           <a:cs typeface="Helvetica Neue" panose="02000503000000020004" pitchFamily="2" charset="0"/>
                         </a:rPr>
-                        <a:t>ALLOWED</a:t>
+                        <a:t>       ALLOWED</a:t>
                       </a:r>
                     </a:p>
                   </a:txBody>
@@ -4068,7 +4069,7 @@
                           <a:ea typeface="Helvetica Neue" panose="02000503000000020004" pitchFamily="2" charset="0"/>
                           <a:cs typeface="Helvetica Neue" panose="02000503000000020004" pitchFamily="2" charset="0"/>
                         </a:rPr>
-                        <a:t>  Purposivist verdict:</a:t>
+                        <a:t>  Intentionalist verdict:</a:t>
                       </a:r>
                     </a:p>
                   </a:txBody>
@@ -4123,7 +4124,7 @@
                           <a:ea typeface="Helvetica Neue" panose="02000503000000020004" pitchFamily="2" charset="0"/>
                           <a:cs typeface="Helvetica Neue" panose="02000503000000020004" pitchFamily="2" charset="0"/>
                         </a:rPr>
-                        <a:t>ALLOWED</a:t>
+                        <a:t>     ALLOWED</a:t>
                       </a:r>
                     </a:p>
                   </a:txBody>
@@ -4230,7 +4231,7 @@
                           <a:ea typeface="Helvetica Neue" panose="02000503000000020004" pitchFamily="2" charset="0"/>
                           <a:cs typeface="Helvetica Neue" panose="02000503000000020004" pitchFamily="2" charset="0"/>
                         </a:rPr>
-                        <a:t>FORBIDDEN</a:t>
+                        <a:t>           FORBIDDEN</a:t>
                       </a:r>
                     </a:p>
                   </a:txBody>
@@ -4581,6 +4582,150 @@
           </a:graphicData>
         </a:graphic>
       </p:graphicFrame>
+      <p:pic>
+        <p:nvPicPr>
+          <p:cNvPr id="3" name="Graphic 2" descr="Badge Tick1 with solid fill">
+            <a:extLst>
+              <a:ext uri="{FF2B5EF4-FFF2-40B4-BE49-F238E27FC236}">
+                <a16:creationId xmlns:a16="http://schemas.microsoft.com/office/drawing/2014/main" id="{B4C5807A-BF81-8019-6AB3-D3CA803E6090}"/>
+              </a:ext>
+            </a:extLst>
+          </p:cNvPr>
+          <p:cNvPicPr>
+            <a:picLocks noChangeAspect="1"/>
+          </p:cNvPicPr>
+          <p:nvPr/>
+        </p:nvPicPr>
+        <p:blipFill>
+          <a:blip r:embed="rId4">
+            <a:extLst>
+              <a:ext uri="{96DAC541-7B7A-43D3-8B79-37D633B846F1}">
+                <asvg:svgBlip xmlns:asvg="http://schemas.microsoft.com/office/drawing/2016/SVG/main" r:embed="rId5"/>
+              </a:ext>
+            </a:extLst>
+          </a:blip>
+          <a:stretch>
+            <a:fillRect/>
+          </a:stretch>
+        </p:blipFill>
+        <p:spPr>
+          <a:xfrm>
+            <a:off x="4829937" y="5624615"/>
+            <a:ext cx="432000" cy="432000"/>
+          </a:xfrm>
+          <a:prstGeom prst="rect">
+            <a:avLst/>
+          </a:prstGeom>
+        </p:spPr>
+      </p:pic>
+      <p:pic>
+        <p:nvPicPr>
+          <p:cNvPr id="13" name="Graphic 12" descr="Badge Tick1 with solid fill">
+            <a:extLst>
+              <a:ext uri="{FF2B5EF4-FFF2-40B4-BE49-F238E27FC236}">
+                <a16:creationId xmlns:a16="http://schemas.microsoft.com/office/drawing/2014/main" id="{DE0BFA27-CDD0-BE22-D7E9-389CA1B9AA86}"/>
+              </a:ext>
+            </a:extLst>
+          </p:cNvPr>
+          <p:cNvPicPr>
+            <a:picLocks noChangeAspect="1"/>
+          </p:cNvPicPr>
+          <p:nvPr/>
+        </p:nvPicPr>
+        <p:blipFill>
+          <a:blip r:embed="rId4">
+            <a:extLst>
+              <a:ext uri="{96DAC541-7B7A-43D3-8B79-37D633B846F1}">
+                <asvg:svgBlip xmlns:asvg="http://schemas.microsoft.com/office/drawing/2016/SVG/main" r:embed="rId5"/>
+              </a:ext>
+            </a:extLst>
+          </a:blip>
+          <a:stretch>
+            <a:fillRect/>
+          </a:stretch>
+        </p:blipFill>
+        <p:spPr>
+          <a:xfrm>
+            <a:off x="8909645" y="5072165"/>
+            <a:ext cx="432000" cy="432000"/>
+          </a:xfrm>
+          <a:prstGeom prst="rect">
+            <a:avLst/>
+          </a:prstGeom>
+        </p:spPr>
+      </p:pic>
+      <p:pic>
+        <p:nvPicPr>
+          <p:cNvPr id="16" name="Graphic 15" descr="Badge Cross with solid fill">
+            <a:extLst>
+              <a:ext uri="{FF2B5EF4-FFF2-40B4-BE49-F238E27FC236}">
+                <a16:creationId xmlns:a16="http://schemas.microsoft.com/office/drawing/2014/main" id="{BA83C9C4-1899-011A-FAC5-EC10C54A7FE1}"/>
+              </a:ext>
+            </a:extLst>
+          </p:cNvPr>
+          <p:cNvPicPr>
+            <a:picLocks noChangeAspect="1"/>
+          </p:cNvPicPr>
+          <p:nvPr/>
+        </p:nvPicPr>
+        <p:blipFill>
+          <a:blip r:embed="rId6">
+            <a:extLst>
+              <a:ext uri="{96DAC541-7B7A-43D3-8B79-37D633B846F1}">
+                <asvg:svgBlip xmlns:asvg="http://schemas.microsoft.com/office/drawing/2016/SVG/main" r:embed="rId7"/>
+              </a:ext>
+            </a:extLst>
+          </a:blip>
+          <a:stretch>
+            <a:fillRect/>
+          </a:stretch>
+        </p:blipFill>
+        <p:spPr>
+          <a:xfrm>
+            <a:off x="4817337" y="5104019"/>
+            <a:ext cx="450000" cy="450000"/>
+          </a:xfrm>
+          <a:prstGeom prst="rect">
+            <a:avLst/>
+          </a:prstGeom>
+        </p:spPr>
+      </p:pic>
+      <p:pic>
+        <p:nvPicPr>
+          <p:cNvPr id="17" name="Graphic 16" descr="Badge Cross with solid fill">
+            <a:extLst>
+              <a:ext uri="{FF2B5EF4-FFF2-40B4-BE49-F238E27FC236}">
+                <a16:creationId xmlns:a16="http://schemas.microsoft.com/office/drawing/2014/main" id="{F69B66BA-5997-DB5F-1365-7000FA776E10}"/>
+              </a:ext>
+            </a:extLst>
+          </p:cNvPr>
+          <p:cNvPicPr>
+            <a:picLocks noChangeAspect="1"/>
+          </p:cNvPicPr>
+          <p:nvPr/>
+        </p:nvPicPr>
+        <p:blipFill>
+          <a:blip r:embed="rId6">
+            <a:extLst>
+              <a:ext uri="{96DAC541-7B7A-43D3-8B79-37D633B846F1}">
+                <asvg:svgBlip xmlns:asvg="http://schemas.microsoft.com/office/drawing/2016/SVG/main" r:embed="rId7"/>
+              </a:ext>
+            </a:extLst>
+          </a:blip>
+          <a:stretch>
+            <a:fillRect/>
+          </a:stretch>
+        </p:blipFill>
+        <p:spPr>
+          <a:xfrm>
+            <a:off x="8909645" y="5615615"/>
+            <a:ext cx="450000" cy="450000"/>
+          </a:xfrm>
+          <a:prstGeom prst="rect">
+            <a:avLst/>
+          </a:prstGeom>
+        </p:spPr>
+      </p:pic>
     </p:spTree>
     <p:extLst>
       <p:ext uri="{BB962C8B-B14F-4D97-AF65-F5344CB8AC3E}">
@@ -4599,7 +4744,13 @@
   <p:cSld>
     <p:spTree>
       <p:nvGrpSpPr>
-        <p:cNvPr id="1" name=""/>
+        <p:cNvPr id="1" name="">
+          <a:extLst>
+            <a:ext uri="{FF2B5EF4-FFF2-40B4-BE49-F238E27FC236}">
+              <a16:creationId xmlns:a16="http://schemas.microsoft.com/office/drawing/2014/main" id="{FEA6EE76-296E-8A17-2E3B-69919DAA33F7}"/>
+            </a:ext>
+          </a:extLst>
+        </p:cNvPr>
         <p:cNvGrpSpPr/>
         <p:nvPr/>
       </p:nvGrpSpPr>
@@ -4613,10 +4764,10 @@
       </p:grpSpPr>
       <p:pic>
         <p:nvPicPr>
-          <p:cNvPr id="40" name="Picture 39">
-            <a:extLst>
-              <a:ext uri="{FF2B5EF4-FFF2-40B4-BE49-F238E27FC236}">
-                <a16:creationId xmlns:a16="http://schemas.microsoft.com/office/drawing/2014/main" id="{310F60B9-BA43-FCF0-1F34-46240DA450DB}"/>
+          <p:cNvPr id="30" name="Picture 29">
+            <a:extLst>
+              <a:ext uri="{FF2B5EF4-FFF2-40B4-BE49-F238E27FC236}">
+                <a16:creationId xmlns:a16="http://schemas.microsoft.com/office/drawing/2014/main" id="{45C5714B-170E-4FA6-B850-39E28AA6662D}"/>
               </a:ext>
             </a:extLst>
           </p:cNvPr>
@@ -4644,7 +4795,7 @@
     </p:spTree>
     <p:extLst>
       <p:ext uri="{BB962C8B-B14F-4D97-AF65-F5344CB8AC3E}">
-        <p14:creationId xmlns:p14="http://schemas.microsoft.com/office/powerpoint/2010/main" val="438197373"/>
+        <p14:creationId xmlns:p14="http://schemas.microsoft.com/office/powerpoint/2010/main" val="2574723974"/>
       </p:ext>
     </p:extLst>
   </p:cSld>
@@ -4671,6 +4822,66 @@
           <a:chExt cx="0" cy="0"/>
         </a:xfrm>
       </p:grpSpPr>
+      <p:pic>
+        <p:nvPicPr>
+          <p:cNvPr id="12" name="Picture 11">
+            <a:extLst>
+              <a:ext uri="{FF2B5EF4-FFF2-40B4-BE49-F238E27FC236}">
+                <a16:creationId xmlns:a16="http://schemas.microsoft.com/office/drawing/2014/main" id="{56254BCD-4617-FD43-667B-F4B8DCA414B1}"/>
+              </a:ext>
+            </a:extLst>
+          </p:cNvPr>
+          <p:cNvPicPr>
+            <a:picLocks noChangeAspect="1"/>
+          </p:cNvPicPr>
+          <p:nvPr/>
+        </p:nvPicPr>
+        <p:blipFill>
+          <a:blip r:embed="rId2"/>
+          <a:stretch>
+            <a:fillRect/>
+          </a:stretch>
+        </p:blipFill>
+        <p:spPr>
+          <a:xfrm>
+            <a:off x="2209800" y="1461803"/>
+            <a:ext cx="7772400" cy="3934394"/>
+          </a:xfrm>
+          <a:prstGeom prst="rect">
+            <a:avLst/>
+          </a:prstGeom>
+        </p:spPr>
+      </p:pic>
+    </p:spTree>
+    <p:extLst>
+      <p:ext uri="{BB962C8B-B14F-4D97-AF65-F5344CB8AC3E}">
+        <p14:creationId xmlns:p14="http://schemas.microsoft.com/office/powerpoint/2010/main" val="438197373"/>
+      </p:ext>
+    </p:extLst>
+  </p:cSld>
+  <p:clrMapOvr>
+    <a:masterClrMapping/>
+  </p:clrMapOvr>
+</p:sld>
+</file>
+
+<file path=ppt/slides/slide4.xml><?xml version="1.0" encoding="utf-8"?>
+<p:sld xmlns:a="http://schemas.openxmlformats.org/drawingml/2006/main" xmlns:r="http://schemas.openxmlformats.org/officeDocument/2006/relationships" xmlns:p="http://schemas.openxmlformats.org/presentationml/2006/main">
+  <p:cSld>
+    <p:spTree>
+      <p:nvGrpSpPr>
+        <p:cNvPr id="1" name=""/>
+        <p:cNvGrpSpPr/>
+        <p:nvPr/>
+      </p:nvGrpSpPr>
+      <p:grpSpPr>
+        <a:xfrm>
+          <a:off x="0" y="0"/>
+          <a:ext cx="0" cy="0"/>
+          <a:chOff x="0" y="0"/>
+          <a:chExt cx="0" cy="0"/>
+        </a:xfrm>
+      </p:grpSpPr>
       <p:sp>
         <p:nvSpPr>
           <p:cNvPr id="4" name="Rectangle 3">
@@ -7163,7 +7374,7 @@
 </p:sld>
 </file>
 
-<file path=ppt/slides/slide4.xml><?xml version="1.0" encoding="utf-8"?>
+<file path=ppt/slides/slide5.xml><?xml version="1.0" encoding="utf-8"?>
 <p:sld xmlns:a="http://schemas.openxmlformats.org/drawingml/2006/main" xmlns:r="http://schemas.openxmlformats.org/officeDocument/2006/relationships" xmlns:p="http://schemas.openxmlformats.org/presentationml/2006/main">
   <p:cSld>
     <p:spTree>
@@ -7625,102 +7836,6 @@
       </p:sp>
       <p:sp>
         <p:nvSpPr>
-          <p:cNvPr id="93" name="Rectangle: Rounded Corners 51">
-            <a:extLst>
-              <a:ext uri="{FF2B5EF4-FFF2-40B4-BE49-F238E27FC236}">
-                <a16:creationId xmlns:a16="http://schemas.microsoft.com/office/drawing/2014/main" id="{AC0C10F2-5EE1-01EF-E98E-3028B386E83D}"/>
-              </a:ext>
-            </a:extLst>
-          </p:cNvPr>
-          <p:cNvSpPr/>
-          <p:nvPr/>
-        </p:nvSpPr>
-        <p:spPr>
-          <a:xfrm>
-            <a:off x="11739544" y="4408030"/>
-            <a:ext cx="282758" cy="175673"/>
-          </a:xfrm>
-          <a:prstGeom prst="roundRect">
-            <a:avLst/>
-          </a:prstGeom>
-          <a:solidFill>
-            <a:schemeClr val="bg1">
-              <a:lumMod val="75000"/>
-            </a:schemeClr>
-          </a:solidFill>
-          <a:ln>
-            <a:noFill/>
-          </a:ln>
-        </p:spPr>
-        <p:style>
-          <a:lnRef idx="3">
-            <a:schemeClr val="lt1"/>
-          </a:lnRef>
-          <a:fillRef idx="1">
-            <a:schemeClr val="accent4"/>
-          </a:fillRef>
-          <a:effectRef idx="1">
-            <a:schemeClr val="accent4"/>
-          </a:effectRef>
-          <a:fontRef idx="minor">
-            <a:schemeClr val="lt1"/>
-          </a:fontRef>
-        </p:style>
-        <p:txBody>
-          <a:bodyPr rtlCol="0" anchor="ctr"/>
-          <a:lstStyle/>
-          <a:p>
-            <a:pPr algn="ctr"/>
-            <a:endParaRPr lang="es-ES"/>
-          </a:p>
-        </p:txBody>
-      </p:sp>
-      <p:cxnSp>
-        <p:nvCxnSpPr>
-          <p:cNvPr id="94" name="Straight Arrow Connector 93">
-            <a:extLst>
-              <a:ext uri="{FF2B5EF4-FFF2-40B4-BE49-F238E27FC236}">
-                <a16:creationId xmlns:a16="http://schemas.microsoft.com/office/drawing/2014/main" id="{4B8590D0-C9BD-D360-16F2-1B4F9D6D873E}"/>
-              </a:ext>
-            </a:extLst>
-          </p:cNvPr>
-          <p:cNvCxnSpPr>
-            <a:cxnSpLocks/>
-          </p:cNvCxnSpPr>
-          <p:nvPr/>
-        </p:nvCxnSpPr>
-        <p:spPr>
-          <a:xfrm>
-            <a:off x="11799283" y="4486916"/>
-            <a:ext cx="163280" cy="0"/>
-          </a:xfrm>
-          <a:prstGeom prst="straightConnector1">
-            <a:avLst/>
-          </a:prstGeom>
-          <a:ln>
-            <a:solidFill>
-              <a:schemeClr val="bg1"/>
-            </a:solidFill>
-            <a:tailEnd type="triangle"/>
-          </a:ln>
-        </p:spPr>
-        <p:style>
-          <a:lnRef idx="2">
-            <a:schemeClr val="accent1"/>
-          </a:lnRef>
-          <a:fillRef idx="0">
-            <a:schemeClr val="accent1"/>
-          </a:fillRef>
-          <a:effectRef idx="1">
-            <a:schemeClr val="accent1"/>
-          </a:effectRef>
-          <a:fontRef idx="minor">
-            <a:schemeClr val="tx1"/>
-          </a:fontRef>
-        </p:style>
-      </p:cxnSp>
-      <p:sp>
-        <p:nvSpPr>
           <p:cNvPr id="95" name="TextBox 94">
             <a:extLst>
               <a:ext uri="{FF2B5EF4-FFF2-40B4-BE49-F238E27FC236}">
@@ -8550,7 +8665,7 @@
         </p:nvSpPr>
         <p:spPr>
           <a:xfrm>
-            <a:off x="7214557" y="3361086"/>
+            <a:off x="7209477" y="3350926"/>
             <a:ext cx="282758" cy="175673"/>
           </a:xfrm>
           <a:prstGeom prst="roundRect">
@@ -8561,6 +8676,7 @@
               <a:lumMod val="75000"/>
             </a:schemeClr>
           </a:solidFill>
+          <a:ln w="9525"/>
         </p:spPr>
         <p:style>
           <a:lnRef idx="3">
@@ -9006,7 +9122,7 @@
         </p:nvCxnSpPr>
         <p:spPr>
           <a:xfrm>
-            <a:off x="7694842" y="4486916"/>
+            <a:off x="7699922" y="4497076"/>
             <a:ext cx="163280" cy="0"/>
           </a:xfrm>
           <a:prstGeom prst="straightConnector1">
@@ -9217,145 +9333,6 @@
       </p:sp>
       <p:sp>
         <p:nvSpPr>
-          <p:cNvPr id="97" name="TextBox 96">
-            <a:extLst>
-              <a:ext uri="{FF2B5EF4-FFF2-40B4-BE49-F238E27FC236}">
-                <a16:creationId xmlns:a16="http://schemas.microsoft.com/office/drawing/2014/main" id="{510C2ED9-31B9-00C4-ED67-BB8CD1C48EF8}"/>
-              </a:ext>
-            </a:extLst>
-          </p:cNvPr>
-          <p:cNvSpPr txBox="1"/>
-          <p:nvPr/>
-        </p:nvSpPr>
-        <p:spPr>
-          <a:xfrm>
-            <a:off x="372140" y="2036916"/>
-            <a:ext cx="3270116" cy="369332"/>
-          </a:xfrm>
-          <a:prstGeom prst="rect">
-            <a:avLst/>
-          </a:prstGeom>
-          <a:noFill/>
-        </p:spPr>
-        <p:txBody>
-          <a:bodyPr wrap="square">
-            <a:spAutoFit/>
-          </a:bodyPr>
-          <a:lstStyle/>
-          <a:p>
-            <a:r>
-              <a:rPr lang="en-US" sz="1800" b="1" noProof="0" dirty="0">
-                <a:solidFill>
-                  <a:schemeClr val="tx1"/>
-                </a:solidFill>
-                <a:latin typeface="Helvetica Neue" panose="02000503000000020004" pitchFamily="2" charset="0"/>
-                <a:ea typeface="Helvetica Neue" panose="02000503000000020004" pitchFamily="2" charset="0"/>
-                <a:cs typeface="Helvetica Neue" panose="02000503000000020004" pitchFamily="2" charset="0"/>
-              </a:rPr>
-              <a:t>1. Rule presentation</a:t>
-            </a:r>
-            <a:endParaRPr lang="en-ES" dirty="0"/>
-          </a:p>
-        </p:txBody>
-      </p:sp>
-      <p:sp>
-        <p:nvSpPr>
-          <p:cNvPr id="98" name="TextBox 97">
-            <a:extLst>
-              <a:ext uri="{FF2B5EF4-FFF2-40B4-BE49-F238E27FC236}">
-                <a16:creationId xmlns:a16="http://schemas.microsoft.com/office/drawing/2014/main" id="{80C76E54-6864-4D59-5309-A5BCA4C1037B}"/>
-              </a:ext>
-            </a:extLst>
-          </p:cNvPr>
-          <p:cNvSpPr txBox="1"/>
-          <p:nvPr/>
-        </p:nvSpPr>
-        <p:spPr>
-          <a:xfrm>
-            <a:off x="4042486" y="1600200"/>
-            <a:ext cx="3905041" cy="369332"/>
-          </a:xfrm>
-          <a:prstGeom prst="rect">
-            <a:avLst/>
-          </a:prstGeom>
-          <a:noFill/>
-        </p:spPr>
-        <p:txBody>
-          <a:bodyPr wrap="square">
-            <a:spAutoFit/>
-          </a:bodyPr>
-          <a:lstStyle/>
-          <a:p>
-            <a:pPr algn="ctr"/>
-            <a:r>
-              <a:rPr lang="en-US" b="1" dirty="0">
-                <a:latin typeface="Helvetica Neue" panose="02000503000000020004" pitchFamily="2" charset="0"/>
-                <a:ea typeface="Helvetica Neue" panose="02000503000000020004" pitchFamily="2" charset="0"/>
-                <a:cs typeface="Helvetica Neue" panose="02000503000000020004" pitchFamily="2" charset="0"/>
-              </a:rPr>
-              <a:t>2</a:t>
-            </a:r>
-            <a:r>
-              <a:rPr lang="en-US" sz="1800" b="1" noProof="0" dirty="0">
-                <a:solidFill>
-                  <a:schemeClr val="tx1"/>
-                </a:solidFill>
-                <a:latin typeface="Helvetica Neue" panose="02000503000000020004" pitchFamily="2" charset="0"/>
-                <a:ea typeface="Helvetica Neue" panose="02000503000000020004" pitchFamily="2" charset="0"/>
-                <a:cs typeface="Helvetica Neue" panose="02000503000000020004" pitchFamily="2" charset="0"/>
-              </a:rPr>
-              <a:t>. Control cases</a:t>
-            </a:r>
-            <a:endParaRPr lang="en-ES" dirty="0"/>
-          </a:p>
-        </p:txBody>
-      </p:sp>
-      <p:sp>
-        <p:nvSpPr>
-          <p:cNvPr id="99" name="TextBox 98">
-            <a:extLst>
-              <a:ext uri="{FF2B5EF4-FFF2-40B4-BE49-F238E27FC236}">
-                <a16:creationId xmlns:a16="http://schemas.microsoft.com/office/drawing/2014/main" id="{A8CDA85C-59C4-FC10-6677-1A91B329251F}"/>
-              </a:ext>
-            </a:extLst>
-          </p:cNvPr>
-          <p:cNvSpPr txBox="1"/>
-          <p:nvPr/>
-        </p:nvSpPr>
-        <p:spPr>
-          <a:xfrm>
-            <a:off x="8224499" y="1616149"/>
-            <a:ext cx="3827470" cy="369332"/>
-          </a:xfrm>
-          <a:prstGeom prst="rect">
-            <a:avLst/>
-          </a:prstGeom>
-          <a:noFill/>
-        </p:spPr>
-        <p:txBody>
-          <a:bodyPr wrap="square">
-            <a:spAutoFit/>
-          </a:bodyPr>
-          <a:lstStyle/>
-          <a:p>
-            <a:pPr algn="ctr"/>
-            <a:r>
-              <a:rPr lang="en-US" sz="1800" b="1" noProof="0" dirty="0">
-                <a:solidFill>
-                  <a:schemeClr val="tx1"/>
-                </a:solidFill>
-                <a:latin typeface="Helvetica Neue" panose="02000503000000020004" pitchFamily="2" charset="0"/>
-                <a:ea typeface="Helvetica Neue" panose="02000503000000020004" pitchFamily="2" charset="0"/>
-                <a:cs typeface="Helvetica Neue" panose="02000503000000020004" pitchFamily="2" charset="0"/>
-              </a:rPr>
-              <a:t>3. Conflict cases</a:t>
-            </a:r>
-            <a:endParaRPr lang="en-ES" dirty="0"/>
-          </a:p>
-        </p:txBody>
-      </p:sp>
-      <p:sp>
-        <p:nvSpPr>
           <p:cNvPr id="11" name="Rectangle 10">
             <a:extLst>
               <a:ext uri="{FF2B5EF4-FFF2-40B4-BE49-F238E27FC236}">
@@ -9662,7 +9639,7 @@
         </p:nvSpPr>
         <p:spPr>
           <a:xfrm>
-            <a:off x="11396569" y="3361086"/>
+            <a:off x="11384886" y="3347621"/>
             <a:ext cx="282758" cy="175673"/>
           </a:xfrm>
           <a:prstGeom prst="roundRect">
@@ -9673,6 +9650,13 @@
               <a:lumMod val="75000"/>
             </a:schemeClr>
           </a:solidFill>
+          <a:ln w="9525">
+            <a:solidFill>
+              <a:schemeClr val="bg1">
+                <a:lumMod val="95000"/>
+              </a:schemeClr>
+            </a:solidFill>
+          </a:ln>
         </p:spPr>
         <p:style>
           <a:lnRef idx="3">
@@ -9713,7 +9697,7 @@
         </p:nvCxnSpPr>
         <p:spPr>
           <a:xfrm>
-            <a:off x="11456308" y="3439972"/>
+            <a:off x="11449705" y="3436667"/>
             <a:ext cx="163280" cy="0"/>
           </a:xfrm>
           <a:prstGeom prst="straightConnector1">
@@ -9777,6 +9761,106 @@
           </a:p>
         </p:txBody>
       </p:sp>
+      <p:sp>
+        <p:nvSpPr>
+          <p:cNvPr id="12" name="Rectangle: Rounded Corners 51">
+            <a:extLst>
+              <a:ext uri="{FF2B5EF4-FFF2-40B4-BE49-F238E27FC236}">
+                <a16:creationId xmlns:a16="http://schemas.microsoft.com/office/drawing/2014/main" id="{041DCDDE-566E-469A-EDCF-629BF4C1A969}"/>
+              </a:ext>
+            </a:extLst>
+          </p:cNvPr>
+          <p:cNvSpPr/>
+          <p:nvPr/>
+        </p:nvSpPr>
+        <p:spPr>
+          <a:xfrm>
+            <a:off x="11719154" y="4408030"/>
+            <a:ext cx="282758" cy="175673"/>
+          </a:xfrm>
+          <a:prstGeom prst="roundRect">
+            <a:avLst/>
+          </a:prstGeom>
+          <a:solidFill>
+            <a:schemeClr val="bg1">
+              <a:lumMod val="75000"/>
+            </a:schemeClr>
+          </a:solidFill>
+          <a:ln w="9525">
+            <a:solidFill>
+              <a:schemeClr val="bg1">
+                <a:lumMod val="95000"/>
+              </a:schemeClr>
+            </a:solidFill>
+          </a:ln>
+        </p:spPr>
+        <p:style>
+          <a:lnRef idx="3">
+            <a:schemeClr val="lt1"/>
+          </a:lnRef>
+          <a:fillRef idx="1">
+            <a:schemeClr val="accent4"/>
+          </a:fillRef>
+          <a:effectRef idx="1">
+            <a:schemeClr val="accent4"/>
+          </a:effectRef>
+          <a:fontRef idx="minor">
+            <a:schemeClr val="lt1"/>
+          </a:fontRef>
+        </p:style>
+        <p:txBody>
+          <a:bodyPr rtlCol="0" anchor="ctr"/>
+          <a:lstStyle/>
+          <a:p>
+            <a:pPr algn="ctr"/>
+            <a:endParaRPr lang="es-ES"/>
+          </a:p>
+        </p:txBody>
+      </p:sp>
+      <p:cxnSp>
+        <p:nvCxnSpPr>
+          <p:cNvPr id="94" name="Straight Arrow Connector 93">
+            <a:extLst>
+              <a:ext uri="{FF2B5EF4-FFF2-40B4-BE49-F238E27FC236}">
+                <a16:creationId xmlns:a16="http://schemas.microsoft.com/office/drawing/2014/main" id="{4B8590D0-C9BD-D360-16F2-1B4F9D6D873E}"/>
+              </a:ext>
+            </a:extLst>
+          </p:cNvPr>
+          <p:cNvCxnSpPr>
+            <a:cxnSpLocks/>
+          </p:cNvCxnSpPr>
+          <p:nvPr/>
+        </p:nvCxnSpPr>
+        <p:spPr>
+          <a:xfrm>
+            <a:off x="11783973" y="4494586"/>
+            <a:ext cx="163280" cy="0"/>
+          </a:xfrm>
+          <a:prstGeom prst="straightConnector1">
+            <a:avLst/>
+          </a:prstGeom>
+          <a:ln>
+            <a:solidFill>
+              <a:schemeClr val="bg1"/>
+            </a:solidFill>
+            <a:tailEnd type="triangle"/>
+          </a:ln>
+        </p:spPr>
+        <p:style>
+          <a:lnRef idx="2">
+            <a:schemeClr val="accent1"/>
+          </a:lnRef>
+          <a:fillRef idx="0">
+            <a:schemeClr val="accent1"/>
+          </a:fillRef>
+          <a:effectRef idx="1">
+            <a:schemeClr val="accent1"/>
+          </a:effectRef>
+          <a:fontRef idx="minor">
+            <a:schemeClr val="tx1"/>
+          </a:fontRef>
+        </p:style>
+      </p:cxnSp>
     </p:spTree>
     <p:extLst>
       <p:ext uri="{BB962C8B-B14F-4D97-AF65-F5344CB8AC3E}">
@@ -9790,7 +9874,7 @@
 </p:sld>
 </file>
 
-<file path=ppt/slides/slide5.xml><?xml version="1.0" encoding="utf-8"?>
+<file path=ppt/slides/slide6.xml><?xml version="1.0" encoding="utf-8"?>
 <p:sld xmlns:a="http://schemas.openxmlformats.org/drawingml/2006/main" xmlns:r="http://schemas.openxmlformats.org/officeDocument/2006/relationships" xmlns:p="http://schemas.openxmlformats.org/presentationml/2006/main">
   <p:cSld>
     <p:spTree>
@@ -10280,66 +10364,6 @@
           </a:prstGeom>
         </p:spPr>
       </p:pic>
-      <p:pic>
-        <p:nvPicPr>
-          <p:cNvPr id="31" name="Picture 30">
-            <a:extLst>
-              <a:ext uri="{FF2B5EF4-FFF2-40B4-BE49-F238E27FC236}">
-                <a16:creationId xmlns:a16="http://schemas.microsoft.com/office/drawing/2014/main" id="{B058C20D-4604-9577-A7CE-2E7327355E1B}"/>
-              </a:ext>
-            </a:extLst>
-          </p:cNvPr>
-          <p:cNvPicPr>
-            <a:picLocks noChangeAspect="1"/>
-          </p:cNvPicPr>
-          <p:nvPr/>
-        </p:nvPicPr>
-        <p:blipFill>
-          <a:blip r:embed="rId3"/>
-          <a:stretch>
-            <a:fillRect/>
-          </a:stretch>
-        </p:blipFill>
-        <p:spPr>
-          <a:xfrm>
-            <a:off x="4266702" y="2023962"/>
-            <a:ext cx="3600000" cy="2396142"/>
-          </a:xfrm>
-          <a:prstGeom prst="rect">
-            <a:avLst/>
-          </a:prstGeom>
-        </p:spPr>
-      </p:pic>
-      <p:pic>
-        <p:nvPicPr>
-          <p:cNvPr id="54" name="Picture 53">
-            <a:extLst>
-              <a:ext uri="{FF2B5EF4-FFF2-40B4-BE49-F238E27FC236}">
-                <a16:creationId xmlns:a16="http://schemas.microsoft.com/office/drawing/2014/main" id="{01735A2B-EA96-499A-5641-CA66B5EC9038}"/>
-              </a:ext>
-            </a:extLst>
-          </p:cNvPr>
-          <p:cNvPicPr>
-            <a:picLocks noChangeAspect="1"/>
-          </p:cNvPicPr>
-          <p:nvPr/>
-        </p:nvPicPr>
-        <p:blipFill>
-          <a:blip r:embed="rId4"/>
-          <a:stretch>
-            <a:fillRect/>
-          </a:stretch>
-        </p:blipFill>
-        <p:spPr>
-          <a:xfrm>
-            <a:off x="8097468" y="2000393"/>
-            <a:ext cx="3600000" cy="2443279"/>
-          </a:xfrm>
-          <a:prstGeom prst="rect">
-            <a:avLst/>
-          </a:prstGeom>
-        </p:spPr>
-      </p:pic>
       <p:cxnSp>
         <p:nvCxnSpPr>
           <p:cNvPr id="56" name="Straight Arrow Connector 55">
@@ -10463,6 +10487,66 @@
           </a:p>
         </p:txBody>
       </p:sp>
+      <p:pic>
+        <p:nvPicPr>
+          <p:cNvPr id="26" name="Picture 25">
+            <a:extLst>
+              <a:ext uri="{FF2B5EF4-FFF2-40B4-BE49-F238E27FC236}">
+                <a16:creationId xmlns:a16="http://schemas.microsoft.com/office/drawing/2014/main" id="{8B6B6A89-C9B5-3A63-EF29-11E9B4E68536}"/>
+              </a:ext>
+            </a:extLst>
+          </p:cNvPr>
+          <p:cNvPicPr>
+            <a:picLocks noChangeAspect="1"/>
+          </p:cNvPicPr>
+          <p:nvPr/>
+        </p:nvPicPr>
+        <p:blipFill>
+          <a:blip r:embed="rId3"/>
+          <a:stretch>
+            <a:fillRect/>
+          </a:stretch>
+        </p:blipFill>
+        <p:spPr>
+          <a:xfrm>
+            <a:off x="4276643" y="2022697"/>
+            <a:ext cx="3600000" cy="2396141"/>
+          </a:xfrm>
+          <a:prstGeom prst="rect">
+            <a:avLst/>
+          </a:prstGeom>
+        </p:spPr>
+      </p:pic>
+      <p:pic>
+        <p:nvPicPr>
+          <p:cNvPr id="51" name="Picture 50">
+            <a:extLst>
+              <a:ext uri="{FF2B5EF4-FFF2-40B4-BE49-F238E27FC236}">
+                <a16:creationId xmlns:a16="http://schemas.microsoft.com/office/drawing/2014/main" id="{D60B9107-D35C-E11D-DA1C-56447546663D}"/>
+              </a:ext>
+            </a:extLst>
+          </p:cNvPr>
+          <p:cNvPicPr>
+            <a:picLocks noChangeAspect="1"/>
+          </p:cNvPicPr>
+          <p:nvPr/>
+        </p:nvPicPr>
+        <p:blipFill>
+          <a:blip r:embed="rId4"/>
+          <a:stretch>
+            <a:fillRect/>
+          </a:stretch>
+        </p:blipFill>
+        <p:spPr>
+          <a:xfrm>
+            <a:off x="8097468" y="1993984"/>
+            <a:ext cx="3594758" cy="2439721"/>
+          </a:xfrm>
+          <a:prstGeom prst="rect">
+            <a:avLst/>
+          </a:prstGeom>
+        </p:spPr>
+      </p:pic>
     </p:spTree>
     <p:extLst>
       <p:ext uri="{BB962C8B-B14F-4D97-AF65-F5344CB8AC3E}">
@@ -10476,7 +10560,7 @@
 </p:sld>
 </file>
 
-<file path=ppt/slides/slide6.xml><?xml version="1.0" encoding="utf-8"?>
+<file path=ppt/slides/slide7.xml><?xml version="1.0" encoding="utf-8"?>
 <p:sld xmlns:a="http://schemas.openxmlformats.org/drawingml/2006/main" xmlns:r="http://schemas.openxmlformats.org/officeDocument/2006/relationships" xmlns:p="http://schemas.openxmlformats.org/presentationml/2006/main">
   <p:cSld>
     <p:spTree>
@@ -10495,10 +10579,10 @@
       </p:grpSpPr>
       <p:pic>
         <p:nvPicPr>
-          <p:cNvPr id="18" name="Picture 17">
-            <a:extLst>
-              <a:ext uri="{FF2B5EF4-FFF2-40B4-BE49-F238E27FC236}">
-                <a16:creationId xmlns:a16="http://schemas.microsoft.com/office/drawing/2014/main" id="{FC4CDD37-9EC6-E694-BF89-9EB379362CBE}"/>
+          <p:cNvPr id="9" name="Picture 8">
+            <a:extLst>
+              <a:ext uri="{FF2B5EF4-FFF2-40B4-BE49-F238E27FC236}">
+                <a16:creationId xmlns:a16="http://schemas.microsoft.com/office/drawing/2014/main" id="{AAC955B8-3A40-5048-F14A-44039849B1B3}"/>
               </a:ext>
             </a:extLst>
           </p:cNvPr>
